--- a/Documents/PVV-Visualizer.pptx
+++ b/Documents/PVV-Visualizer.pptx
@@ -6,26 +6,28 @@
   </p:sldMasterIdLst>
   <p:sldIdLst>
     <p:sldId id="256" r:id="rId2"/>
-    <p:sldId id="263" r:id="rId3"/>
-    <p:sldId id="258" r:id="rId4"/>
-    <p:sldId id="259" r:id="rId5"/>
-    <p:sldId id="260" r:id="rId6"/>
-    <p:sldId id="261" r:id="rId7"/>
-    <p:sldId id="262" r:id="rId8"/>
-    <p:sldId id="264" r:id="rId9"/>
-    <p:sldId id="257" r:id="rId10"/>
-    <p:sldId id="270" r:id="rId11"/>
-    <p:sldId id="268" r:id="rId12"/>
-    <p:sldId id="272" r:id="rId13"/>
-    <p:sldId id="273" r:id="rId14"/>
-    <p:sldId id="274" r:id="rId15"/>
-    <p:sldId id="275" r:id="rId16"/>
-    <p:sldId id="276" r:id="rId17"/>
-    <p:sldId id="277" r:id="rId18"/>
-    <p:sldId id="278" r:id="rId19"/>
-    <p:sldId id="280" r:id="rId20"/>
-    <p:sldId id="279" r:id="rId21"/>
-    <p:sldId id="281" r:id="rId22"/>
+    <p:sldId id="282" r:id="rId3"/>
+    <p:sldId id="263" r:id="rId4"/>
+    <p:sldId id="258" r:id="rId5"/>
+    <p:sldId id="259" r:id="rId6"/>
+    <p:sldId id="260" r:id="rId7"/>
+    <p:sldId id="283" r:id="rId8"/>
+    <p:sldId id="261" r:id="rId9"/>
+    <p:sldId id="262" r:id="rId10"/>
+    <p:sldId id="264" r:id="rId11"/>
+    <p:sldId id="257" r:id="rId12"/>
+    <p:sldId id="270" r:id="rId13"/>
+    <p:sldId id="268" r:id="rId14"/>
+    <p:sldId id="272" r:id="rId15"/>
+    <p:sldId id="273" r:id="rId16"/>
+    <p:sldId id="274" r:id="rId17"/>
+    <p:sldId id="275" r:id="rId18"/>
+    <p:sldId id="276" r:id="rId19"/>
+    <p:sldId id="277" r:id="rId20"/>
+    <p:sldId id="278" r:id="rId21"/>
+    <p:sldId id="280" r:id="rId22"/>
+    <p:sldId id="279" r:id="rId23"/>
+    <p:sldId id="281" r:id="rId24"/>
   </p:sldIdLst>
   <p:sldSz cx="12192000" cy="6858000"/>
   <p:notesSz cx="6858000" cy="9144000"/>
@@ -130,10 +132,12 @@
         <p14:section name="Default Section" id="{31A7EA5B-91AE-4D39-9FFA-DDDEF222B8B7}">
           <p14:sldIdLst>
             <p14:sldId id="256"/>
+            <p14:sldId id="282"/>
             <p14:sldId id="263"/>
             <p14:sldId id="258"/>
             <p14:sldId id="259"/>
             <p14:sldId id="260"/>
+            <p14:sldId id="283"/>
             <p14:sldId id="261"/>
             <p14:sldId id="262"/>
             <p14:sldId id="264"/>
@@ -161,23 +165,256 @@
 </p:presentation>
 </file>
 
+<file path=ppt/revisionInfo.xml><?xml version="1.0" encoding="utf-8"?>
+<p1510:revInfo xmlns:a="http://schemas.openxmlformats.org/drawingml/2006/main" xmlns:r="http://schemas.openxmlformats.org/officeDocument/2006/relationships" xmlns:p1510="http://schemas.microsoft.com/office/powerpoint/2015/10/main">
+  <p1510:revLst>
+    <p1510:client id="{AB865978-72DF-4393-BA79-AF447691D77D}" v="89" dt="2022-11-15T13:00:49.998"/>
+  </p1510:revLst>
+</p1510:revInfo>
+</file>
+
 <file path=ppt/changesInfos/changesInfo1.xml><?xml version="1.0" encoding="utf-8"?>
 <pc:chgInfo xmlns:a="http://schemas.openxmlformats.org/drawingml/2006/main" xmlns:r="http://schemas.openxmlformats.org/officeDocument/2006/relationships" xmlns:ac="http://schemas.microsoft.com/office/drawing/2013/main/command" xmlns:pc="http://schemas.microsoft.com/office/powerpoint/2013/main/command">
   <pc:docChgLst>
     <pc:chgData name="Antonio Peric" userId="68157115d40ac8e2" providerId="LiveId" clId="{AB865978-72DF-4393-BA79-AF447691D77D}"/>
     <pc:docChg chg="custSel addSld delSld modSld modSection">
-      <pc:chgData name="Antonio Peric" userId="68157115d40ac8e2" providerId="LiveId" clId="{AB865978-72DF-4393-BA79-AF447691D77D}" dt="2022-11-15T09:54:23.148" v="189" actId="5793"/>
+      <pc:chgData name="Antonio Peric" userId="68157115d40ac8e2" providerId="LiveId" clId="{AB865978-72DF-4393-BA79-AF447691D77D}" dt="2022-11-15T13:09:02.127" v="395" actId="20577"/>
       <pc:docMkLst>
         <pc:docMk/>
       </pc:docMkLst>
+      <pc:sldChg chg="modSp mod">
+        <pc:chgData name="Antonio Peric" userId="68157115d40ac8e2" providerId="LiveId" clId="{AB865978-72DF-4393-BA79-AF447691D77D}" dt="2022-11-15T13:09:02.127" v="395" actId="20577"/>
+        <pc:sldMkLst>
+          <pc:docMk/>
+          <pc:sldMk cId="3355684697" sldId="256"/>
+        </pc:sldMkLst>
+        <pc:spChg chg="mod">
+          <ac:chgData name="Antonio Peric" userId="68157115d40ac8e2" providerId="LiveId" clId="{AB865978-72DF-4393-BA79-AF447691D77D}" dt="2022-11-15T13:09:02.127" v="395" actId="20577"/>
+          <ac:spMkLst>
+            <pc:docMk/>
+            <pc:sldMk cId="3355684697" sldId="256"/>
+            <ac:spMk id="2" creationId="{D8130F1D-9CBE-B1A3-808F-4CF5162C035C}"/>
+          </ac:spMkLst>
+        </pc:spChg>
+      </pc:sldChg>
+      <pc:sldChg chg="addSp delSp modSp mod">
+        <pc:chgData name="Antonio Peric" userId="68157115d40ac8e2" providerId="LiveId" clId="{AB865978-72DF-4393-BA79-AF447691D77D}" dt="2022-11-15T12:58:23.886" v="361" actId="1076"/>
+        <pc:sldMkLst>
+          <pc:docMk/>
+          <pc:sldMk cId="3943354800" sldId="258"/>
+        </pc:sldMkLst>
+        <pc:cxnChg chg="add mod">
+          <ac:chgData name="Antonio Peric" userId="68157115d40ac8e2" providerId="LiveId" clId="{AB865978-72DF-4393-BA79-AF447691D77D}" dt="2022-11-15T12:58:23.886" v="361" actId="1076"/>
+          <ac:cxnSpMkLst>
+            <pc:docMk/>
+            <pc:sldMk cId="3943354800" sldId="258"/>
+            <ac:cxnSpMk id="13" creationId="{9229C5B8-769D-B8D3-2A88-40191FE89553}"/>
+          </ac:cxnSpMkLst>
+        </pc:cxnChg>
+        <pc:cxnChg chg="del mod">
+          <ac:chgData name="Antonio Peric" userId="68157115d40ac8e2" providerId="LiveId" clId="{AB865978-72DF-4393-BA79-AF447691D77D}" dt="2022-11-15T12:58:19.797" v="359" actId="478"/>
+          <ac:cxnSpMkLst>
+            <pc:docMk/>
+            <pc:sldMk cId="3943354800" sldId="258"/>
+            <ac:cxnSpMk id="16" creationId="{B5DC46FA-A0A7-39EF-3CA0-BA83879D029E}"/>
+          </ac:cxnSpMkLst>
+        </pc:cxnChg>
+        <pc:cxnChg chg="mod">
+          <ac:chgData name="Antonio Peric" userId="68157115d40ac8e2" providerId="LiveId" clId="{AB865978-72DF-4393-BA79-AF447691D77D}" dt="2022-11-15T12:55:04.075" v="283" actId="14100"/>
+          <ac:cxnSpMkLst>
+            <pc:docMk/>
+            <pc:sldMk cId="3943354800" sldId="258"/>
+            <ac:cxnSpMk id="20" creationId="{4628E258-BF93-8108-BDB6-AED445E600F0}"/>
+          </ac:cxnSpMkLst>
+        </pc:cxnChg>
+      </pc:sldChg>
+      <pc:sldChg chg="addSp delSp modSp mod">
+        <pc:chgData name="Antonio Peric" userId="68157115d40ac8e2" providerId="LiveId" clId="{AB865978-72DF-4393-BA79-AF447691D77D}" dt="2022-11-15T12:59:09.841" v="373" actId="20577"/>
+        <pc:sldMkLst>
+          <pc:docMk/>
+          <pc:sldMk cId="3060926025" sldId="259"/>
+        </pc:sldMkLst>
+        <pc:spChg chg="mod">
+          <ac:chgData name="Antonio Peric" userId="68157115d40ac8e2" providerId="LiveId" clId="{AB865978-72DF-4393-BA79-AF447691D77D}" dt="2022-11-15T12:59:09.841" v="373" actId="20577"/>
+          <ac:spMkLst>
+            <pc:docMk/>
+            <pc:sldMk cId="3060926025" sldId="259"/>
+            <ac:spMk id="12" creationId="{4D8689C1-1569-A0C0-0F34-6FC225814AB7}"/>
+          </ac:spMkLst>
+        </pc:spChg>
+        <pc:cxnChg chg="add mod">
+          <ac:chgData name="Antonio Peric" userId="68157115d40ac8e2" providerId="LiveId" clId="{AB865978-72DF-4393-BA79-AF447691D77D}" dt="2022-11-15T12:58:30.035" v="364" actId="1076"/>
+          <ac:cxnSpMkLst>
+            <pc:docMk/>
+            <pc:sldMk cId="3060926025" sldId="259"/>
+            <ac:cxnSpMk id="13" creationId="{D16E3305-8D2B-89A5-5C1E-D76561A614C1}"/>
+          </ac:cxnSpMkLst>
+        </pc:cxnChg>
+        <pc:cxnChg chg="del mod">
+          <ac:chgData name="Antonio Peric" userId="68157115d40ac8e2" providerId="LiveId" clId="{AB865978-72DF-4393-BA79-AF447691D77D}" dt="2022-11-15T12:58:25.871" v="362" actId="478"/>
+          <ac:cxnSpMkLst>
+            <pc:docMk/>
+            <pc:sldMk cId="3060926025" sldId="259"/>
+            <ac:cxnSpMk id="16" creationId="{B5DC46FA-A0A7-39EF-3CA0-BA83879D029E}"/>
+          </ac:cxnSpMkLst>
+        </pc:cxnChg>
+        <pc:cxnChg chg="mod">
+          <ac:chgData name="Antonio Peric" userId="68157115d40ac8e2" providerId="LiveId" clId="{AB865978-72DF-4393-BA79-AF447691D77D}" dt="2022-11-15T12:54:57.586" v="280" actId="14100"/>
+          <ac:cxnSpMkLst>
+            <pc:docMk/>
+            <pc:sldMk cId="3060926025" sldId="259"/>
+            <ac:cxnSpMk id="20" creationId="{4628E258-BF93-8108-BDB6-AED445E600F0}"/>
+          </ac:cxnSpMkLst>
+        </pc:cxnChg>
+      </pc:sldChg>
+      <pc:sldChg chg="addSp delSp modSp mod">
+        <pc:chgData name="Antonio Peric" userId="68157115d40ac8e2" providerId="LiveId" clId="{AB865978-72DF-4393-BA79-AF447691D77D}" dt="2022-11-15T13:00:53.025" v="394" actId="14100"/>
+        <pc:sldMkLst>
+          <pc:docMk/>
+          <pc:sldMk cId="938793375" sldId="260"/>
+        </pc:sldMkLst>
+        <pc:spChg chg="mod">
+          <ac:chgData name="Antonio Peric" userId="68157115d40ac8e2" providerId="LiveId" clId="{AB865978-72DF-4393-BA79-AF447691D77D}" dt="2022-11-15T13:00:53.025" v="394" actId="14100"/>
+          <ac:spMkLst>
+            <pc:docMk/>
+            <pc:sldMk cId="938793375" sldId="260"/>
+            <ac:spMk id="8" creationId="{0675AA04-AA63-A9E0-931C-99AFC25FF023}"/>
+          </ac:spMkLst>
+        </pc:spChg>
+        <pc:cxnChg chg="add mod">
+          <ac:chgData name="Antonio Peric" userId="68157115d40ac8e2" providerId="LiveId" clId="{AB865978-72DF-4393-BA79-AF447691D77D}" dt="2022-11-15T12:58:35.800" v="367" actId="1076"/>
+          <ac:cxnSpMkLst>
+            <pc:docMk/>
+            <pc:sldMk cId="938793375" sldId="260"/>
+            <ac:cxnSpMk id="13" creationId="{1E0FC3D6-EAB3-DB11-1423-EEC7C152C3A2}"/>
+          </ac:cxnSpMkLst>
+        </pc:cxnChg>
+        <pc:cxnChg chg="del mod">
+          <ac:chgData name="Antonio Peric" userId="68157115d40ac8e2" providerId="LiveId" clId="{AB865978-72DF-4393-BA79-AF447691D77D}" dt="2022-11-15T12:58:32.852" v="365" actId="478"/>
+          <ac:cxnSpMkLst>
+            <pc:docMk/>
+            <pc:sldMk cId="938793375" sldId="260"/>
+            <ac:cxnSpMk id="16" creationId="{B5DC46FA-A0A7-39EF-3CA0-BA83879D029E}"/>
+          </ac:cxnSpMkLst>
+        </pc:cxnChg>
+        <pc:cxnChg chg="mod">
+          <ac:chgData name="Antonio Peric" userId="68157115d40ac8e2" providerId="LiveId" clId="{AB865978-72DF-4393-BA79-AF447691D77D}" dt="2022-11-15T12:54:51.129" v="277" actId="14100"/>
+          <ac:cxnSpMkLst>
+            <pc:docMk/>
+            <pc:sldMk cId="938793375" sldId="260"/>
+            <ac:cxnSpMk id="20" creationId="{4628E258-BF93-8108-BDB6-AED445E600F0}"/>
+          </ac:cxnSpMkLst>
+        </pc:cxnChg>
+      </pc:sldChg>
+      <pc:sldChg chg="addSp delSp modSp mod modAnim">
+        <pc:chgData name="Antonio Peric" userId="68157115d40ac8e2" providerId="LiveId" clId="{AB865978-72DF-4393-BA79-AF447691D77D}" dt="2022-11-15T12:58:43.006" v="370" actId="1076"/>
+        <pc:sldMkLst>
+          <pc:docMk/>
+          <pc:sldMk cId="4118828743" sldId="261"/>
+        </pc:sldMkLst>
+        <pc:spChg chg="mod">
+          <ac:chgData name="Antonio Peric" userId="68157115d40ac8e2" providerId="LiveId" clId="{AB865978-72DF-4393-BA79-AF447691D77D}" dt="2022-11-15T12:58:09.158" v="355" actId="20577"/>
+          <ac:spMkLst>
+            <pc:docMk/>
+            <pc:sldMk cId="4118828743" sldId="261"/>
+            <ac:spMk id="8" creationId="{0675AA04-AA63-A9E0-931C-99AFC25FF023}"/>
+          </ac:spMkLst>
+        </pc:spChg>
+        <pc:cxnChg chg="add mod">
+          <ac:chgData name="Antonio Peric" userId="68157115d40ac8e2" providerId="LiveId" clId="{AB865978-72DF-4393-BA79-AF447691D77D}" dt="2022-11-15T12:58:43.006" v="370" actId="1076"/>
+          <ac:cxnSpMkLst>
+            <pc:docMk/>
+            <pc:sldMk cId="4118828743" sldId="261"/>
+            <ac:cxnSpMk id="13" creationId="{FDAA65F4-FE6C-157B-6C9C-39D61D0A6182}"/>
+          </ac:cxnSpMkLst>
+        </pc:cxnChg>
+        <pc:cxnChg chg="del mod">
+          <ac:chgData name="Antonio Peric" userId="68157115d40ac8e2" providerId="LiveId" clId="{AB865978-72DF-4393-BA79-AF447691D77D}" dt="2022-11-15T12:58:40.070" v="368" actId="478"/>
+          <ac:cxnSpMkLst>
+            <pc:docMk/>
+            <pc:sldMk cId="4118828743" sldId="261"/>
+            <ac:cxnSpMk id="16" creationId="{B5DC46FA-A0A7-39EF-3CA0-BA83879D029E}"/>
+          </ac:cxnSpMkLst>
+        </pc:cxnChg>
+        <pc:cxnChg chg="mod">
+          <ac:chgData name="Antonio Peric" userId="68157115d40ac8e2" providerId="LiveId" clId="{AB865978-72DF-4393-BA79-AF447691D77D}" dt="2022-11-15T12:54:45.010" v="274" actId="14100"/>
+          <ac:cxnSpMkLst>
+            <pc:docMk/>
+            <pc:sldMk cId="4118828743" sldId="261"/>
+            <ac:cxnSpMk id="20" creationId="{4628E258-BF93-8108-BDB6-AED445E600F0}"/>
+          </ac:cxnSpMkLst>
+        </pc:cxnChg>
+      </pc:sldChg>
+      <pc:sldChg chg="addSp delSp modSp mod">
+        <pc:chgData name="Antonio Peric" userId="68157115d40ac8e2" providerId="LiveId" clId="{AB865978-72DF-4393-BA79-AF447691D77D}" dt="2022-11-15T12:56:49.411" v="306" actId="1076"/>
+        <pc:sldMkLst>
+          <pc:docMk/>
+          <pc:sldMk cId="403044359" sldId="262"/>
+        </pc:sldMkLst>
+        <pc:spChg chg="mod">
+          <ac:chgData name="Antonio Peric" userId="68157115d40ac8e2" providerId="LiveId" clId="{AB865978-72DF-4393-BA79-AF447691D77D}" dt="2022-11-15T12:55:29.896" v="303" actId="20577"/>
+          <ac:spMkLst>
+            <pc:docMk/>
+            <pc:sldMk cId="403044359" sldId="262"/>
+            <ac:spMk id="8" creationId="{0675AA04-AA63-A9E0-931C-99AFC25FF023}"/>
+          </ac:spMkLst>
+        </pc:spChg>
+        <pc:cxnChg chg="add mod">
+          <ac:chgData name="Antonio Peric" userId="68157115d40ac8e2" providerId="LiveId" clId="{AB865978-72DF-4393-BA79-AF447691D77D}" dt="2022-11-15T12:56:49.411" v="306" actId="1076"/>
+          <ac:cxnSpMkLst>
+            <pc:docMk/>
+            <pc:sldMk cId="403044359" sldId="262"/>
+            <ac:cxnSpMk id="10" creationId="{2CC59057-7D7A-C409-5F94-14AA88AB1F17}"/>
+          </ac:cxnSpMkLst>
+        </pc:cxnChg>
+        <pc:cxnChg chg="del mod">
+          <ac:chgData name="Antonio Peric" userId="68157115d40ac8e2" providerId="LiveId" clId="{AB865978-72DF-4393-BA79-AF447691D77D}" dt="2022-11-15T12:56:45.344" v="304" actId="478"/>
+          <ac:cxnSpMkLst>
+            <pc:docMk/>
+            <pc:sldMk cId="403044359" sldId="262"/>
+            <ac:cxnSpMk id="16" creationId="{B5DC46FA-A0A7-39EF-3CA0-BA83879D029E}"/>
+          </ac:cxnSpMkLst>
+        </pc:cxnChg>
+      </pc:sldChg>
+      <pc:sldChg chg="addSp delSp modSp mod">
+        <pc:chgData name="Antonio Peric" userId="68157115d40ac8e2" providerId="LiveId" clId="{AB865978-72DF-4393-BA79-AF447691D77D}" dt="2022-11-15T12:58:17.388" v="358" actId="1076"/>
+        <pc:sldMkLst>
+          <pc:docMk/>
+          <pc:sldMk cId="2318124173" sldId="263"/>
+        </pc:sldMkLst>
+        <pc:cxnChg chg="add mod">
+          <ac:chgData name="Antonio Peric" userId="68157115d40ac8e2" providerId="LiveId" clId="{AB865978-72DF-4393-BA79-AF447691D77D}" dt="2022-11-15T12:58:17.388" v="358" actId="1076"/>
+          <ac:cxnSpMkLst>
+            <pc:docMk/>
+            <pc:sldMk cId="2318124173" sldId="263"/>
+            <ac:cxnSpMk id="12" creationId="{346C9D74-4EE7-C09E-0811-EDBE01A3C794}"/>
+          </ac:cxnSpMkLst>
+        </pc:cxnChg>
+        <pc:cxnChg chg="del mod">
+          <ac:chgData name="Antonio Peric" userId="68157115d40ac8e2" providerId="LiveId" clId="{AB865978-72DF-4393-BA79-AF447691D77D}" dt="2022-11-15T12:58:14.027" v="356" actId="478"/>
+          <ac:cxnSpMkLst>
+            <pc:docMk/>
+            <pc:sldMk cId="2318124173" sldId="263"/>
+            <ac:cxnSpMk id="16" creationId="{B5DC46FA-A0A7-39EF-3CA0-BA83879D029E}"/>
+          </ac:cxnSpMkLst>
+        </pc:cxnChg>
+        <pc:cxnChg chg="mod">
+          <ac:chgData name="Antonio Peric" userId="68157115d40ac8e2" providerId="LiveId" clId="{AB865978-72DF-4393-BA79-AF447691D77D}" dt="2022-11-15T12:55:12.119" v="286" actId="14100"/>
+          <ac:cxnSpMkLst>
+            <pc:docMk/>
+            <pc:sldMk cId="2318124173" sldId="263"/>
+            <ac:cxnSpMk id="20" creationId="{4628E258-BF93-8108-BDB6-AED445E600F0}"/>
+          </ac:cxnSpMkLst>
+        </pc:cxnChg>
+      </pc:sldChg>
       <pc:sldChg chg="modSp new mod">
-        <pc:chgData name="Antonio Peric" userId="68157115d40ac8e2" providerId="LiveId" clId="{AB865978-72DF-4393-BA79-AF447691D77D}" dt="2022-11-15T09:54:23.148" v="189" actId="5793"/>
+        <pc:chgData name="Antonio Peric" userId="68157115d40ac8e2" providerId="LiveId" clId="{AB865978-72DF-4393-BA79-AF447691D77D}" dt="2022-11-15T12:01:17.739" v="269" actId="20577"/>
         <pc:sldMkLst>
           <pc:docMk/>
           <pc:sldMk cId="735388591" sldId="281"/>
         </pc:sldMkLst>
         <pc:spChg chg="mod">
-          <ac:chgData name="Antonio Peric" userId="68157115d40ac8e2" providerId="LiveId" clId="{AB865978-72DF-4393-BA79-AF447691D77D}" dt="2022-11-15T09:38:38.053" v="28" actId="20577"/>
+          <ac:chgData name="Antonio Peric" userId="68157115d40ac8e2" providerId="LiveId" clId="{AB865978-72DF-4393-BA79-AF447691D77D}" dt="2022-11-15T12:01:17.739" v="269" actId="20577"/>
           <ac:spMkLst>
             <pc:docMk/>
             <pc:sldMk cId="735388591" sldId="281"/>
@@ -185,11 +422,26 @@
           </ac:spMkLst>
         </pc:spChg>
         <pc:spChg chg="mod">
-          <ac:chgData name="Antonio Peric" userId="68157115d40ac8e2" providerId="LiveId" clId="{AB865978-72DF-4393-BA79-AF447691D77D}" dt="2022-11-15T09:54:23.148" v="189" actId="5793"/>
+          <ac:chgData name="Antonio Peric" userId="68157115d40ac8e2" providerId="LiveId" clId="{AB865978-72DF-4393-BA79-AF447691D77D}" dt="2022-11-15T12:01:13.611" v="260" actId="12"/>
           <ac:spMkLst>
             <pc:docMk/>
             <pc:sldMk cId="735388591" sldId="281"/>
             <ac:spMk id="3" creationId="{F161D378-7075-8757-B54E-71862D00EEE7}"/>
+          </ac:spMkLst>
+        </pc:spChg>
+      </pc:sldChg>
+      <pc:sldChg chg="modSp add mod">
+        <pc:chgData name="Antonio Peric" userId="68157115d40ac8e2" providerId="LiveId" clId="{AB865978-72DF-4393-BA79-AF447691D77D}" dt="2022-11-15T11:50:36.555" v="210" actId="20577"/>
+        <pc:sldMkLst>
+          <pc:docMk/>
+          <pc:sldMk cId="1314254549" sldId="282"/>
+        </pc:sldMkLst>
+        <pc:spChg chg="mod">
+          <ac:chgData name="Antonio Peric" userId="68157115d40ac8e2" providerId="LiveId" clId="{AB865978-72DF-4393-BA79-AF447691D77D}" dt="2022-11-15T11:50:36.555" v="210" actId="20577"/>
+          <ac:spMkLst>
+            <pc:docMk/>
+            <pc:sldMk cId="1314254549" sldId="282"/>
+            <ac:spMk id="2" creationId="{C9361943-AA44-2CC6-A0B4-64C5DA3BB7F2}"/>
           </ac:spMkLst>
         </pc:spChg>
       </pc:sldChg>
@@ -199,6 +451,44 @@
           <pc:docMk/>
           <pc:sldMk cId="2322707902" sldId="282"/>
         </pc:sldMkLst>
+      </pc:sldChg>
+      <pc:sldChg chg="new del">
+        <pc:chgData name="Antonio Peric" userId="68157115d40ac8e2" providerId="LiveId" clId="{AB865978-72DF-4393-BA79-AF447691D77D}" dt="2022-11-15T12:30:22.085" v="271" actId="47"/>
+        <pc:sldMkLst>
+          <pc:docMk/>
+          <pc:sldMk cId="401111849" sldId="283"/>
+        </pc:sldMkLst>
+      </pc:sldChg>
+      <pc:sldChg chg="addSp delSp modSp add mod modAnim">
+        <pc:chgData name="Antonio Peric" userId="68157115d40ac8e2" providerId="LiveId" clId="{AB865978-72DF-4393-BA79-AF447691D77D}" dt="2022-11-15T12:57:47.885" v="338" actId="1076"/>
+        <pc:sldMkLst>
+          <pc:docMk/>
+          <pc:sldMk cId="867904923" sldId="283"/>
+        </pc:sldMkLst>
+        <pc:spChg chg="mod">
+          <ac:chgData name="Antonio Peric" userId="68157115d40ac8e2" providerId="LiveId" clId="{AB865978-72DF-4393-BA79-AF447691D77D}" dt="2022-11-15T12:57:47.885" v="338" actId="1076"/>
+          <ac:spMkLst>
+            <pc:docMk/>
+            <pc:sldMk cId="867904923" sldId="283"/>
+            <ac:spMk id="8" creationId="{0675AA04-AA63-A9E0-931C-99AFC25FF023}"/>
+          </ac:spMkLst>
+        </pc:spChg>
+        <pc:cxnChg chg="add mod">
+          <ac:chgData name="Antonio Peric" userId="68157115d40ac8e2" providerId="LiveId" clId="{AB865978-72DF-4393-BA79-AF447691D77D}" dt="2022-11-15T12:57:11.254" v="311" actId="1076"/>
+          <ac:cxnSpMkLst>
+            <pc:docMk/>
+            <pc:sldMk cId="867904923" sldId="283"/>
+            <ac:cxnSpMk id="10" creationId="{09CB3502-133D-71F5-B01D-B12593EAF7B2}"/>
+          </ac:cxnSpMkLst>
+        </pc:cxnChg>
+        <pc:cxnChg chg="del mod">
+          <ac:chgData name="Antonio Peric" userId="68157115d40ac8e2" providerId="LiveId" clId="{AB865978-72DF-4393-BA79-AF447691D77D}" dt="2022-11-15T12:57:07.889" v="309" actId="478"/>
+          <ac:cxnSpMkLst>
+            <pc:docMk/>
+            <pc:sldMk cId="867904923" sldId="283"/>
+            <ac:cxnSpMk id="16" creationId="{B5DC46FA-A0A7-39EF-3CA0-BA83879D029E}"/>
+          </ac:cxnSpMkLst>
+        </pc:cxnChg>
       </pc:sldChg>
       <pc:sldChg chg="new del">
         <pc:chgData name="Antonio Peric" userId="68157115d40ac8e2" providerId="LiveId" clId="{AB865978-72DF-4393-BA79-AF447691D77D}" dt="2022-11-15T09:41:14.126" v="137" actId="47"/>
@@ -3718,7 +4008,7 @@
           <a:p>
             <a:r>
               <a:rPr lang="de-AT" dirty="0"/>
-              <a:t>PVV-Visualizer</a:t>
+              <a:t>PV-Visualizer</a:t>
             </a:r>
           </a:p>
         </p:txBody>
@@ -3912,7 +4202,7 @@
           <p:cNvPr id="2" name="Title 1">
             <a:extLst>
               <a:ext uri="{FF2B5EF4-FFF2-40B4-BE49-F238E27FC236}">
-                <a16:creationId xmlns:a16="http://schemas.microsoft.com/office/drawing/2014/main" id="{2B22371A-21DB-6B70-4D0B-B1D40DBD1CF4}"/>
+                <a16:creationId xmlns:a16="http://schemas.microsoft.com/office/drawing/2014/main" id="{C9361943-AA44-2CC6-A0B4-64C5DA3BB7F2}"/>
               </a:ext>
             </a:extLst>
           </p:cNvPr>
@@ -3923,11 +4213,17 @@
             <p:ph type="title"/>
           </p:nvPr>
         </p:nvSpPr>
-        <p:spPr/>
+        <p:spPr>
+          <a:xfrm>
+            <a:off x="1026774" y="2512825"/>
+            <a:ext cx="10138451" cy="1832349"/>
+          </a:xfrm>
+        </p:spPr>
         <p:txBody>
           <a:bodyPr/>
           <a:lstStyle/>
           <a:p>
+            <a:pPr algn="ctr"/>
             <a:r>
               <a:rPr lang="de-AT" dirty="0"/>
               <a:t>Fronius API (Fake </a:t>
@@ -3939,117 +4235,6 @@
             <a:r>
               <a:rPr lang="de-AT" dirty="0"/>
               <a:t> API)</a:t>
-            </a:r>
-          </a:p>
-        </p:txBody>
-      </p:sp>
-      <p:sp>
-        <p:nvSpPr>
-          <p:cNvPr id="3" name="Content Placeholder 2">
-            <a:extLst>
-              <a:ext uri="{FF2B5EF4-FFF2-40B4-BE49-F238E27FC236}">
-                <a16:creationId xmlns:a16="http://schemas.microsoft.com/office/drawing/2014/main" id="{B03D3FB2-19D8-9281-310A-B0FCE3E75F08}"/>
-              </a:ext>
-            </a:extLst>
-          </p:cNvPr>
-          <p:cNvSpPr>
-            <a:spLocks noGrp="1"/>
-          </p:cNvSpPr>
-          <p:nvPr>
-            <p:ph idx="1"/>
-          </p:nvPr>
-        </p:nvSpPr>
-        <p:spPr/>
-        <p:txBody>
-          <a:bodyPr/>
-          <a:lstStyle/>
-          <a:p>
-            <a:r>
-              <a:rPr lang="de-AT" b="1" dirty="0"/>
-              <a:t>Command um API zu starten:</a:t>
-            </a:r>
-          </a:p>
-          <a:p>
-            <a:r>
-              <a:rPr lang="de-AT" dirty="0" err="1"/>
-              <a:t>json</a:t>
-            </a:r>
-            <a:r>
-              <a:rPr lang="de-AT" dirty="0"/>
-              <a:t>-server --watch </a:t>
-            </a:r>
-            <a:r>
-              <a:rPr lang="de-AT" dirty="0" err="1"/>
-              <a:t>db.json</a:t>
-            </a:r>
-            <a:endParaRPr lang="de-AT" dirty="0"/>
-          </a:p>
-          <a:p>
-            <a:r>
-              <a:rPr lang="de-AT" b="1" dirty="0"/>
-              <a:t>Fehler aufgetaucht, </a:t>
-            </a:r>
-            <a:r>
-              <a:rPr lang="de-AT" b="1" dirty="0" err="1"/>
-              <a:t>Quarkus</a:t>
-            </a:r>
-            <a:r>
-              <a:rPr lang="de-AT" b="1" dirty="0"/>
-              <a:t> konnte keine Verbindung aufbauen mit API</a:t>
-            </a:r>
-          </a:p>
-          <a:p>
-            <a:r>
-              <a:rPr lang="de-AT" dirty="0"/>
-              <a:t>Mit anderen Fake APIs  probiert, jedoch wieder zur </a:t>
-            </a:r>
-            <a:r>
-              <a:rPr lang="de-AT" dirty="0" err="1"/>
-              <a:t>Github</a:t>
-            </a:r>
-            <a:r>
-              <a:rPr lang="de-AT" dirty="0"/>
-              <a:t> Fake </a:t>
-            </a:r>
-            <a:r>
-              <a:rPr lang="de-AT" dirty="0" err="1"/>
-              <a:t>Json</a:t>
-            </a:r>
-            <a:r>
-              <a:rPr lang="de-AT" dirty="0"/>
-              <a:t> API gewechselt</a:t>
-            </a:r>
-          </a:p>
-          <a:p>
-            <a:r>
-              <a:rPr lang="de-AT" b="1" dirty="0" err="1"/>
-              <a:t>json</a:t>
-            </a:r>
-            <a:r>
-              <a:rPr lang="de-AT" b="1" dirty="0"/>
-              <a:t>-server --watch </a:t>
-            </a:r>
-            <a:r>
-              <a:rPr lang="de-AT" b="1" dirty="0" err="1"/>
-              <a:t>db.json</a:t>
-            </a:r>
-            <a:r>
-              <a:rPr lang="de-AT" b="1" dirty="0"/>
-              <a:t> --</a:t>
-            </a:r>
-            <a:r>
-              <a:rPr lang="de-AT" b="1" dirty="0" err="1"/>
-              <a:t>port</a:t>
-            </a:r>
-            <a:r>
-              <a:rPr lang="de-AT" b="1" dirty="0"/>
-              <a:t> 3004</a:t>
-            </a:r>
-          </a:p>
-          <a:p>
-            <a:r>
-              <a:rPr lang="de-AT" dirty="0"/>
-              <a:t>Fehler behoben mit einen anderen Port</a:t>
             </a:r>
           </a:p>
         </p:txBody>
@@ -4057,7 +4242,7 @@
     </p:spTree>
     <p:extLst>
       <p:ext uri="{BB962C8B-B14F-4D97-AF65-F5344CB8AC3E}">
-        <p14:creationId xmlns:p14="http://schemas.microsoft.com/office/powerpoint/2010/main" val="1433745735"/>
+        <p14:creationId xmlns:p14="http://schemas.microsoft.com/office/powerpoint/2010/main" val="4259956042"/>
       </p:ext>
     </p:extLst>
   </p:cSld>
@@ -4070,6 +4255,14 @@
 <file path=ppt/slides/slide11.xml><?xml version="1.0" encoding="utf-8"?>
 <p:sld xmlns:a="http://schemas.openxmlformats.org/drawingml/2006/main" xmlns:r="http://schemas.openxmlformats.org/officeDocument/2006/relationships" xmlns:p="http://schemas.openxmlformats.org/presentationml/2006/main">
   <p:cSld>
+    <p:bg>
+      <p:bgPr>
+        <a:solidFill>
+          <a:schemeClr val="bg2"/>
+        </a:solidFill>
+        <a:effectLst/>
+      </p:bgPr>
+    </p:bg>
     <p:spTree>
       <p:nvGrpSpPr>
         <p:cNvPr id="1" name=""/>
@@ -4084,12 +4277,140 @@
           <a:chExt cx="0" cy="0"/>
         </a:xfrm>
       </p:grpSpPr>
+      <p:cxnSp>
+        <p:nvCxnSpPr>
+          <p:cNvPr id="11" name="Straight Connector 10">
+            <a:extLst>
+              <a:ext uri="{FF2B5EF4-FFF2-40B4-BE49-F238E27FC236}">
+                <a16:creationId xmlns:a16="http://schemas.microsoft.com/office/drawing/2014/main" id="{EAD4CCDA-06BF-4D2A-B44F-195AEC0B5B22}"/>
+              </a:ext>
+              <a:ext uri="{C183D7F6-B498-43B3-948B-1728B52AA6E4}">
+                <adec:decorative xmlns:adec="http://schemas.microsoft.com/office/drawing/2017/decorative" val="1"/>
+              </a:ext>
+            </a:extLst>
+          </p:cNvPr>
+          <p:cNvCxnSpPr>
+            <a:cxnSpLocks noGrp="1" noRot="1" noChangeAspect="1" noMove="1" noResize="1" noEditPoints="1" noAdjustHandles="1" noChangeArrowheads="1" noChangeShapeType="1"/>
+          </p:cNvCxnSpPr>
+          <p:nvPr>
+            <p:extLst>
+              <p:ext uri="{386F3935-93C4-4BCD-93E2-E3B085C9AB24}">
+                <p16:designElem xmlns:p16="http://schemas.microsoft.com/office/powerpoint/2015/main" val="1"/>
+              </p:ext>
+            </p:extLst>
+          </p:nvPr>
+        </p:nvCxnSpPr>
+        <p:spPr>
+          <a:xfrm>
+            <a:off x="952498" y="6252722"/>
+            <a:ext cx="10325101" cy="0"/>
+          </a:xfrm>
+          <a:prstGeom prst="line">
+            <a:avLst/>
+          </a:prstGeom>
+          <a:ln w="10795">
+            <a:solidFill>
+              <a:schemeClr val="tx2"/>
+            </a:solidFill>
+          </a:ln>
+        </p:spPr>
+        <p:style>
+          <a:lnRef idx="1">
+            <a:schemeClr val="accent1"/>
+          </a:lnRef>
+          <a:fillRef idx="0">
+            <a:schemeClr val="accent1"/>
+          </a:fillRef>
+          <a:effectRef idx="0">
+            <a:schemeClr val="accent1"/>
+          </a:effectRef>
+          <a:fontRef idx="minor">
+            <a:schemeClr val="tx1"/>
+          </a:fontRef>
+        </p:style>
+      </p:cxnSp>
+      <p:sp useBgFill="1">
+        <p:nvSpPr>
+          <p:cNvPr id="13" name="Rectangle 12">
+            <a:extLst>
+              <a:ext uri="{FF2B5EF4-FFF2-40B4-BE49-F238E27FC236}">
+                <a16:creationId xmlns:a16="http://schemas.microsoft.com/office/drawing/2014/main" id="{BF02845A-8571-40C5-9F56-8F9B3F7C4E4C}"/>
+              </a:ext>
+              <a:ext uri="{C183D7F6-B498-43B3-948B-1728B52AA6E4}">
+                <adec:decorative xmlns:adec="http://schemas.microsoft.com/office/drawing/2017/decorative" val="1"/>
+              </a:ext>
+            </a:extLst>
+          </p:cNvPr>
+          <p:cNvSpPr>
+            <a:spLocks noGrp="1" noRot="1" noChangeAspect="1" noMove="1" noResize="1" noEditPoints="1" noAdjustHandles="1" noChangeArrowheads="1" noChangeShapeType="1" noTextEdit="1"/>
+          </p:cNvSpPr>
+          <p:nvPr>
+            <p:extLst>
+              <p:ext uri="{386F3935-93C4-4BCD-93E2-E3B085C9AB24}">
+                <p16:designElem xmlns:p16="http://schemas.microsoft.com/office/powerpoint/2015/main" val="1"/>
+              </p:ext>
+            </p:extLst>
+          </p:nvPr>
+        </p:nvSpPr>
+        <p:spPr>
+          <a:xfrm>
+            <a:off x="0" y="0"/>
+            <a:ext cx="12192000" cy="6858000"/>
+          </a:xfrm>
+          <a:prstGeom prst="rect">
+            <a:avLst/>
+          </a:prstGeom>
+          <a:ln w="12700" cap="flat" cmpd="sng" algn="ctr">
+            <a:noFill/>
+            <a:prstDash val="solid"/>
+            <a:miter lim="800000"/>
+          </a:ln>
+          <a:effectLst/>
+          <a:extLst>
+            <a:ext uri="{91240B29-F687-4F45-9708-019B960494DF}">
+              <a14:hiddenLine xmlns:a14="http://schemas.microsoft.com/office/drawing/2010/main" w="12700" cap="flat" cmpd="sng" algn="ctr">
+                <a:solidFill>
+                  <a:schemeClr val="accent1">
+                    <a:shade val="50000"/>
+                  </a:schemeClr>
+                </a:solidFill>
+                <a:prstDash val="solid"/>
+                <a:miter lim="800000"/>
+              </a14:hiddenLine>
+            </a:ext>
+          </a:extLst>
+        </p:spPr>
+        <p:style>
+          <a:lnRef idx="2">
+            <a:schemeClr val="accent1">
+              <a:shade val="50000"/>
+            </a:schemeClr>
+          </a:lnRef>
+          <a:fillRef idx="1">
+            <a:schemeClr val="accent1"/>
+          </a:fillRef>
+          <a:effectRef idx="0">
+            <a:schemeClr val="accent1"/>
+          </a:effectRef>
+          <a:fontRef idx="minor">
+            <a:schemeClr val="lt1"/>
+          </a:fontRef>
+        </p:style>
+        <p:txBody>
+          <a:bodyPr rtlCol="0" anchor="ctr"/>
+          <a:lstStyle/>
+          <a:p>
+            <a:pPr algn="ctr"/>
+            <a:endParaRPr lang="en-US"/>
+          </a:p>
+        </p:txBody>
+      </p:sp>
       <p:sp>
         <p:nvSpPr>
           <p:cNvPr id="2" name="Title 1">
             <a:extLst>
               <a:ext uri="{FF2B5EF4-FFF2-40B4-BE49-F238E27FC236}">
-                <a16:creationId xmlns:a16="http://schemas.microsoft.com/office/drawing/2014/main" id="{C9361943-AA44-2CC6-A0B4-64C5DA3BB7F2}"/>
+                <a16:creationId xmlns:a16="http://schemas.microsoft.com/office/drawing/2014/main" id="{935206F8-01A1-D9B6-F6B1-E9E641773BAD}"/>
               </a:ext>
             </a:extLst>
           </p:cNvPr>
@@ -4100,29 +4421,121 @@
             <p:ph type="title"/>
           </p:nvPr>
         </p:nvSpPr>
-        <p:spPr/>
-        <p:txBody>
-          <a:bodyPr/>
-          <a:lstStyle/>
-          <a:p>
-            <a:pPr algn="ctr"/>
-            <a:r>
-              <a:rPr lang="de-AT" dirty="0" err="1"/>
-              <a:t>Quarkus</a:t>
-            </a:r>
-            <a:r>
-              <a:rPr lang="de-AT" dirty="0"/>
-              <a:t> - Vorzeigung</a:t>
-            </a:r>
-          </a:p>
-        </p:txBody>
-      </p:sp>
-      <p:sp>
-        <p:nvSpPr>
-          <p:cNvPr id="3" name="Content Placeholder 2">
-            <a:extLst>
-              <a:ext uri="{FF2B5EF4-FFF2-40B4-BE49-F238E27FC236}">
-                <a16:creationId xmlns:a16="http://schemas.microsoft.com/office/drawing/2014/main" id="{E4848232-2555-162F-0CA2-41A69B01705B}"/>
+        <p:spPr>
+          <a:xfrm>
+            <a:off x="5152238" y="895440"/>
+            <a:ext cx="6125361" cy="1560083"/>
+          </a:xfrm>
+        </p:spPr>
+        <p:txBody>
+          <a:bodyPr vert="horz" lIns="91440" tIns="45720" rIns="91440" bIns="45720" rtlCol="0" anchor="b">
+            <a:normAutofit/>
+          </a:bodyPr>
+          <a:lstStyle/>
+          <a:p>
+            <a:r>
+              <a:rPr lang="en-US" kern="1200">
+                <a:solidFill>
+                  <a:schemeClr val="tx2"/>
+                </a:solidFill>
+                <a:latin typeface="+mj-lt"/>
+                <a:ea typeface="+mj-ea"/>
+                <a:cs typeface="+mj-cs"/>
+              </a:rPr>
+              <a:t>Fronius API -&gt; Json File</a:t>
+            </a:r>
+          </a:p>
+        </p:txBody>
+      </p:sp>
+      <p:pic>
+        <p:nvPicPr>
+          <p:cNvPr id="6" name="Content Placeholder 5">
+            <a:extLst>
+              <a:ext uri="{FF2B5EF4-FFF2-40B4-BE49-F238E27FC236}">
+                <a16:creationId xmlns:a16="http://schemas.microsoft.com/office/drawing/2014/main" id="{D460DE45-ACA4-C8F3-058E-6D8262923619}"/>
+              </a:ext>
+            </a:extLst>
+          </p:cNvPr>
+          <p:cNvPicPr>
+            <a:picLocks noGrp="1" noChangeAspect="1"/>
+          </p:cNvPicPr>
+          <p:nvPr>
+            <p:ph sz="half" idx="1"/>
+          </p:nvPr>
+        </p:nvPicPr>
+        <p:blipFill rotWithShape="1">
+          <a:blip r:embed="rId2"/>
+          <a:srcRect r="324" b="4"/>
+          <a:stretch/>
+        </p:blipFill>
+        <p:spPr>
+          <a:xfrm>
+            <a:off x="1" y="-16591"/>
+            <a:ext cx="4610100" cy="6874591"/>
+          </a:xfrm>
+          <a:prstGeom prst="rect">
+            <a:avLst/>
+          </a:prstGeom>
+        </p:spPr>
+      </p:pic>
+      <p:cxnSp>
+        <p:nvCxnSpPr>
+          <p:cNvPr id="15" name="Straight Connector 14">
+            <a:extLst>
+              <a:ext uri="{FF2B5EF4-FFF2-40B4-BE49-F238E27FC236}">
+                <a16:creationId xmlns:a16="http://schemas.microsoft.com/office/drawing/2014/main" id="{F30BB598-81B4-41BB-BC44-CD9C29AE2EAB}"/>
+              </a:ext>
+              <a:ext uri="{C183D7F6-B498-43B3-948B-1728B52AA6E4}">
+                <adec:decorative xmlns:adec="http://schemas.microsoft.com/office/drawing/2017/decorative" val="1"/>
+              </a:ext>
+            </a:extLst>
+          </p:cNvPr>
+          <p:cNvCxnSpPr>
+            <a:cxnSpLocks noGrp="1" noRot="1" noChangeAspect="1" noMove="1" noResize="1" noEditPoints="1" noAdjustHandles="1" noChangeArrowheads="1" noChangeShapeType="1"/>
+          </p:cNvCxnSpPr>
+          <p:nvPr>
+            <p:extLst>
+              <p:ext uri="{386F3935-93C4-4BCD-93E2-E3B085C9AB24}">
+                <p16:designElem xmlns:p16="http://schemas.microsoft.com/office/powerpoint/2015/main" val="1"/>
+              </p:ext>
+            </p:extLst>
+          </p:nvPr>
+        </p:nvCxnSpPr>
+        <p:spPr>
+          <a:xfrm>
+            <a:off x="5340145" y="2871627"/>
+            <a:ext cx="0" cy="3186701"/>
+          </a:xfrm>
+          <a:prstGeom prst="line">
+            <a:avLst/>
+          </a:prstGeom>
+          <a:ln w="10795">
+            <a:solidFill>
+              <a:schemeClr val="tx2"/>
+            </a:solidFill>
+          </a:ln>
+        </p:spPr>
+        <p:style>
+          <a:lnRef idx="1">
+            <a:schemeClr val="accent1"/>
+          </a:lnRef>
+          <a:fillRef idx="0">
+            <a:schemeClr val="accent1"/>
+          </a:fillRef>
+          <a:effectRef idx="0">
+            <a:schemeClr val="accent1"/>
+          </a:effectRef>
+          <a:fontRef idx="minor">
+            <a:schemeClr val="tx1"/>
+          </a:fontRef>
+        </p:style>
+      </p:cxnSp>
+      <p:sp>
+        <p:nvSpPr>
+          <p:cNvPr id="4" name="Content Placeholder 3">
+            <a:extLst>
+              <a:ext uri="{FF2B5EF4-FFF2-40B4-BE49-F238E27FC236}">
+                <a16:creationId xmlns:a16="http://schemas.microsoft.com/office/drawing/2014/main" id="{5ACF29D7-7893-13E6-5A7C-8484E762D3A4}"/>
               </a:ext>
             </a:extLst>
           </p:cNvPr>
@@ -4130,52 +4543,78 @@
             <a:spLocks noGrp="1"/>
           </p:cNvSpPr>
           <p:nvPr>
-            <p:ph idx="1"/>
+            <p:ph sz="half" idx="2"/>
           </p:nvPr>
         </p:nvSpPr>
-        <p:spPr/>
-        <p:txBody>
-          <a:bodyPr/>
-          <a:lstStyle/>
-          <a:p>
-            <a:r>
-              <a:rPr lang="de-AT" b="1" dirty="0"/>
-              <a:t>Zu Erledigende Schritte die noch Fehlen:</a:t>
-            </a:r>
-          </a:p>
-          <a:p>
-            <a:r>
-              <a:rPr lang="de-AT" dirty="0" err="1"/>
-              <a:t>Timer</a:t>
-            </a:r>
-            <a:r>
-              <a:rPr lang="de-AT" dirty="0"/>
-              <a:t> der die Website jede </a:t>
-            </a:r>
-            <a:r>
-              <a:rPr lang="de-AT" dirty="0" err="1"/>
-              <a:t>Xmin</a:t>
-            </a:r>
-            <a:r>
-              <a:rPr lang="de-AT" dirty="0"/>
-              <a:t> aufruft</a:t>
-            </a:r>
-          </a:p>
-          <a:p>
-            <a:r>
-              <a:rPr lang="de-AT" dirty="0"/>
-              <a:t>Code erweitern</a:t>
-            </a:r>
-          </a:p>
-          <a:p>
-            <a:endParaRPr lang="de-AT" dirty="0"/>
+        <p:spPr>
+          <a:xfrm>
+            <a:off x="5974717" y="2753546"/>
+            <a:ext cx="5302882" cy="3494854"/>
+          </a:xfrm>
+        </p:spPr>
+        <p:txBody>
+          <a:bodyPr vert="horz" lIns="91440" tIns="45720" rIns="91440" bIns="45720" rtlCol="0" anchor="t">
+            <a:normAutofit/>
+          </a:bodyPr>
+          <a:lstStyle/>
+          <a:p>
+            <a:r>
+              <a:rPr lang="de-DE" b="1" dirty="0" err="1"/>
+              <a:t>Energyflow</a:t>
+            </a:r>
+            <a:r>
+              <a:rPr lang="de-DE" dirty="0"/>
+              <a:t> -&gt; Name von File</a:t>
+            </a:r>
+          </a:p>
+          <a:p>
+            <a:r>
+              <a:rPr lang="de-DE" dirty="0"/>
+              <a:t>date -&gt; Datum</a:t>
+            </a:r>
+          </a:p>
+          <a:p>
+            <a:r>
+              <a:rPr lang="de-DE" dirty="0" err="1"/>
+              <a:t>state</a:t>
+            </a:r>
+            <a:r>
+              <a:rPr lang="de-DE" dirty="0"/>
+              <a:t> -&gt; 1 API Eingeschalten | 0 Ausgeschalten</a:t>
+            </a:r>
+          </a:p>
+          <a:p>
+            <a:r>
+              <a:rPr lang="de-DE" b="1" dirty="0" err="1"/>
+              <a:t>PvPower</a:t>
+            </a:r>
+            <a:r>
+              <a:rPr lang="de-DE" dirty="0"/>
+              <a:t> -&gt; Daten</a:t>
+            </a:r>
+          </a:p>
+          <a:p>
+            <a:r>
+              <a:rPr lang="de-DE" dirty="0"/>
+              <a:t>title -&gt; Name vom Gerät</a:t>
+            </a:r>
+          </a:p>
+          <a:p>
+            <a:r>
+              <a:rPr lang="de-DE" dirty="0" err="1"/>
+              <a:t>value</a:t>
+            </a:r>
+            <a:r>
+              <a:rPr lang="de-DE" dirty="0"/>
+              <a:t> -&gt; Watt Wert</a:t>
+            </a:r>
           </a:p>
         </p:txBody>
       </p:sp>
     </p:spTree>
     <p:extLst>
       <p:ext uri="{BB962C8B-B14F-4D97-AF65-F5344CB8AC3E}">
-        <p14:creationId xmlns:p14="http://schemas.microsoft.com/office/powerpoint/2010/main" val="4058142498"/>
+        <p14:creationId xmlns:p14="http://schemas.microsoft.com/office/powerpoint/2010/main" val="2305878695"/>
       </p:ext>
     </p:extLst>
   </p:cSld>
@@ -4207,7 +4646,7 @@
           <p:cNvPr id="2" name="Title 1">
             <a:extLst>
               <a:ext uri="{FF2B5EF4-FFF2-40B4-BE49-F238E27FC236}">
-                <a16:creationId xmlns:a16="http://schemas.microsoft.com/office/drawing/2014/main" id="{C9361943-AA44-2CC6-A0B4-64C5DA3BB7F2}"/>
+                <a16:creationId xmlns:a16="http://schemas.microsoft.com/office/drawing/2014/main" id="{2B22371A-21DB-6B70-4D0B-B1D40DBD1CF4}"/>
               </a:ext>
             </a:extLst>
           </p:cNvPr>
@@ -4218,24 +4657,133 @@
             <p:ph type="title"/>
           </p:nvPr>
         </p:nvSpPr>
-        <p:spPr>
-          <a:xfrm>
-            <a:off x="1026774" y="2512825"/>
-            <a:ext cx="10138451" cy="1832349"/>
-          </a:xfrm>
-        </p:spPr>
+        <p:spPr/>
         <p:txBody>
           <a:bodyPr/>
           <a:lstStyle/>
           <a:p>
-            <a:pPr algn="ctr"/>
+            <a:r>
+              <a:rPr lang="de-AT" dirty="0"/>
+              <a:t>Fronius API (Fake </a:t>
+            </a:r>
             <a:r>
               <a:rPr lang="de-AT" dirty="0" err="1"/>
-              <a:t>MySql</a:t>
+              <a:t>Json</a:t>
             </a:r>
             <a:r>
               <a:rPr lang="de-AT" dirty="0"/>
-              <a:t> - Docker</a:t>
+              <a:t> API)</a:t>
+            </a:r>
+          </a:p>
+        </p:txBody>
+      </p:sp>
+      <p:sp>
+        <p:nvSpPr>
+          <p:cNvPr id="3" name="Content Placeholder 2">
+            <a:extLst>
+              <a:ext uri="{FF2B5EF4-FFF2-40B4-BE49-F238E27FC236}">
+                <a16:creationId xmlns:a16="http://schemas.microsoft.com/office/drawing/2014/main" id="{B03D3FB2-19D8-9281-310A-B0FCE3E75F08}"/>
+              </a:ext>
+            </a:extLst>
+          </p:cNvPr>
+          <p:cNvSpPr>
+            <a:spLocks noGrp="1"/>
+          </p:cNvSpPr>
+          <p:nvPr>
+            <p:ph idx="1"/>
+          </p:nvPr>
+        </p:nvSpPr>
+        <p:spPr/>
+        <p:txBody>
+          <a:bodyPr/>
+          <a:lstStyle/>
+          <a:p>
+            <a:r>
+              <a:rPr lang="de-AT" b="1" dirty="0"/>
+              <a:t>Command um API zu starten:</a:t>
+            </a:r>
+          </a:p>
+          <a:p>
+            <a:r>
+              <a:rPr lang="de-AT" dirty="0" err="1"/>
+              <a:t>json</a:t>
+            </a:r>
+            <a:r>
+              <a:rPr lang="de-AT" dirty="0"/>
+              <a:t>-server --watch </a:t>
+            </a:r>
+            <a:r>
+              <a:rPr lang="de-AT" dirty="0" err="1"/>
+              <a:t>db.json</a:t>
+            </a:r>
+            <a:endParaRPr lang="de-AT" dirty="0"/>
+          </a:p>
+          <a:p>
+            <a:r>
+              <a:rPr lang="de-AT" b="1" dirty="0"/>
+              <a:t>Fehler aufgetaucht, </a:t>
+            </a:r>
+            <a:r>
+              <a:rPr lang="de-AT" b="1" dirty="0" err="1"/>
+              <a:t>Quarkus</a:t>
+            </a:r>
+            <a:r>
+              <a:rPr lang="de-AT" b="1" dirty="0"/>
+              <a:t> konnte keine Verbindung aufbauen mit API</a:t>
+            </a:r>
+          </a:p>
+          <a:p>
+            <a:r>
+              <a:rPr lang="de-AT" dirty="0"/>
+              <a:t>Mit anderen Fake APIs  probiert, jedoch wieder zur </a:t>
+            </a:r>
+            <a:r>
+              <a:rPr lang="de-AT" dirty="0" err="1"/>
+              <a:t>Github</a:t>
+            </a:r>
+            <a:r>
+              <a:rPr lang="de-AT" dirty="0"/>
+              <a:t> Fake </a:t>
+            </a:r>
+            <a:r>
+              <a:rPr lang="de-AT" dirty="0" err="1"/>
+              <a:t>Json</a:t>
+            </a:r>
+            <a:r>
+              <a:rPr lang="de-AT" dirty="0"/>
+              <a:t> API gewechselt</a:t>
+            </a:r>
+          </a:p>
+          <a:p>
+            <a:r>
+              <a:rPr lang="de-AT" b="1" dirty="0" err="1"/>
+              <a:t>json</a:t>
+            </a:r>
+            <a:r>
+              <a:rPr lang="de-AT" b="1" dirty="0"/>
+              <a:t>-server --watch </a:t>
+            </a:r>
+            <a:r>
+              <a:rPr lang="de-AT" b="1" dirty="0" err="1"/>
+              <a:t>db.json</a:t>
+            </a:r>
+            <a:r>
+              <a:rPr lang="de-AT" b="1" dirty="0"/>
+              <a:t> --</a:t>
+            </a:r>
+            <a:r>
+              <a:rPr lang="de-AT" b="1" dirty="0" err="1"/>
+              <a:t>port</a:t>
+            </a:r>
+            <a:r>
+              <a:rPr lang="de-AT" b="1" dirty="0"/>
+              <a:t> 3004</a:t>
+            </a:r>
+          </a:p>
+          <a:p>
+            <a:r>
+              <a:rPr lang="de-AT" dirty="0"/>
+              <a:t>Fehler behoben mit einen anderen Port</a:t>
             </a:r>
           </a:p>
         </p:txBody>
@@ -4243,7 +4791,7 @@
     </p:spTree>
     <p:extLst>
       <p:ext uri="{BB962C8B-B14F-4D97-AF65-F5344CB8AC3E}">
-        <p14:creationId xmlns:p14="http://schemas.microsoft.com/office/powerpoint/2010/main" val="2564709159"/>
+        <p14:creationId xmlns:p14="http://schemas.microsoft.com/office/powerpoint/2010/main" val="1433745735"/>
       </p:ext>
     </p:extLst>
   </p:cSld>
@@ -4275,7 +4823,7 @@
           <p:cNvPr id="2" name="Title 1">
             <a:extLst>
               <a:ext uri="{FF2B5EF4-FFF2-40B4-BE49-F238E27FC236}">
-                <a16:creationId xmlns:a16="http://schemas.microsoft.com/office/drawing/2014/main" id="{935206F8-01A1-D9B6-F6B1-E9E641773BAD}"/>
+                <a16:creationId xmlns:a16="http://schemas.microsoft.com/office/drawing/2014/main" id="{C9361943-AA44-2CC6-A0B4-64C5DA3BB7F2}"/>
               </a:ext>
             </a:extLst>
           </p:cNvPr>
@@ -4286,39 +4834,29 @@
             <p:ph type="title"/>
           </p:nvPr>
         </p:nvSpPr>
-        <p:spPr>
-          <a:xfrm>
-            <a:off x="5152238" y="895440"/>
-            <a:ext cx="6125361" cy="1560083"/>
-          </a:xfrm>
-        </p:spPr>
-        <p:txBody>
-          <a:bodyPr vert="horz" lIns="91440" tIns="45720" rIns="91440" bIns="45720" rtlCol="0" anchor="b">
-            <a:normAutofit/>
-          </a:bodyPr>
-          <a:lstStyle/>
-          <a:p>
+        <p:spPr/>
+        <p:txBody>
+          <a:bodyPr/>
+          <a:lstStyle/>
+          <a:p>
+            <a:pPr algn="ctr"/>
+            <a:r>
+              <a:rPr lang="de-AT" dirty="0" err="1"/>
+              <a:t>Quarkus</a:t>
+            </a:r>
             <a:r>
               <a:rPr lang="de-AT" dirty="0"/>
-              <a:t>ERD-Diagramm</a:t>
-            </a:r>
-            <a:endParaRPr lang="en-US" kern="1200" dirty="0">
-              <a:solidFill>
-                <a:schemeClr val="tx2"/>
-              </a:solidFill>
-              <a:latin typeface="+mj-lt"/>
-              <a:ea typeface="+mj-ea"/>
-              <a:cs typeface="+mj-cs"/>
-            </a:endParaRPr>
-          </a:p>
-        </p:txBody>
-      </p:sp>
-      <p:sp>
-        <p:nvSpPr>
-          <p:cNvPr id="4" name="Content Placeholder 3">
-            <a:extLst>
-              <a:ext uri="{FF2B5EF4-FFF2-40B4-BE49-F238E27FC236}">
-                <a16:creationId xmlns:a16="http://schemas.microsoft.com/office/drawing/2014/main" id="{5ACF29D7-7893-13E6-5A7C-8484E762D3A4}"/>
+              <a:t> - Vorzeigung</a:t>
+            </a:r>
+          </a:p>
+        </p:txBody>
+      </p:sp>
+      <p:sp>
+        <p:nvSpPr>
+          <p:cNvPr id="3" name="Content Placeholder 2">
+            <a:extLst>
+              <a:ext uri="{FF2B5EF4-FFF2-40B4-BE49-F238E27FC236}">
+                <a16:creationId xmlns:a16="http://schemas.microsoft.com/office/drawing/2014/main" id="{E4848232-2555-162F-0CA2-41A69B01705B}"/>
               </a:ext>
             </a:extLst>
           </p:cNvPr>
@@ -4326,72 +4864,52 @@
             <a:spLocks noGrp="1"/>
           </p:cNvSpPr>
           <p:nvPr>
-            <p:ph sz="half" idx="2"/>
+            <p:ph idx="1"/>
           </p:nvPr>
         </p:nvSpPr>
-        <p:spPr>
-          <a:xfrm>
-            <a:off x="5974717" y="2753546"/>
-            <a:ext cx="5302882" cy="3494854"/>
-          </a:xfrm>
-        </p:spPr>
-        <p:txBody>
-          <a:bodyPr vert="horz" lIns="91440" tIns="45720" rIns="91440" bIns="45720" rtlCol="0" anchor="t">
-            <a:normAutofit/>
-          </a:bodyPr>
-          <a:lstStyle/>
-          <a:p>
+        <p:spPr/>
+        <p:txBody>
+          <a:bodyPr/>
+          <a:lstStyle/>
+          <a:p>
+            <a:r>
+              <a:rPr lang="de-AT" b="1" dirty="0"/>
+              <a:t>Zu Erledigende Schritte die noch Fehlen:</a:t>
+            </a:r>
+          </a:p>
+          <a:p>
+            <a:r>
+              <a:rPr lang="de-AT" dirty="0" err="1"/>
+              <a:t>Timer</a:t>
+            </a:r>
             <a:r>
               <a:rPr lang="de-AT" dirty="0"/>
-              <a:t>ERD passt sich an die </a:t>
+              <a:t> der die Website jede </a:t>
             </a:r>
             <a:r>
               <a:rPr lang="de-AT" dirty="0" err="1"/>
-              <a:t>Json</a:t>
+              <a:t>Xmin</a:t>
             </a:r>
             <a:r>
               <a:rPr lang="de-AT" dirty="0"/>
-              <a:t> File an</a:t>
-            </a:r>
-          </a:p>
-        </p:txBody>
-      </p:sp>
-      <p:pic>
-        <p:nvPicPr>
-          <p:cNvPr id="7" name="Content Placeholder 6">
-            <a:extLst>
-              <a:ext uri="{FF2B5EF4-FFF2-40B4-BE49-F238E27FC236}">
-                <a16:creationId xmlns:a16="http://schemas.microsoft.com/office/drawing/2014/main" id="{ACAC0969-2357-7975-4B2B-F9C1A9F0C2DD}"/>
-              </a:ext>
-            </a:extLst>
-          </p:cNvPr>
-          <p:cNvPicPr>
-            <a:picLocks noGrp="1" noChangeAspect="1"/>
-          </p:cNvPicPr>
-          <p:nvPr>
-            <p:ph sz="half" idx="1"/>
-          </p:nvPr>
-        </p:nvPicPr>
-        <p:blipFill>
-          <a:blip r:embed="rId2"/>
-          <a:stretch>
-            <a:fillRect/>
-          </a:stretch>
-        </p:blipFill>
-        <p:spPr>
-          <a:xfrm>
-            <a:off x="181775" y="1870034"/>
-            <a:ext cx="4970463" cy="3830375"/>
-          </a:xfrm>
-          <a:prstGeom prst="rect">
-            <a:avLst/>
-          </a:prstGeom>
-        </p:spPr>
-      </p:pic>
+              <a:t> aufruft</a:t>
+            </a:r>
+          </a:p>
+          <a:p>
+            <a:r>
+              <a:rPr lang="de-AT" dirty="0"/>
+              <a:t>Code erweitern</a:t>
+            </a:r>
+          </a:p>
+          <a:p>
+            <a:endParaRPr lang="de-AT" dirty="0"/>
+          </a:p>
+        </p:txBody>
+      </p:sp>
     </p:spTree>
     <p:extLst>
       <p:ext uri="{BB962C8B-B14F-4D97-AF65-F5344CB8AC3E}">
-        <p14:creationId xmlns:p14="http://schemas.microsoft.com/office/powerpoint/2010/main" val="1167073555"/>
+        <p14:creationId xmlns:p14="http://schemas.microsoft.com/office/powerpoint/2010/main" val="4058142498"/>
       </p:ext>
     </p:extLst>
   </p:cSld>
@@ -4436,38 +4954,22 @@
         </p:nvSpPr>
         <p:spPr>
           <a:xfrm>
-            <a:off x="1026774" y="2244216"/>
-            <a:ext cx="10138451" cy="2369568"/>
-          </a:xfrm>
-        </p:spPr>
-        <p:txBody>
-          <a:bodyPr>
-            <a:normAutofit fontScale="90000"/>
-          </a:bodyPr>
+            <a:off x="1026774" y="2512825"/>
+            <a:ext cx="10138451" cy="1832349"/>
+          </a:xfrm>
+        </p:spPr>
+        <p:txBody>
+          <a:bodyPr/>
           <a:lstStyle/>
           <a:p>
             <a:pPr algn="ctr"/>
             <a:r>
               <a:rPr lang="de-AT" dirty="0" err="1"/>
-              <a:t>Quarkus</a:t>
+              <a:t>MySql</a:t>
             </a:r>
             <a:r>
               <a:rPr lang="de-AT" dirty="0"/>
-              <a:t> Client</a:t>
-            </a:r>
-            <a:br>
-              <a:rPr lang="de-AT" dirty="0"/>
-            </a:br>
-            <a:r>
-              <a:rPr lang="de-AT" dirty="0"/>
-              <a:t>&amp; </a:t>
-            </a:r>
-            <a:br>
-              <a:rPr lang="de-AT" dirty="0"/>
-            </a:br>
-            <a:r>
-              <a:rPr lang="de-AT" dirty="0"/>
-              <a:t>Datenbank Daten</a:t>
+              <a:t> - Docker</a:t>
             </a:r>
           </a:p>
         </p:txBody>
@@ -4475,7 +4977,7 @@
     </p:spTree>
     <p:extLst>
       <p:ext uri="{BB962C8B-B14F-4D97-AF65-F5344CB8AC3E}">
-        <p14:creationId xmlns:p14="http://schemas.microsoft.com/office/powerpoint/2010/main" val="460138168"/>
+        <p14:creationId xmlns:p14="http://schemas.microsoft.com/office/powerpoint/2010/main" val="2564709159"/>
       </p:ext>
     </p:extLst>
   </p:cSld>
@@ -4507,7 +5009,7 @@
           <p:cNvPr id="2" name="Title 1">
             <a:extLst>
               <a:ext uri="{FF2B5EF4-FFF2-40B4-BE49-F238E27FC236}">
-                <a16:creationId xmlns:a16="http://schemas.microsoft.com/office/drawing/2014/main" id="{C9361943-AA44-2CC6-A0B4-64C5DA3BB7F2}"/>
+                <a16:creationId xmlns:a16="http://schemas.microsoft.com/office/drawing/2014/main" id="{935206F8-01A1-D9B6-F6B1-E9E641773BAD}"/>
               </a:ext>
             </a:extLst>
           </p:cNvPr>
@@ -4520,30 +5022,110 @@
         </p:nvSpPr>
         <p:spPr>
           <a:xfrm>
-            <a:off x="1026774" y="2512825"/>
-            <a:ext cx="10138451" cy="1832349"/>
-          </a:xfrm>
-        </p:spPr>
-        <p:txBody>
-          <a:bodyPr/>
-          <a:lstStyle/>
-          <a:p>
-            <a:pPr algn="ctr"/>
+            <a:off x="5152238" y="895440"/>
+            <a:ext cx="6125361" cy="1560083"/>
+          </a:xfrm>
+        </p:spPr>
+        <p:txBody>
+          <a:bodyPr vert="horz" lIns="91440" tIns="45720" rIns="91440" bIns="45720" rtlCol="0" anchor="b">
+            <a:normAutofit/>
+          </a:bodyPr>
+          <a:lstStyle/>
+          <a:p>
+            <a:r>
+              <a:rPr lang="de-AT" dirty="0"/>
+              <a:t>ERD-Diagramm</a:t>
+            </a:r>
+            <a:endParaRPr lang="en-US" kern="1200" dirty="0">
+              <a:solidFill>
+                <a:schemeClr val="tx2"/>
+              </a:solidFill>
+              <a:latin typeface="+mj-lt"/>
+              <a:ea typeface="+mj-ea"/>
+              <a:cs typeface="+mj-cs"/>
+            </a:endParaRPr>
+          </a:p>
+        </p:txBody>
+      </p:sp>
+      <p:sp>
+        <p:nvSpPr>
+          <p:cNvPr id="4" name="Content Placeholder 3">
+            <a:extLst>
+              <a:ext uri="{FF2B5EF4-FFF2-40B4-BE49-F238E27FC236}">
+                <a16:creationId xmlns:a16="http://schemas.microsoft.com/office/drawing/2014/main" id="{5ACF29D7-7893-13E6-5A7C-8484E762D3A4}"/>
+              </a:ext>
+            </a:extLst>
+          </p:cNvPr>
+          <p:cNvSpPr>
+            <a:spLocks noGrp="1"/>
+          </p:cNvSpPr>
+          <p:nvPr>
+            <p:ph sz="half" idx="2"/>
+          </p:nvPr>
+        </p:nvSpPr>
+        <p:spPr>
+          <a:xfrm>
+            <a:off x="5974717" y="2753546"/>
+            <a:ext cx="5302882" cy="3494854"/>
+          </a:xfrm>
+        </p:spPr>
+        <p:txBody>
+          <a:bodyPr vert="horz" lIns="91440" tIns="45720" rIns="91440" bIns="45720" rtlCol="0" anchor="t">
+            <a:normAutofit/>
+          </a:bodyPr>
+          <a:lstStyle/>
+          <a:p>
+            <a:r>
+              <a:rPr lang="de-AT" dirty="0"/>
+              <a:t>ERD passt sich an die </a:t>
+            </a:r>
             <a:r>
               <a:rPr lang="de-AT" dirty="0" err="1"/>
-              <a:t>Grafana</a:t>
+              <a:t>Json</a:t>
             </a:r>
             <a:r>
               <a:rPr lang="de-AT" dirty="0"/>
-              <a:t> - Docker</a:t>
-            </a:r>
-          </a:p>
-        </p:txBody>
-      </p:sp>
+              <a:t> File an</a:t>
+            </a:r>
+          </a:p>
+        </p:txBody>
+      </p:sp>
+      <p:pic>
+        <p:nvPicPr>
+          <p:cNvPr id="7" name="Content Placeholder 6">
+            <a:extLst>
+              <a:ext uri="{FF2B5EF4-FFF2-40B4-BE49-F238E27FC236}">
+                <a16:creationId xmlns:a16="http://schemas.microsoft.com/office/drawing/2014/main" id="{ACAC0969-2357-7975-4B2B-F9C1A9F0C2DD}"/>
+              </a:ext>
+            </a:extLst>
+          </p:cNvPr>
+          <p:cNvPicPr>
+            <a:picLocks noGrp="1" noChangeAspect="1"/>
+          </p:cNvPicPr>
+          <p:nvPr>
+            <p:ph sz="half" idx="1"/>
+          </p:nvPr>
+        </p:nvPicPr>
+        <p:blipFill>
+          <a:blip r:embed="rId2"/>
+          <a:stretch>
+            <a:fillRect/>
+          </a:stretch>
+        </p:blipFill>
+        <p:spPr>
+          <a:xfrm>
+            <a:off x="181775" y="1870034"/>
+            <a:ext cx="4970463" cy="3830375"/>
+          </a:xfrm>
+          <a:prstGeom prst="rect">
+            <a:avLst/>
+          </a:prstGeom>
+        </p:spPr>
+      </p:pic>
     </p:spTree>
     <p:extLst>
       <p:ext uri="{BB962C8B-B14F-4D97-AF65-F5344CB8AC3E}">
-        <p14:creationId xmlns:p14="http://schemas.microsoft.com/office/powerpoint/2010/main" val="4272393591"/>
+        <p14:creationId xmlns:p14="http://schemas.microsoft.com/office/powerpoint/2010/main" val="1167073555"/>
       </p:ext>
     </p:extLst>
   </p:cSld>
@@ -4575,7 +5157,7 @@
           <p:cNvPr id="2" name="Title 1">
             <a:extLst>
               <a:ext uri="{FF2B5EF4-FFF2-40B4-BE49-F238E27FC236}">
-                <a16:creationId xmlns:a16="http://schemas.microsoft.com/office/drawing/2014/main" id="{EE427141-7176-1526-B77B-EE30FBB98BD4}"/>
+                <a16:creationId xmlns:a16="http://schemas.microsoft.com/office/drawing/2014/main" id="{C9361943-AA44-2CC6-A0B4-64C5DA3BB7F2}"/>
               </a:ext>
             </a:extLst>
           </p:cNvPr>
@@ -4586,62 +5168,40 @@
             <p:ph type="title"/>
           </p:nvPr>
         </p:nvSpPr>
-        <p:spPr/>
-        <p:txBody>
-          <a:bodyPr/>
-          <a:lstStyle/>
-          <a:p>
+        <p:spPr>
+          <a:xfrm>
+            <a:off x="1026774" y="2244216"/>
+            <a:ext cx="10138451" cy="2369568"/>
+          </a:xfrm>
+        </p:spPr>
+        <p:txBody>
+          <a:bodyPr>
+            <a:normAutofit fontScale="90000"/>
+          </a:bodyPr>
+          <a:lstStyle/>
+          <a:p>
+            <a:pPr algn="ctr"/>
             <a:r>
               <a:rPr lang="de-AT" dirty="0" err="1"/>
-              <a:t>Grafana</a:t>
+              <a:t>Quarkus</a:t>
             </a:r>
             <a:r>
               <a:rPr lang="de-AT" dirty="0"/>
-              <a:t> Anfangs-Probleme</a:t>
-            </a:r>
-          </a:p>
-        </p:txBody>
-      </p:sp>
-      <p:sp>
-        <p:nvSpPr>
-          <p:cNvPr id="3" name="Content Placeholder 2">
-            <a:extLst>
-              <a:ext uri="{FF2B5EF4-FFF2-40B4-BE49-F238E27FC236}">
-                <a16:creationId xmlns:a16="http://schemas.microsoft.com/office/drawing/2014/main" id="{A022B77C-82F2-C243-97D6-545C9372AF85}"/>
-              </a:ext>
-            </a:extLst>
-          </p:cNvPr>
-          <p:cNvSpPr>
-            <a:spLocks noGrp="1"/>
-          </p:cNvSpPr>
-          <p:nvPr>
-            <p:ph idx="1"/>
-          </p:nvPr>
-        </p:nvSpPr>
-        <p:spPr/>
-        <p:txBody>
-          <a:bodyPr/>
-          <a:lstStyle/>
-          <a:p>
-            <a:r>
-              <a:rPr lang="de-AT" b="1" dirty="0"/>
-              <a:t>Online Version:</a:t>
-            </a:r>
-          </a:p>
-          <a:p>
-            <a:r>
+              <a:t> Client</a:t>
+            </a:r>
+            <a:br>
               <a:rPr lang="de-AT" dirty="0"/>
-              <a:t>Kein Zugriff auf Admin Settings</a:t>
-            </a:r>
-          </a:p>
-          <a:p>
-            <a:r>
-              <a:rPr lang="de-AT" dirty="0" err="1"/>
-              <a:t>Embed</a:t>
-            </a:r>
+            </a:br>
             <a:r>
               <a:rPr lang="de-AT" dirty="0"/>
-              <a:t> Funktion hat nicht funktioniert (Nur Admin hat Daten gesehen)</a:t>
+              <a:t>&amp; </a:t>
+            </a:r>
+            <a:br>
+              <a:rPr lang="de-AT" dirty="0"/>
+            </a:br>
+            <a:r>
+              <a:rPr lang="de-AT" dirty="0"/>
+              <a:t>Datenbank Daten</a:t>
             </a:r>
           </a:p>
         </p:txBody>
@@ -4649,7 +5209,7 @@
     </p:spTree>
     <p:extLst>
       <p:ext uri="{BB962C8B-B14F-4D97-AF65-F5344CB8AC3E}">
-        <p14:creationId xmlns:p14="http://schemas.microsoft.com/office/powerpoint/2010/main" val="1017217624"/>
+        <p14:creationId xmlns:p14="http://schemas.microsoft.com/office/powerpoint/2010/main" val="460138168"/>
       </p:ext>
     </p:extLst>
   </p:cSld>
@@ -4681,7 +5241,7 @@
           <p:cNvPr id="2" name="Title 1">
             <a:extLst>
               <a:ext uri="{FF2B5EF4-FFF2-40B4-BE49-F238E27FC236}">
-                <a16:creationId xmlns:a16="http://schemas.microsoft.com/office/drawing/2014/main" id="{3C96B402-7C4A-E702-12B5-A82DB7A8F86A}"/>
+                <a16:creationId xmlns:a16="http://schemas.microsoft.com/office/drawing/2014/main" id="{C9361943-AA44-2CC6-A0B4-64C5DA3BB7F2}"/>
               </a:ext>
             </a:extLst>
           </p:cNvPr>
@@ -4692,78 +5252,24 @@
             <p:ph type="title"/>
           </p:nvPr>
         </p:nvSpPr>
-        <p:spPr/>
+        <p:spPr>
+          <a:xfrm>
+            <a:off x="1026774" y="2512825"/>
+            <a:ext cx="10138451" cy="1832349"/>
+          </a:xfrm>
+        </p:spPr>
         <p:txBody>
           <a:bodyPr/>
           <a:lstStyle/>
           <a:p>
+            <a:pPr algn="ctr"/>
             <a:r>
               <a:rPr lang="de-AT" dirty="0" err="1"/>
               <a:t>Grafana</a:t>
             </a:r>
             <a:r>
               <a:rPr lang="de-AT" dirty="0"/>
-              <a:t> Start</a:t>
-            </a:r>
-          </a:p>
-        </p:txBody>
-      </p:sp>
-      <p:sp>
-        <p:nvSpPr>
-          <p:cNvPr id="3" name="Content Placeholder 2">
-            <a:extLst>
-              <a:ext uri="{FF2B5EF4-FFF2-40B4-BE49-F238E27FC236}">
-                <a16:creationId xmlns:a16="http://schemas.microsoft.com/office/drawing/2014/main" id="{6C1478A2-2856-DF0F-1587-17C8B8FFB35C}"/>
-              </a:ext>
-            </a:extLst>
-          </p:cNvPr>
-          <p:cNvSpPr>
-            <a:spLocks noGrp="1"/>
-          </p:cNvSpPr>
-          <p:nvPr>
-            <p:ph idx="1"/>
-          </p:nvPr>
-        </p:nvSpPr>
-        <p:spPr/>
-        <p:txBody>
-          <a:bodyPr/>
-          <a:lstStyle/>
-          <a:p>
-            <a:r>
-              <a:rPr lang="de-AT" dirty="0"/>
-              <a:t>Auf Docker Version gewechselt</a:t>
-            </a:r>
-          </a:p>
-          <a:p>
-            <a:r>
-              <a:rPr lang="de-AT" dirty="0"/>
-              <a:t>Mit .</a:t>
-            </a:r>
-            <a:r>
-              <a:rPr lang="de-AT" dirty="0" err="1"/>
-              <a:t>yml</a:t>
-            </a:r>
-            <a:r>
-              <a:rPr lang="de-AT" dirty="0"/>
-              <a:t> File </a:t>
-            </a:r>
-            <a:r>
-              <a:rPr lang="de-AT" dirty="0" err="1"/>
-              <a:t>Envirement</a:t>
-            </a:r>
-            <a:r>
-              <a:rPr lang="de-AT" dirty="0"/>
-              <a:t> Variablen mitgegeben, um Setting File zu ändern</a:t>
-            </a:r>
-          </a:p>
-          <a:p>
-            <a:r>
-              <a:rPr lang="de-AT" dirty="0" err="1"/>
-              <a:t>Embed</a:t>
-            </a:r>
-            <a:r>
-              <a:rPr lang="de-AT" dirty="0"/>
-              <a:t> Funktion hat funktioniert auch für User</a:t>
+              <a:t> - Docker</a:t>
             </a:r>
           </a:p>
         </p:txBody>
@@ -4771,7 +5277,7 @@
     </p:spTree>
     <p:extLst>
       <p:ext uri="{BB962C8B-B14F-4D97-AF65-F5344CB8AC3E}">
-        <p14:creationId xmlns:p14="http://schemas.microsoft.com/office/powerpoint/2010/main" val="2655078854"/>
+        <p14:creationId xmlns:p14="http://schemas.microsoft.com/office/powerpoint/2010/main" val="4272393591"/>
       </p:ext>
     </p:extLst>
   </p:cSld>
@@ -4803,7 +5309,7 @@
           <p:cNvPr id="2" name="Title 1">
             <a:extLst>
               <a:ext uri="{FF2B5EF4-FFF2-40B4-BE49-F238E27FC236}">
-                <a16:creationId xmlns:a16="http://schemas.microsoft.com/office/drawing/2014/main" id="{0E98CC80-CDC0-10E5-6759-F55BFBCFE861}"/>
+                <a16:creationId xmlns:a16="http://schemas.microsoft.com/office/drawing/2014/main" id="{EE427141-7176-1526-B77B-EE30FBB98BD4}"/>
               </a:ext>
             </a:extLst>
           </p:cNvPr>
@@ -4819,51 +5325,65 @@
           <a:bodyPr/>
           <a:lstStyle/>
           <a:p>
-            <a:pPr algn="ctr"/>
             <a:r>
               <a:rPr lang="de-AT" dirty="0" err="1"/>
               <a:t>Grafana</a:t>
             </a:r>
             <a:r>
               <a:rPr lang="de-AT" dirty="0"/>
-              <a:t> Diagramm</a:t>
-            </a:r>
-          </a:p>
-        </p:txBody>
-      </p:sp>
-      <p:pic>
-        <p:nvPicPr>
-          <p:cNvPr id="5" name="Content Placeholder 4">
-            <a:extLst>
-              <a:ext uri="{FF2B5EF4-FFF2-40B4-BE49-F238E27FC236}">
-                <a16:creationId xmlns:a16="http://schemas.microsoft.com/office/drawing/2014/main" id="{7F20D7C0-92EA-821C-0F00-4665F6BEC09C}"/>
-              </a:ext>
-            </a:extLst>
-          </p:cNvPr>
-          <p:cNvPicPr>
-            <a:picLocks noGrp="1" noChangeAspect="1"/>
-          </p:cNvPicPr>
+              <a:t> Anfangs-Probleme</a:t>
+            </a:r>
+          </a:p>
+        </p:txBody>
+      </p:sp>
+      <p:sp>
+        <p:nvSpPr>
+          <p:cNvPr id="3" name="Content Placeholder 2">
+            <a:extLst>
+              <a:ext uri="{FF2B5EF4-FFF2-40B4-BE49-F238E27FC236}">
+                <a16:creationId xmlns:a16="http://schemas.microsoft.com/office/drawing/2014/main" id="{A022B77C-82F2-C243-97D6-545C9372AF85}"/>
+              </a:ext>
+            </a:extLst>
+          </p:cNvPr>
+          <p:cNvSpPr>
+            <a:spLocks noGrp="1"/>
+          </p:cNvSpPr>
           <p:nvPr>
             <p:ph idx="1"/>
           </p:nvPr>
-        </p:nvPicPr>
-        <p:blipFill>
-          <a:blip r:embed="rId2"/>
-          <a:stretch>
-            <a:fillRect/>
-          </a:stretch>
-        </p:blipFill>
-        <p:spPr>
-          <a:xfrm>
-            <a:off x="1772444" y="2083594"/>
-            <a:ext cx="8582025" cy="3867150"/>
-          </a:xfrm>
-        </p:spPr>
-      </p:pic>
+        </p:nvSpPr>
+        <p:spPr/>
+        <p:txBody>
+          <a:bodyPr/>
+          <a:lstStyle/>
+          <a:p>
+            <a:r>
+              <a:rPr lang="de-AT" b="1" dirty="0"/>
+              <a:t>Online Version:</a:t>
+            </a:r>
+          </a:p>
+          <a:p>
+            <a:r>
+              <a:rPr lang="de-AT" dirty="0"/>
+              <a:t>Kein Zugriff auf Admin Settings</a:t>
+            </a:r>
+          </a:p>
+          <a:p>
+            <a:r>
+              <a:rPr lang="de-AT" dirty="0" err="1"/>
+              <a:t>Embed</a:t>
+            </a:r>
+            <a:r>
+              <a:rPr lang="de-AT" dirty="0"/>
+              <a:t> Funktion hat nicht funktioniert (Nur Admin hat Daten gesehen)</a:t>
+            </a:r>
+          </a:p>
+        </p:txBody>
+      </p:sp>
     </p:spTree>
     <p:extLst>
       <p:ext uri="{BB962C8B-B14F-4D97-AF65-F5344CB8AC3E}">
-        <p14:creationId xmlns:p14="http://schemas.microsoft.com/office/powerpoint/2010/main" val="2451435515"/>
+        <p14:creationId xmlns:p14="http://schemas.microsoft.com/office/powerpoint/2010/main" val="1017217624"/>
       </p:ext>
     </p:extLst>
   </p:cSld>
@@ -4895,7 +5415,7 @@
           <p:cNvPr id="2" name="Title 1">
             <a:extLst>
               <a:ext uri="{FF2B5EF4-FFF2-40B4-BE49-F238E27FC236}">
-                <a16:creationId xmlns:a16="http://schemas.microsoft.com/office/drawing/2014/main" id="{C9361943-AA44-2CC6-A0B4-64C5DA3BB7F2}"/>
+                <a16:creationId xmlns:a16="http://schemas.microsoft.com/office/drawing/2014/main" id="{3C96B402-7C4A-E702-12B5-A82DB7A8F86A}"/>
               </a:ext>
             </a:extLst>
           </p:cNvPr>
@@ -4906,20 +5426,78 @@
             <p:ph type="title"/>
           </p:nvPr>
         </p:nvSpPr>
-        <p:spPr>
-          <a:xfrm>
-            <a:off x="1026774" y="2512825"/>
-            <a:ext cx="10138451" cy="1832349"/>
-          </a:xfrm>
-        </p:spPr>
+        <p:spPr/>
         <p:txBody>
           <a:bodyPr/>
           <a:lstStyle/>
           <a:p>
-            <a:pPr algn="ctr"/>
+            <a:r>
+              <a:rPr lang="de-AT" dirty="0" err="1"/>
+              <a:t>Grafana</a:t>
+            </a:r>
             <a:r>
               <a:rPr lang="de-AT" dirty="0"/>
-              <a:t>Hugo Website</a:t>
+              <a:t> Start</a:t>
+            </a:r>
+          </a:p>
+        </p:txBody>
+      </p:sp>
+      <p:sp>
+        <p:nvSpPr>
+          <p:cNvPr id="3" name="Content Placeholder 2">
+            <a:extLst>
+              <a:ext uri="{FF2B5EF4-FFF2-40B4-BE49-F238E27FC236}">
+                <a16:creationId xmlns:a16="http://schemas.microsoft.com/office/drawing/2014/main" id="{6C1478A2-2856-DF0F-1587-17C8B8FFB35C}"/>
+              </a:ext>
+            </a:extLst>
+          </p:cNvPr>
+          <p:cNvSpPr>
+            <a:spLocks noGrp="1"/>
+          </p:cNvSpPr>
+          <p:nvPr>
+            <p:ph idx="1"/>
+          </p:nvPr>
+        </p:nvSpPr>
+        <p:spPr/>
+        <p:txBody>
+          <a:bodyPr/>
+          <a:lstStyle/>
+          <a:p>
+            <a:r>
+              <a:rPr lang="de-AT" dirty="0"/>
+              <a:t>Auf Docker Version gewechselt</a:t>
+            </a:r>
+          </a:p>
+          <a:p>
+            <a:r>
+              <a:rPr lang="de-AT" dirty="0"/>
+              <a:t>Mit .</a:t>
+            </a:r>
+            <a:r>
+              <a:rPr lang="de-AT" dirty="0" err="1"/>
+              <a:t>yml</a:t>
+            </a:r>
+            <a:r>
+              <a:rPr lang="de-AT" dirty="0"/>
+              <a:t> File </a:t>
+            </a:r>
+            <a:r>
+              <a:rPr lang="de-AT" dirty="0" err="1"/>
+              <a:t>Envirement</a:t>
+            </a:r>
+            <a:r>
+              <a:rPr lang="de-AT" dirty="0"/>
+              <a:t> Variablen mitgegeben, um Setting File zu ändern</a:t>
+            </a:r>
+          </a:p>
+          <a:p>
+            <a:r>
+              <a:rPr lang="de-AT" dirty="0" err="1"/>
+              <a:t>Embed</a:t>
+            </a:r>
+            <a:r>
+              <a:rPr lang="de-AT" dirty="0"/>
+              <a:t> Funktion hat funktioniert auch für User</a:t>
             </a:r>
           </a:p>
         </p:txBody>
@@ -4927,7 +5505,7 @@
     </p:spTree>
     <p:extLst>
       <p:ext uri="{BB962C8B-B14F-4D97-AF65-F5344CB8AC3E}">
-        <p14:creationId xmlns:p14="http://schemas.microsoft.com/office/powerpoint/2010/main" val="1754232367"/>
+        <p14:creationId xmlns:p14="http://schemas.microsoft.com/office/powerpoint/2010/main" val="2655078854"/>
       </p:ext>
     </p:extLst>
   </p:cSld>
@@ -4959,7 +5537,7 @@
           <p:cNvPr id="2" name="Title 1">
             <a:extLst>
               <a:ext uri="{FF2B5EF4-FFF2-40B4-BE49-F238E27FC236}">
-                <a16:creationId xmlns:a16="http://schemas.microsoft.com/office/drawing/2014/main" id="{074FFC1A-FCD2-E2C5-2CC0-08BC2CF787BC}"/>
+                <a16:creationId xmlns:a16="http://schemas.microsoft.com/office/drawing/2014/main" id="{C9361943-AA44-2CC6-A0B4-64C5DA3BB7F2}"/>
               </a:ext>
             </a:extLst>
           </p:cNvPr>
@@ -4972,506 +5550,26 @@
         </p:nvSpPr>
         <p:spPr>
           <a:xfrm>
-            <a:off x="849759" y="895440"/>
-            <a:ext cx="10138451" cy="787445"/>
-          </a:xfrm>
-        </p:spPr>
-        <p:txBody>
-          <a:bodyPr>
-            <a:normAutofit fontScale="90000"/>
-          </a:bodyPr>
+            <a:off x="1026774" y="2512825"/>
+            <a:ext cx="10138451" cy="1832349"/>
+          </a:xfrm>
+        </p:spPr>
+        <p:txBody>
+          <a:bodyPr/>
           <a:lstStyle/>
           <a:p>
             <a:pPr algn="ctr"/>
             <a:r>
               <a:rPr lang="de-AT" dirty="0"/>
-              <a:t>Übersicht - Statistik</a:t>
-            </a:r>
-          </a:p>
-        </p:txBody>
-      </p:sp>
-      <p:sp>
-        <p:nvSpPr>
-          <p:cNvPr id="3" name="Rectangle: Rounded Corners 2">
-            <a:extLst>
-              <a:ext uri="{FF2B5EF4-FFF2-40B4-BE49-F238E27FC236}">
-                <a16:creationId xmlns:a16="http://schemas.microsoft.com/office/drawing/2014/main" id="{46B1F407-C9CC-C9FE-A092-C913866E1C31}"/>
-              </a:ext>
-            </a:extLst>
-          </p:cNvPr>
-          <p:cNvSpPr/>
-          <p:nvPr/>
-        </p:nvSpPr>
-        <p:spPr>
-          <a:xfrm>
-            <a:off x="2236903" y="2351531"/>
-            <a:ext cx="2086388" cy="787445"/>
-          </a:xfrm>
-          <a:prstGeom prst="roundRect">
-            <a:avLst/>
-          </a:prstGeom>
-          <a:solidFill>
-            <a:srgbClr val="00B0F0"/>
-          </a:solidFill>
-          <a:ln>
-            <a:noFill/>
-          </a:ln>
-        </p:spPr>
-        <p:style>
-          <a:lnRef idx="0">
-            <a:scrgbClr r="0" g="0" b="0"/>
-          </a:lnRef>
-          <a:fillRef idx="0">
-            <a:scrgbClr r="0" g="0" b="0"/>
-          </a:fillRef>
-          <a:effectRef idx="0">
-            <a:scrgbClr r="0" g="0" b="0"/>
-          </a:effectRef>
-          <a:fontRef idx="minor">
-            <a:schemeClr val="lt1"/>
-          </a:fontRef>
-        </p:style>
-        <p:txBody>
-          <a:bodyPr rtlCol="0" anchor="ctr"/>
-          <a:lstStyle/>
-          <a:p>
-            <a:pPr algn="ctr"/>
-            <a:r>
-              <a:rPr lang="de-AT" dirty="0"/>
-              <a:t>Fronius </a:t>
-            </a:r>
-            <a:r>
-              <a:rPr lang="de-AT" dirty="0" err="1"/>
-              <a:t>Api</a:t>
-            </a:r>
-            <a:endParaRPr lang="de-AT" dirty="0"/>
-          </a:p>
-          <a:p>
-            <a:pPr algn="ctr"/>
-            <a:r>
-              <a:rPr lang="de-AT" dirty="0"/>
-              <a:t>(Fake </a:t>
-            </a:r>
-            <a:r>
-              <a:rPr lang="de-AT" dirty="0" err="1"/>
-              <a:t>Json</a:t>
-            </a:r>
-            <a:r>
-              <a:rPr lang="de-AT" dirty="0"/>
-              <a:t> Server)</a:t>
-            </a:r>
-          </a:p>
-        </p:txBody>
-      </p:sp>
-      <p:sp>
-        <p:nvSpPr>
-          <p:cNvPr id="4" name="Rectangle: Rounded Corners 3">
-            <a:extLst>
-              <a:ext uri="{FF2B5EF4-FFF2-40B4-BE49-F238E27FC236}">
-                <a16:creationId xmlns:a16="http://schemas.microsoft.com/office/drawing/2014/main" id="{61072657-54E9-2DE5-1D95-B85D1D06FA13}"/>
-              </a:ext>
-            </a:extLst>
-          </p:cNvPr>
-          <p:cNvSpPr/>
-          <p:nvPr/>
-        </p:nvSpPr>
-        <p:spPr>
-          <a:xfrm>
-            <a:off x="2236903" y="4215694"/>
-            <a:ext cx="2086388" cy="787445"/>
-          </a:xfrm>
-          <a:prstGeom prst="roundRect">
-            <a:avLst/>
-          </a:prstGeom>
-          <a:solidFill>
-            <a:srgbClr val="00B0F0"/>
-          </a:solidFill>
-          <a:ln>
-            <a:noFill/>
-          </a:ln>
-        </p:spPr>
-        <p:style>
-          <a:lnRef idx="0">
-            <a:scrgbClr r="0" g="0" b="0"/>
-          </a:lnRef>
-          <a:fillRef idx="0">
-            <a:scrgbClr r="0" g="0" b="0"/>
-          </a:fillRef>
-          <a:effectRef idx="0">
-            <a:scrgbClr r="0" g="0" b="0"/>
-          </a:effectRef>
-          <a:fontRef idx="minor">
-            <a:schemeClr val="lt1"/>
-          </a:fontRef>
-        </p:style>
-        <p:txBody>
-          <a:bodyPr rtlCol="0" anchor="ctr"/>
-          <a:lstStyle/>
-          <a:p>
-            <a:pPr algn="ctr"/>
-            <a:r>
-              <a:rPr lang="de-AT" dirty="0" err="1"/>
-              <a:t>Quarkus</a:t>
-            </a:r>
-            <a:r>
-              <a:rPr lang="de-AT" dirty="0"/>
-              <a:t> Client</a:t>
-            </a:r>
-          </a:p>
-        </p:txBody>
-      </p:sp>
-      <p:sp>
-        <p:nvSpPr>
-          <p:cNvPr id="5" name="Rectangle: Rounded Corners 4">
-            <a:extLst>
-              <a:ext uri="{FF2B5EF4-FFF2-40B4-BE49-F238E27FC236}">
-                <a16:creationId xmlns:a16="http://schemas.microsoft.com/office/drawing/2014/main" id="{8243D965-C1AA-F169-4C3F-277D6D2BD3E3}"/>
-              </a:ext>
-            </a:extLst>
-          </p:cNvPr>
-          <p:cNvSpPr/>
-          <p:nvPr/>
-        </p:nvSpPr>
-        <p:spPr>
-          <a:xfrm>
-            <a:off x="4929084" y="4215694"/>
-            <a:ext cx="2086388" cy="787445"/>
-          </a:xfrm>
-          <a:prstGeom prst="roundRect">
-            <a:avLst/>
-          </a:prstGeom>
-          <a:solidFill>
-            <a:srgbClr val="00B0F0"/>
-          </a:solidFill>
-          <a:ln>
-            <a:noFill/>
-          </a:ln>
-        </p:spPr>
-        <p:style>
-          <a:lnRef idx="0">
-            <a:scrgbClr r="0" g="0" b="0"/>
-          </a:lnRef>
-          <a:fillRef idx="0">
-            <a:scrgbClr r="0" g="0" b="0"/>
-          </a:fillRef>
-          <a:effectRef idx="0">
-            <a:scrgbClr r="0" g="0" b="0"/>
-          </a:effectRef>
-          <a:fontRef idx="minor">
-            <a:schemeClr val="lt1"/>
-          </a:fontRef>
-        </p:style>
-        <p:txBody>
-          <a:bodyPr rtlCol="0" anchor="ctr"/>
-          <a:lstStyle/>
-          <a:p>
-            <a:pPr algn="ctr"/>
-            <a:r>
-              <a:rPr lang="de-AT" dirty="0" err="1"/>
-              <a:t>MySql</a:t>
-            </a:r>
-            <a:r>
-              <a:rPr lang="de-AT" dirty="0"/>
-              <a:t> - Docker</a:t>
-            </a:r>
-          </a:p>
-        </p:txBody>
-      </p:sp>
-      <p:sp>
-        <p:nvSpPr>
-          <p:cNvPr id="6" name="Rectangle: Rounded Corners 5">
-            <a:extLst>
-              <a:ext uri="{FF2B5EF4-FFF2-40B4-BE49-F238E27FC236}">
-                <a16:creationId xmlns:a16="http://schemas.microsoft.com/office/drawing/2014/main" id="{1EFA3662-E5DC-8695-C0B6-DC1B0F529126}"/>
-              </a:ext>
-            </a:extLst>
-          </p:cNvPr>
-          <p:cNvSpPr/>
-          <p:nvPr/>
-        </p:nvSpPr>
-        <p:spPr>
-          <a:xfrm>
-            <a:off x="4929084" y="2351530"/>
-            <a:ext cx="2086388" cy="787445"/>
-          </a:xfrm>
-          <a:prstGeom prst="roundRect">
-            <a:avLst/>
-          </a:prstGeom>
-          <a:solidFill>
-            <a:srgbClr val="00B0F0"/>
-          </a:solidFill>
-          <a:ln>
-            <a:noFill/>
-          </a:ln>
-        </p:spPr>
-        <p:style>
-          <a:lnRef idx="0">
-            <a:scrgbClr r="0" g="0" b="0"/>
-          </a:lnRef>
-          <a:fillRef idx="0">
-            <a:scrgbClr r="0" g="0" b="0"/>
-          </a:fillRef>
-          <a:effectRef idx="0">
-            <a:scrgbClr r="0" g="0" b="0"/>
-          </a:effectRef>
-          <a:fontRef idx="minor">
-            <a:schemeClr val="lt1"/>
-          </a:fontRef>
-        </p:style>
-        <p:txBody>
-          <a:bodyPr rtlCol="0" anchor="ctr"/>
-          <a:lstStyle/>
-          <a:p>
-            <a:pPr algn="ctr"/>
-            <a:r>
-              <a:rPr lang="de-AT" dirty="0" err="1"/>
-              <a:t>Grafana</a:t>
-            </a:r>
-            <a:r>
-              <a:rPr lang="de-AT" dirty="0"/>
-              <a:t> - Docker</a:t>
-            </a:r>
-          </a:p>
-        </p:txBody>
-      </p:sp>
-      <p:sp>
-        <p:nvSpPr>
-          <p:cNvPr id="7" name="Rectangle: Rounded Corners 6">
-            <a:extLst>
-              <a:ext uri="{FF2B5EF4-FFF2-40B4-BE49-F238E27FC236}">
-                <a16:creationId xmlns:a16="http://schemas.microsoft.com/office/drawing/2014/main" id="{B464C6BD-93BB-EA05-522C-FAE79ED6B9B9}"/>
-              </a:ext>
-            </a:extLst>
-          </p:cNvPr>
-          <p:cNvSpPr/>
-          <p:nvPr/>
-        </p:nvSpPr>
-        <p:spPr>
-          <a:xfrm>
-            <a:off x="7589601" y="2351529"/>
-            <a:ext cx="2086388" cy="787445"/>
-          </a:xfrm>
-          <a:prstGeom prst="roundRect">
-            <a:avLst/>
-          </a:prstGeom>
-          <a:solidFill>
-            <a:srgbClr val="00B0F0"/>
-          </a:solidFill>
-          <a:ln>
-            <a:noFill/>
-          </a:ln>
-        </p:spPr>
-        <p:style>
-          <a:lnRef idx="0">
-            <a:scrgbClr r="0" g="0" b="0"/>
-          </a:lnRef>
-          <a:fillRef idx="0">
-            <a:scrgbClr r="0" g="0" b="0"/>
-          </a:fillRef>
-          <a:effectRef idx="0">
-            <a:scrgbClr r="0" g="0" b="0"/>
-          </a:effectRef>
-          <a:fontRef idx="minor">
-            <a:schemeClr val="lt1"/>
-          </a:fontRef>
-        </p:style>
-        <p:txBody>
-          <a:bodyPr rtlCol="0" anchor="ctr"/>
-          <a:lstStyle/>
-          <a:p>
-            <a:pPr algn="ctr"/>
-            <a:r>
-              <a:rPr lang="de-AT" dirty="0"/>
-              <a:t>Hugo Website</a:t>
-            </a:r>
-          </a:p>
-        </p:txBody>
-      </p:sp>
-      <p:cxnSp>
-        <p:nvCxnSpPr>
-          <p:cNvPr id="9" name="Straight Arrow Connector 8">
-            <a:extLst>
-              <a:ext uri="{FF2B5EF4-FFF2-40B4-BE49-F238E27FC236}">
-                <a16:creationId xmlns:a16="http://schemas.microsoft.com/office/drawing/2014/main" id="{609035B5-162A-F666-28F1-1C6B32B7CC7D}"/>
-              </a:ext>
-            </a:extLst>
-          </p:cNvPr>
-          <p:cNvCxnSpPr>
-            <a:stCxn id="4" idx="0"/>
-            <a:endCxn id="3" idx="2"/>
-          </p:cNvCxnSpPr>
-          <p:nvPr/>
-        </p:nvCxnSpPr>
-        <p:spPr>
-          <a:xfrm flipV="1">
-            <a:off x="3280097" y="3138976"/>
-            <a:ext cx="0" cy="1076718"/>
-          </a:xfrm>
-          <a:prstGeom prst="straightConnector1">
-            <a:avLst/>
-          </a:prstGeom>
-          <a:ln>
-            <a:solidFill>
-              <a:srgbClr val="00B0F0"/>
-            </a:solidFill>
-            <a:headEnd type="triangle"/>
-            <a:tailEnd type="triangle"/>
-          </a:ln>
-        </p:spPr>
-        <p:style>
-          <a:lnRef idx="1">
-            <a:schemeClr val="accent1"/>
-          </a:lnRef>
-          <a:fillRef idx="0">
-            <a:schemeClr val="accent1"/>
-          </a:fillRef>
-          <a:effectRef idx="0">
-            <a:schemeClr val="accent1"/>
-          </a:effectRef>
-          <a:fontRef idx="minor">
-            <a:schemeClr val="tx1"/>
-          </a:fontRef>
-        </p:style>
-      </p:cxnSp>
-      <p:cxnSp>
-        <p:nvCxnSpPr>
-          <p:cNvPr id="14" name="Straight Arrow Connector 13">
-            <a:extLst>
-              <a:ext uri="{FF2B5EF4-FFF2-40B4-BE49-F238E27FC236}">
-                <a16:creationId xmlns:a16="http://schemas.microsoft.com/office/drawing/2014/main" id="{392E9B0A-FDC4-E14C-465C-C9EF74AF3963}"/>
-              </a:ext>
-            </a:extLst>
-          </p:cNvPr>
-          <p:cNvCxnSpPr>
-            <a:stCxn id="4" idx="3"/>
-            <a:endCxn id="5" idx="1"/>
-          </p:cNvCxnSpPr>
-          <p:nvPr/>
-        </p:nvCxnSpPr>
-        <p:spPr>
-          <a:xfrm>
-            <a:off x="4323291" y="4609417"/>
-            <a:ext cx="605793" cy="0"/>
-          </a:xfrm>
-          <a:prstGeom prst="straightConnector1">
-            <a:avLst/>
-          </a:prstGeom>
-          <a:ln>
-            <a:solidFill>
-              <a:srgbClr val="00B0F0"/>
-            </a:solidFill>
-            <a:tailEnd type="triangle"/>
-          </a:ln>
-        </p:spPr>
-        <p:style>
-          <a:lnRef idx="1">
-            <a:schemeClr val="accent1"/>
-          </a:lnRef>
-          <a:fillRef idx="0">
-            <a:schemeClr val="accent1"/>
-          </a:fillRef>
-          <a:effectRef idx="0">
-            <a:schemeClr val="accent1"/>
-          </a:effectRef>
-          <a:fontRef idx="minor">
-            <a:schemeClr val="tx1"/>
-          </a:fontRef>
-        </p:style>
-      </p:cxnSp>
-      <p:cxnSp>
-        <p:nvCxnSpPr>
-          <p:cNvPr id="16" name="Straight Arrow Connector 15">
-            <a:extLst>
-              <a:ext uri="{FF2B5EF4-FFF2-40B4-BE49-F238E27FC236}">
-                <a16:creationId xmlns:a16="http://schemas.microsoft.com/office/drawing/2014/main" id="{B5DC46FA-A0A7-39EF-3CA0-BA83879D029E}"/>
-              </a:ext>
-            </a:extLst>
-          </p:cNvPr>
-          <p:cNvCxnSpPr>
-            <a:stCxn id="6" idx="2"/>
-            <a:endCxn id="5" idx="0"/>
-          </p:cNvCxnSpPr>
-          <p:nvPr/>
-        </p:nvCxnSpPr>
-        <p:spPr>
-          <a:xfrm>
-            <a:off x="5972278" y="3138975"/>
-            <a:ext cx="0" cy="1076719"/>
-          </a:xfrm>
-          <a:prstGeom prst="straightConnector1">
-            <a:avLst/>
-          </a:prstGeom>
-          <a:ln>
-            <a:solidFill>
-              <a:srgbClr val="00B0F0"/>
-            </a:solidFill>
-            <a:tailEnd type="triangle"/>
-          </a:ln>
-        </p:spPr>
-        <p:style>
-          <a:lnRef idx="1">
-            <a:schemeClr val="accent1"/>
-          </a:lnRef>
-          <a:fillRef idx="0">
-            <a:schemeClr val="accent1"/>
-          </a:fillRef>
-          <a:effectRef idx="0">
-            <a:schemeClr val="accent1"/>
-          </a:effectRef>
-          <a:fontRef idx="minor">
-            <a:schemeClr val="tx1"/>
-          </a:fontRef>
-        </p:style>
-      </p:cxnSp>
-      <p:cxnSp>
-        <p:nvCxnSpPr>
-          <p:cNvPr id="20" name="Straight Arrow Connector 19">
-            <a:extLst>
-              <a:ext uri="{FF2B5EF4-FFF2-40B4-BE49-F238E27FC236}">
-                <a16:creationId xmlns:a16="http://schemas.microsoft.com/office/drawing/2014/main" id="{4628E258-BF93-8108-BDB6-AED445E600F0}"/>
-              </a:ext>
-            </a:extLst>
-          </p:cNvPr>
-          <p:cNvCxnSpPr>
-            <a:stCxn id="6" idx="3"/>
-            <a:endCxn id="7" idx="1"/>
-          </p:cNvCxnSpPr>
-          <p:nvPr/>
-        </p:nvCxnSpPr>
-        <p:spPr>
-          <a:xfrm flipV="1">
-            <a:off x="7015472" y="2745252"/>
-            <a:ext cx="574129" cy="1"/>
-          </a:xfrm>
-          <a:prstGeom prst="straightConnector1">
-            <a:avLst/>
-          </a:prstGeom>
-          <a:ln>
-            <a:solidFill>
-              <a:srgbClr val="00B0F0"/>
-            </a:solidFill>
-            <a:tailEnd type="triangle"/>
-          </a:ln>
-        </p:spPr>
-        <p:style>
-          <a:lnRef idx="1">
-            <a:schemeClr val="accent1"/>
-          </a:lnRef>
-          <a:fillRef idx="0">
-            <a:schemeClr val="accent1"/>
-          </a:fillRef>
-          <a:effectRef idx="0">
-            <a:schemeClr val="accent1"/>
-          </a:effectRef>
-          <a:fontRef idx="minor">
-            <a:schemeClr val="tx1"/>
-          </a:fontRef>
-        </p:style>
-      </p:cxnSp>
+              <a:t>Stundenaufzeichnung</a:t>
+            </a:r>
+          </a:p>
+        </p:txBody>
+      </p:sp>
     </p:spTree>
     <p:extLst>
       <p:ext uri="{BB962C8B-B14F-4D97-AF65-F5344CB8AC3E}">
-        <p14:creationId xmlns:p14="http://schemas.microsoft.com/office/powerpoint/2010/main" val="2318124173"/>
+        <p14:creationId xmlns:p14="http://schemas.microsoft.com/office/powerpoint/2010/main" val="1314254549"/>
       </p:ext>
     </p:extLst>
   </p:cSld>
@@ -5503,7 +5601,7 @@
           <p:cNvPr id="2" name="Title 1">
             <a:extLst>
               <a:ext uri="{FF2B5EF4-FFF2-40B4-BE49-F238E27FC236}">
-                <a16:creationId xmlns:a16="http://schemas.microsoft.com/office/drawing/2014/main" id="{AC7454B8-7519-3575-F35C-80B494E5DEA1}"/>
+                <a16:creationId xmlns:a16="http://schemas.microsoft.com/office/drawing/2014/main" id="{0E98CC80-CDC0-10E5-6759-F55BFBCFE861}"/>
               </a:ext>
             </a:extLst>
           </p:cNvPr>
@@ -5514,19 +5612,19 @@
             <p:ph type="title"/>
           </p:nvPr>
         </p:nvSpPr>
-        <p:spPr>
-          <a:xfrm>
-            <a:off x="0" y="0"/>
-            <a:ext cx="10427840" cy="787900"/>
-          </a:xfrm>
-        </p:spPr>
+        <p:spPr/>
         <p:txBody>
           <a:bodyPr/>
           <a:lstStyle/>
           <a:p>
+            <a:pPr algn="ctr"/>
+            <a:r>
+              <a:rPr lang="de-AT" dirty="0" err="1"/>
+              <a:t>Grafana</a:t>
+            </a:r>
             <a:r>
               <a:rPr lang="de-AT" dirty="0"/>
-              <a:t>Hugo Website</a:t>
+              <a:t> Diagramm</a:t>
             </a:r>
           </a:p>
         </p:txBody>
@@ -5536,7 +5634,7 @@
           <p:cNvPr id="5" name="Content Placeholder 4">
             <a:extLst>
               <a:ext uri="{FF2B5EF4-FFF2-40B4-BE49-F238E27FC236}">
-                <a16:creationId xmlns:a16="http://schemas.microsoft.com/office/drawing/2014/main" id="{9D8BF4E8-7F5D-B0AF-CB76-2A1AD1A8F8F3}"/>
+                <a16:creationId xmlns:a16="http://schemas.microsoft.com/office/drawing/2014/main" id="{7F20D7C0-92EA-821C-0F00-4665F6BEC09C}"/>
               </a:ext>
             </a:extLst>
           </p:cNvPr>
@@ -5555,15 +5653,15 @@
         </p:blipFill>
         <p:spPr>
           <a:xfrm>
-            <a:off x="882080" y="787900"/>
-            <a:ext cx="10427840" cy="5376855"/>
+            <a:off x="1772444" y="2083594"/>
+            <a:ext cx="8582025" cy="3867150"/>
           </a:xfrm>
         </p:spPr>
       </p:pic>
     </p:spTree>
     <p:extLst>
       <p:ext uri="{BB962C8B-B14F-4D97-AF65-F5344CB8AC3E}">
-        <p14:creationId xmlns:p14="http://schemas.microsoft.com/office/powerpoint/2010/main" val="2505862337"/>
+        <p14:creationId xmlns:p14="http://schemas.microsoft.com/office/powerpoint/2010/main" val="2451435515"/>
       </p:ext>
     </p:extLst>
   </p:cSld>
@@ -5595,7 +5693,7 @@
           <p:cNvPr id="2" name="Title 1">
             <a:extLst>
               <a:ext uri="{FF2B5EF4-FFF2-40B4-BE49-F238E27FC236}">
-                <a16:creationId xmlns:a16="http://schemas.microsoft.com/office/drawing/2014/main" id="{E256A4C7-7B07-C3D0-09E3-D3196B0E32DC}"/>
+                <a16:creationId xmlns:a16="http://schemas.microsoft.com/office/drawing/2014/main" id="{C9361943-AA44-2CC6-A0B4-64C5DA3BB7F2}"/>
               </a:ext>
             </a:extLst>
           </p:cNvPr>
@@ -5606,6 +5704,162 @@
             <p:ph type="title"/>
           </p:nvPr>
         </p:nvSpPr>
+        <p:spPr>
+          <a:xfrm>
+            <a:off x="1026774" y="2512825"/>
+            <a:ext cx="10138451" cy="1832349"/>
+          </a:xfrm>
+        </p:spPr>
+        <p:txBody>
+          <a:bodyPr/>
+          <a:lstStyle/>
+          <a:p>
+            <a:pPr algn="ctr"/>
+            <a:r>
+              <a:rPr lang="de-AT" dirty="0"/>
+              <a:t>Hugo Website</a:t>
+            </a:r>
+          </a:p>
+        </p:txBody>
+      </p:sp>
+    </p:spTree>
+    <p:extLst>
+      <p:ext uri="{BB962C8B-B14F-4D97-AF65-F5344CB8AC3E}">
+        <p14:creationId xmlns:p14="http://schemas.microsoft.com/office/powerpoint/2010/main" val="1754232367"/>
+      </p:ext>
+    </p:extLst>
+  </p:cSld>
+  <p:clrMapOvr>
+    <a:masterClrMapping/>
+  </p:clrMapOvr>
+</p:sld>
+</file>
+
+<file path=ppt/slides/slide22.xml><?xml version="1.0" encoding="utf-8"?>
+<p:sld xmlns:a="http://schemas.openxmlformats.org/drawingml/2006/main" xmlns:r="http://schemas.openxmlformats.org/officeDocument/2006/relationships" xmlns:p="http://schemas.openxmlformats.org/presentationml/2006/main">
+  <p:cSld>
+    <p:spTree>
+      <p:nvGrpSpPr>
+        <p:cNvPr id="1" name=""/>
+        <p:cNvGrpSpPr/>
+        <p:nvPr/>
+      </p:nvGrpSpPr>
+      <p:grpSpPr>
+        <a:xfrm>
+          <a:off x="0" y="0"/>
+          <a:ext cx="0" cy="0"/>
+          <a:chOff x="0" y="0"/>
+          <a:chExt cx="0" cy="0"/>
+        </a:xfrm>
+      </p:grpSpPr>
+      <p:sp>
+        <p:nvSpPr>
+          <p:cNvPr id="2" name="Title 1">
+            <a:extLst>
+              <a:ext uri="{FF2B5EF4-FFF2-40B4-BE49-F238E27FC236}">
+                <a16:creationId xmlns:a16="http://schemas.microsoft.com/office/drawing/2014/main" id="{AC7454B8-7519-3575-F35C-80B494E5DEA1}"/>
+              </a:ext>
+            </a:extLst>
+          </p:cNvPr>
+          <p:cNvSpPr>
+            <a:spLocks noGrp="1"/>
+          </p:cNvSpPr>
+          <p:nvPr>
+            <p:ph type="title"/>
+          </p:nvPr>
+        </p:nvSpPr>
+        <p:spPr>
+          <a:xfrm>
+            <a:off x="0" y="0"/>
+            <a:ext cx="10427840" cy="787900"/>
+          </a:xfrm>
+        </p:spPr>
+        <p:txBody>
+          <a:bodyPr/>
+          <a:lstStyle/>
+          <a:p>
+            <a:r>
+              <a:rPr lang="de-AT" dirty="0"/>
+              <a:t>Hugo Website</a:t>
+            </a:r>
+          </a:p>
+        </p:txBody>
+      </p:sp>
+      <p:pic>
+        <p:nvPicPr>
+          <p:cNvPr id="5" name="Content Placeholder 4">
+            <a:extLst>
+              <a:ext uri="{FF2B5EF4-FFF2-40B4-BE49-F238E27FC236}">
+                <a16:creationId xmlns:a16="http://schemas.microsoft.com/office/drawing/2014/main" id="{9D8BF4E8-7F5D-B0AF-CB76-2A1AD1A8F8F3}"/>
+              </a:ext>
+            </a:extLst>
+          </p:cNvPr>
+          <p:cNvPicPr>
+            <a:picLocks noGrp="1" noChangeAspect="1"/>
+          </p:cNvPicPr>
+          <p:nvPr>
+            <p:ph idx="1"/>
+          </p:nvPr>
+        </p:nvPicPr>
+        <p:blipFill>
+          <a:blip r:embed="rId2"/>
+          <a:stretch>
+            <a:fillRect/>
+          </a:stretch>
+        </p:blipFill>
+        <p:spPr>
+          <a:xfrm>
+            <a:off x="882080" y="787900"/>
+            <a:ext cx="10427840" cy="5376855"/>
+          </a:xfrm>
+        </p:spPr>
+      </p:pic>
+    </p:spTree>
+    <p:extLst>
+      <p:ext uri="{BB962C8B-B14F-4D97-AF65-F5344CB8AC3E}">
+        <p14:creationId xmlns:p14="http://schemas.microsoft.com/office/powerpoint/2010/main" val="2505862337"/>
+      </p:ext>
+    </p:extLst>
+  </p:cSld>
+  <p:clrMapOvr>
+    <a:masterClrMapping/>
+  </p:clrMapOvr>
+</p:sld>
+</file>
+
+<file path=ppt/slides/slide23.xml><?xml version="1.0" encoding="utf-8"?>
+<p:sld xmlns:a="http://schemas.openxmlformats.org/drawingml/2006/main" xmlns:r="http://schemas.openxmlformats.org/officeDocument/2006/relationships" xmlns:p="http://schemas.openxmlformats.org/presentationml/2006/main">
+  <p:cSld>
+    <p:spTree>
+      <p:nvGrpSpPr>
+        <p:cNvPr id="1" name=""/>
+        <p:cNvGrpSpPr/>
+        <p:nvPr/>
+      </p:nvGrpSpPr>
+      <p:grpSpPr>
+        <a:xfrm>
+          <a:off x="0" y="0"/>
+          <a:ext cx="0" cy="0"/>
+          <a:chOff x="0" y="0"/>
+          <a:chExt cx="0" cy="0"/>
+        </a:xfrm>
+      </p:grpSpPr>
+      <p:sp>
+        <p:nvSpPr>
+          <p:cNvPr id="2" name="Title 1">
+            <a:extLst>
+              <a:ext uri="{FF2B5EF4-FFF2-40B4-BE49-F238E27FC236}">
+                <a16:creationId xmlns:a16="http://schemas.microsoft.com/office/drawing/2014/main" id="{E256A4C7-7B07-C3D0-09E3-D3196B0E32DC}"/>
+              </a:ext>
+            </a:extLst>
+          </p:cNvPr>
+          <p:cNvSpPr>
+            <a:spLocks noGrp="1"/>
+          </p:cNvSpPr>
+          <p:nvPr>
+            <p:ph type="title"/>
+          </p:nvPr>
+        </p:nvSpPr>
         <p:spPr/>
         <p:txBody>
           <a:bodyPr/>
@@ -5617,7 +5871,7 @@
             </a:r>
             <a:r>
               <a:rPr lang="de-AT" dirty="0"/>
-              <a:t> -Hugo</a:t>
+              <a:t> –Hugo Ideen</a:t>
             </a:r>
           </a:p>
         </p:txBody>
@@ -5644,6 +5898,16 @@
           <a:lstStyle/>
           <a:p>
             <a:r>
+              <a:rPr lang="de-AT" b="1" dirty="0" err="1"/>
+              <a:t>Grafana</a:t>
+            </a:r>
+            <a:r>
+              <a:rPr lang="de-AT" b="1" dirty="0"/>
+              <a:t>:</a:t>
+            </a:r>
+          </a:p>
+          <a:p>
+            <a:r>
               <a:rPr lang="de-AT" dirty="0"/>
               <a:t>Monats Verbrauch Diagramm</a:t>
             </a:r>
@@ -5651,11 +5915,7 @@
           <a:p>
             <a:r>
               <a:rPr lang="de-AT" dirty="0"/>
-              <a:t>Statistik </a:t>
-            </a:r>
-            <a:r>
-              <a:rPr lang="de-AT"/>
-              <a:t>Übersicht </a:t>
+              <a:t>Statistik Übersicht </a:t>
             </a:r>
           </a:p>
           <a:p>
@@ -5663,18 +5923,9 @@
               <a:buNone/>
             </a:pPr>
             <a:r>
-              <a:rPr lang="de-AT"/>
-              <a:t>( </a:t>
-            </a:r>
-            <a:r>
               <a:rPr lang="de-AT" dirty="0"/>
-              <a:t>Tages Verbrauch Wert + Monats Verbrauch Wert + vllt </a:t>
-            </a:r>
-            <a:r>
-              <a:rPr lang="de-AT"/>
-              <a:t>Jahres Verbrauch Wert)</a:t>
-            </a:r>
-            <a:endParaRPr lang="de-AT" dirty="0"/>
+              <a:t>( Tages Verbrauch Wert + Monats Verbrauch Wert + vllt Jahres Verbrauch Wert)</a:t>
+            </a:r>
           </a:p>
         </p:txBody>
       </p:sp>
@@ -6087,59 +6338,6 @@
           </a:fontRef>
         </p:style>
       </p:cxnSp>
-      <p:sp>
-        <p:nvSpPr>
-          <p:cNvPr id="12" name="Rectangle 11">
-            <a:extLst>
-              <a:ext uri="{FF2B5EF4-FFF2-40B4-BE49-F238E27FC236}">
-                <a16:creationId xmlns:a16="http://schemas.microsoft.com/office/drawing/2014/main" id="{4D8689C1-1569-A0C0-0F34-6FC225814AB7}"/>
-              </a:ext>
-            </a:extLst>
-          </p:cNvPr>
-          <p:cNvSpPr/>
-          <p:nvPr/>
-        </p:nvSpPr>
-        <p:spPr>
-          <a:xfrm>
-            <a:off x="3280097" y="3863356"/>
-            <a:ext cx="1510016" cy="352338"/>
-          </a:xfrm>
-          <a:prstGeom prst="rect">
-            <a:avLst/>
-          </a:prstGeom>
-          <a:noFill/>
-          <a:ln>
-            <a:noFill/>
-          </a:ln>
-        </p:spPr>
-        <p:style>
-          <a:lnRef idx="2">
-            <a:schemeClr val="accent1">
-              <a:shade val="50000"/>
-            </a:schemeClr>
-          </a:lnRef>
-          <a:fillRef idx="1">
-            <a:schemeClr val="accent1"/>
-          </a:fillRef>
-          <a:effectRef idx="0">
-            <a:schemeClr val="accent1"/>
-          </a:effectRef>
-          <a:fontRef idx="minor">
-            <a:schemeClr val="lt1"/>
-          </a:fontRef>
-        </p:style>
-        <p:txBody>
-          <a:bodyPr rtlCol="0" anchor="ctr"/>
-          <a:lstStyle/>
-          <a:p>
-            <a:pPr algn="ctr"/>
-            <a:r>
-              <a:rPr lang="de-AT" dirty="0"/>
-              <a:t>Request</a:t>
-            </a:r>
-          </a:p>
-        </p:txBody>
-      </p:sp>
       <p:cxnSp>
         <p:nvCxnSpPr>
           <p:cNvPr id="14" name="Straight Arrow Connector 13">
@@ -6187,23 +6385,24 @@
       </p:cxnSp>
       <p:cxnSp>
         <p:nvCxnSpPr>
-          <p:cNvPr id="16" name="Straight Arrow Connector 15">
-            <a:extLst>
-              <a:ext uri="{FF2B5EF4-FFF2-40B4-BE49-F238E27FC236}">
-                <a16:creationId xmlns:a16="http://schemas.microsoft.com/office/drawing/2014/main" id="{B5DC46FA-A0A7-39EF-3CA0-BA83879D029E}"/>
+          <p:cNvPr id="20" name="Straight Arrow Connector 19">
+            <a:extLst>
+              <a:ext uri="{FF2B5EF4-FFF2-40B4-BE49-F238E27FC236}">
+                <a16:creationId xmlns:a16="http://schemas.microsoft.com/office/drawing/2014/main" id="{4628E258-BF93-8108-BDB6-AED445E600F0}"/>
               </a:ext>
             </a:extLst>
           </p:cNvPr>
           <p:cNvCxnSpPr>
-            <a:stCxn id="6" idx="2"/>
-            <a:endCxn id="5" idx="0"/>
+            <a:cxnSpLocks/>
+            <a:stCxn id="7" idx="1"/>
+            <a:endCxn id="6" idx="3"/>
           </p:cNvCxnSpPr>
           <p:nvPr/>
         </p:nvCxnSpPr>
         <p:spPr>
-          <a:xfrm>
-            <a:off x="5972278" y="3138975"/>
-            <a:ext cx="0" cy="1076719"/>
+          <a:xfrm flipH="1">
+            <a:off x="7015472" y="2745252"/>
+            <a:ext cx="574129" cy="1"/>
           </a:xfrm>
           <a:prstGeom prst="straightConnector1">
             <a:avLst/>
@@ -6232,23 +6431,20 @@
       </p:cxnSp>
       <p:cxnSp>
         <p:nvCxnSpPr>
-          <p:cNvPr id="20" name="Straight Arrow Connector 19">
-            <a:extLst>
-              <a:ext uri="{FF2B5EF4-FFF2-40B4-BE49-F238E27FC236}">
-                <a16:creationId xmlns:a16="http://schemas.microsoft.com/office/drawing/2014/main" id="{4628E258-BF93-8108-BDB6-AED445E600F0}"/>
-              </a:ext>
-            </a:extLst>
-          </p:cNvPr>
-          <p:cNvCxnSpPr>
-            <a:stCxn id="6" idx="3"/>
-            <a:endCxn id="7" idx="1"/>
-          </p:cNvCxnSpPr>
+          <p:cNvPr id="12" name="Straight Arrow Connector 11">
+            <a:extLst>
+              <a:ext uri="{FF2B5EF4-FFF2-40B4-BE49-F238E27FC236}">
+                <a16:creationId xmlns:a16="http://schemas.microsoft.com/office/drawing/2014/main" id="{346C9D74-4EE7-C09E-0811-EDBE01A3C794}"/>
+              </a:ext>
+            </a:extLst>
+          </p:cNvPr>
+          <p:cNvCxnSpPr/>
           <p:nvPr/>
         </p:nvCxnSpPr>
         <p:spPr>
           <a:xfrm flipV="1">
-            <a:off x="7015472" y="2745252"/>
-            <a:ext cx="574129" cy="1"/>
+            <a:off x="5982750" y="3138976"/>
+            <a:ext cx="0" cy="1076718"/>
           </a:xfrm>
           <a:prstGeom prst="straightConnector1">
             <a:avLst/>
@@ -6257,6 +6453,603 @@
             <a:solidFill>
               <a:srgbClr val="00B0F0"/>
             </a:solidFill>
+            <a:headEnd type="triangle"/>
+            <a:tailEnd type="triangle"/>
+          </a:ln>
+        </p:spPr>
+        <p:style>
+          <a:lnRef idx="1">
+            <a:schemeClr val="accent1"/>
+          </a:lnRef>
+          <a:fillRef idx="0">
+            <a:schemeClr val="accent1"/>
+          </a:fillRef>
+          <a:effectRef idx="0">
+            <a:schemeClr val="accent1"/>
+          </a:effectRef>
+          <a:fontRef idx="minor">
+            <a:schemeClr val="tx1"/>
+          </a:fontRef>
+        </p:style>
+      </p:cxnSp>
+    </p:spTree>
+    <p:extLst>
+      <p:ext uri="{BB962C8B-B14F-4D97-AF65-F5344CB8AC3E}">
+        <p14:creationId xmlns:p14="http://schemas.microsoft.com/office/powerpoint/2010/main" val="2318124173"/>
+      </p:ext>
+    </p:extLst>
+  </p:cSld>
+  <p:clrMapOvr>
+    <a:masterClrMapping/>
+  </p:clrMapOvr>
+</p:sld>
+</file>
+
+<file path=ppt/slides/slide4.xml><?xml version="1.0" encoding="utf-8"?>
+<p:sld xmlns:a="http://schemas.openxmlformats.org/drawingml/2006/main" xmlns:r="http://schemas.openxmlformats.org/officeDocument/2006/relationships" xmlns:p="http://schemas.openxmlformats.org/presentationml/2006/main">
+  <p:cSld>
+    <p:spTree>
+      <p:nvGrpSpPr>
+        <p:cNvPr id="1" name=""/>
+        <p:cNvGrpSpPr/>
+        <p:nvPr/>
+      </p:nvGrpSpPr>
+      <p:grpSpPr>
+        <a:xfrm>
+          <a:off x="0" y="0"/>
+          <a:ext cx="0" cy="0"/>
+          <a:chOff x="0" y="0"/>
+          <a:chExt cx="0" cy="0"/>
+        </a:xfrm>
+      </p:grpSpPr>
+      <p:sp>
+        <p:nvSpPr>
+          <p:cNvPr id="2" name="Title 1">
+            <a:extLst>
+              <a:ext uri="{FF2B5EF4-FFF2-40B4-BE49-F238E27FC236}">
+                <a16:creationId xmlns:a16="http://schemas.microsoft.com/office/drawing/2014/main" id="{074FFC1A-FCD2-E2C5-2CC0-08BC2CF787BC}"/>
+              </a:ext>
+            </a:extLst>
+          </p:cNvPr>
+          <p:cNvSpPr>
+            <a:spLocks noGrp="1"/>
+          </p:cNvSpPr>
+          <p:nvPr>
+            <p:ph type="title"/>
+          </p:nvPr>
+        </p:nvSpPr>
+        <p:spPr>
+          <a:xfrm>
+            <a:off x="849759" y="895440"/>
+            <a:ext cx="10138451" cy="787445"/>
+          </a:xfrm>
+        </p:spPr>
+        <p:txBody>
+          <a:bodyPr>
+            <a:normAutofit fontScale="90000"/>
+          </a:bodyPr>
+          <a:lstStyle/>
+          <a:p>
+            <a:pPr algn="ctr"/>
+            <a:r>
+              <a:rPr lang="de-AT" dirty="0"/>
+              <a:t>Übersicht - Statistik</a:t>
+            </a:r>
+          </a:p>
+        </p:txBody>
+      </p:sp>
+      <p:sp>
+        <p:nvSpPr>
+          <p:cNvPr id="3" name="Rectangle: Rounded Corners 2">
+            <a:extLst>
+              <a:ext uri="{FF2B5EF4-FFF2-40B4-BE49-F238E27FC236}">
+                <a16:creationId xmlns:a16="http://schemas.microsoft.com/office/drawing/2014/main" id="{46B1F407-C9CC-C9FE-A092-C913866E1C31}"/>
+              </a:ext>
+            </a:extLst>
+          </p:cNvPr>
+          <p:cNvSpPr/>
+          <p:nvPr/>
+        </p:nvSpPr>
+        <p:spPr>
+          <a:xfrm>
+            <a:off x="2236903" y="2351531"/>
+            <a:ext cx="2086388" cy="787445"/>
+          </a:xfrm>
+          <a:prstGeom prst="roundRect">
+            <a:avLst/>
+          </a:prstGeom>
+          <a:solidFill>
+            <a:srgbClr val="00B0F0"/>
+          </a:solidFill>
+          <a:ln>
+            <a:noFill/>
+          </a:ln>
+        </p:spPr>
+        <p:style>
+          <a:lnRef idx="0">
+            <a:scrgbClr r="0" g="0" b="0"/>
+          </a:lnRef>
+          <a:fillRef idx="0">
+            <a:scrgbClr r="0" g="0" b="0"/>
+          </a:fillRef>
+          <a:effectRef idx="0">
+            <a:scrgbClr r="0" g="0" b="0"/>
+          </a:effectRef>
+          <a:fontRef idx="minor">
+            <a:schemeClr val="lt1"/>
+          </a:fontRef>
+        </p:style>
+        <p:txBody>
+          <a:bodyPr rtlCol="0" anchor="ctr"/>
+          <a:lstStyle/>
+          <a:p>
+            <a:pPr algn="ctr"/>
+            <a:r>
+              <a:rPr lang="de-AT" dirty="0"/>
+              <a:t>Fronius </a:t>
+            </a:r>
+            <a:r>
+              <a:rPr lang="de-AT" dirty="0" err="1"/>
+              <a:t>Api</a:t>
+            </a:r>
+            <a:endParaRPr lang="de-AT" dirty="0"/>
+          </a:p>
+          <a:p>
+            <a:pPr algn="ctr"/>
+            <a:r>
+              <a:rPr lang="de-AT" dirty="0"/>
+              <a:t>(Fake </a:t>
+            </a:r>
+            <a:r>
+              <a:rPr lang="de-AT" dirty="0" err="1"/>
+              <a:t>Json</a:t>
+            </a:r>
+            <a:r>
+              <a:rPr lang="de-AT" dirty="0"/>
+              <a:t> Server)</a:t>
+            </a:r>
+          </a:p>
+        </p:txBody>
+      </p:sp>
+      <p:sp>
+        <p:nvSpPr>
+          <p:cNvPr id="4" name="Rectangle: Rounded Corners 3">
+            <a:extLst>
+              <a:ext uri="{FF2B5EF4-FFF2-40B4-BE49-F238E27FC236}">
+                <a16:creationId xmlns:a16="http://schemas.microsoft.com/office/drawing/2014/main" id="{61072657-54E9-2DE5-1D95-B85D1D06FA13}"/>
+              </a:ext>
+            </a:extLst>
+          </p:cNvPr>
+          <p:cNvSpPr/>
+          <p:nvPr/>
+        </p:nvSpPr>
+        <p:spPr>
+          <a:xfrm>
+            <a:off x="2236903" y="4215694"/>
+            <a:ext cx="2086388" cy="787445"/>
+          </a:xfrm>
+          <a:prstGeom prst="roundRect">
+            <a:avLst/>
+          </a:prstGeom>
+          <a:solidFill>
+            <a:srgbClr val="00B0F0"/>
+          </a:solidFill>
+          <a:ln>
+            <a:noFill/>
+          </a:ln>
+        </p:spPr>
+        <p:style>
+          <a:lnRef idx="0">
+            <a:scrgbClr r="0" g="0" b="0"/>
+          </a:lnRef>
+          <a:fillRef idx="0">
+            <a:scrgbClr r="0" g="0" b="0"/>
+          </a:fillRef>
+          <a:effectRef idx="0">
+            <a:scrgbClr r="0" g="0" b="0"/>
+          </a:effectRef>
+          <a:fontRef idx="minor">
+            <a:schemeClr val="lt1"/>
+          </a:fontRef>
+        </p:style>
+        <p:txBody>
+          <a:bodyPr rtlCol="0" anchor="ctr"/>
+          <a:lstStyle/>
+          <a:p>
+            <a:pPr algn="ctr"/>
+            <a:r>
+              <a:rPr lang="de-AT" dirty="0" err="1"/>
+              <a:t>Quarkus</a:t>
+            </a:r>
+            <a:r>
+              <a:rPr lang="de-AT" dirty="0"/>
+              <a:t> Client</a:t>
+            </a:r>
+          </a:p>
+        </p:txBody>
+      </p:sp>
+      <p:sp>
+        <p:nvSpPr>
+          <p:cNvPr id="5" name="Rectangle: Rounded Corners 4">
+            <a:extLst>
+              <a:ext uri="{FF2B5EF4-FFF2-40B4-BE49-F238E27FC236}">
+                <a16:creationId xmlns:a16="http://schemas.microsoft.com/office/drawing/2014/main" id="{8243D965-C1AA-F169-4C3F-277D6D2BD3E3}"/>
+              </a:ext>
+            </a:extLst>
+          </p:cNvPr>
+          <p:cNvSpPr/>
+          <p:nvPr/>
+        </p:nvSpPr>
+        <p:spPr>
+          <a:xfrm>
+            <a:off x="4929084" y="4215694"/>
+            <a:ext cx="2086388" cy="787445"/>
+          </a:xfrm>
+          <a:prstGeom prst="roundRect">
+            <a:avLst/>
+          </a:prstGeom>
+          <a:solidFill>
+            <a:srgbClr val="00B0F0"/>
+          </a:solidFill>
+          <a:ln>
+            <a:noFill/>
+          </a:ln>
+        </p:spPr>
+        <p:style>
+          <a:lnRef idx="0">
+            <a:scrgbClr r="0" g="0" b="0"/>
+          </a:lnRef>
+          <a:fillRef idx="0">
+            <a:scrgbClr r="0" g="0" b="0"/>
+          </a:fillRef>
+          <a:effectRef idx="0">
+            <a:scrgbClr r="0" g="0" b="0"/>
+          </a:effectRef>
+          <a:fontRef idx="minor">
+            <a:schemeClr val="lt1"/>
+          </a:fontRef>
+        </p:style>
+        <p:txBody>
+          <a:bodyPr rtlCol="0" anchor="ctr"/>
+          <a:lstStyle/>
+          <a:p>
+            <a:pPr algn="ctr"/>
+            <a:r>
+              <a:rPr lang="de-AT" dirty="0" err="1"/>
+              <a:t>MySql</a:t>
+            </a:r>
+            <a:r>
+              <a:rPr lang="de-AT" dirty="0"/>
+              <a:t> - Docker</a:t>
+            </a:r>
+          </a:p>
+        </p:txBody>
+      </p:sp>
+      <p:sp>
+        <p:nvSpPr>
+          <p:cNvPr id="6" name="Rectangle: Rounded Corners 5">
+            <a:extLst>
+              <a:ext uri="{FF2B5EF4-FFF2-40B4-BE49-F238E27FC236}">
+                <a16:creationId xmlns:a16="http://schemas.microsoft.com/office/drawing/2014/main" id="{1EFA3662-E5DC-8695-C0B6-DC1B0F529126}"/>
+              </a:ext>
+            </a:extLst>
+          </p:cNvPr>
+          <p:cNvSpPr/>
+          <p:nvPr/>
+        </p:nvSpPr>
+        <p:spPr>
+          <a:xfrm>
+            <a:off x="4929084" y="2351530"/>
+            <a:ext cx="2086388" cy="787445"/>
+          </a:xfrm>
+          <a:prstGeom prst="roundRect">
+            <a:avLst/>
+          </a:prstGeom>
+          <a:solidFill>
+            <a:srgbClr val="00B0F0"/>
+          </a:solidFill>
+          <a:ln>
+            <a:noFill/>
+          </a:ln>
+        </p:spPr>
+        <p:style>
+          <a:lnRef idx="0">
+            <a:scrgbClr r="0" g="0" b="0"/>
+          </a:lnRef>
+          <a:fillRef idx="0">
+            <a:scrgbClr r="0" g="0" b="0"/>
+          </a:fillRef>
+          <a:effectRef idx="0">
+            <a:scrgbClr r="0" g="0" b="0"/>
+          </a:effectRef>
+          <a:fontRef idx="minor">
+            <a:schemeClr val="lt1"/>
+          </a:fontRef>
+        </p:style>
+        <p:txBody>
+          <a:bodyPr rtlCol="0" anchor="ctr"/>
+          <a:lstStyle/>
+          <a:p>
+            <a:pPr algn="ctr"/>
+            <a:r>
+              <a:rPr lang="de-AT" dirty="0" err="1"/>
+              <a:t>Grafana</a:t>
+            </a:r>
+            <a:r>
+              <a:rPr lang="de-AT" dirty="0"/>
+              <a:t> - Docker</a:t>
+            </a:r>
+          </a:p>
+        </p:txBody>
+      </p:sp>
+      <p:sp>
+        <p:nvSpPr>
+          <p:cNvPr id="7" name="Rectangle: Rounded Corners 6">
+            <a:extLst>
+              <a:ext uri="{FF2B5EF4-FFF2-40B4-BE49-F238E27FC236}">
+                <a16:creationId xmlns:a16="http://schemas.microsoft.com/office/drawing/2014/main" id="{B464C6BD-93BB-EA05-522C-FAE79ED6B9B9}"/>
+              </a:ext>
+            </a:extLst>
+          </p:cNvPr>
+          <p:cNvSpPr/>
+          <p:nvPr/>
+        </p:nvSpPr>
+        <p:spPr>
+          <a:xfrm>
+            <a:off x="7589601" y="2351529"/>
+            <a:ext cx="2086388" cy="787445"/>
+          </a:xfrm>
+          <a:prstGeom prst="roundRect">
+            <a:avLst/>
+          </a:prstGeom>
+          <a:solidFill>
+            <a:srgbClr val="00B0F0"/>
+          </a:solidFill>
+          <a:ln>
+            <a:noFill/>
+          </a:ln>
+        </p:spPr>
+        <p:style>
+          <a:lnRef idx="0">
+            <a:scrgbClr r="0" g="0" b="0"/>
+          </a:lnRef>
+          <a:fillRef idx="0">
+            <a:scrgbClr r="0" g="0" b="0"/>
+          </a:fillRef>
+          <a:effectRef idx="0">
+            <a:scrgbClr r="0" g="0" b="0"/>
+          </a:effectRef>
+          <a:fontRef idx="minor">
+            <a:schemeClr val="lt1"/>
+          </a:fontRef>
+        </p:style>
+        <p:txBody>
+          <a:bodyPr rtlCol="0" anchor="ctr"/>
+          <a:lstStyle/>
+          <a:p>
+            <a:pPr algn="ctr"/>
+            <a:r>
+              <a:rPr lang="de-AT" dirty="0"/>
+              <a:t>Hugo Website</a:t>
+            </a:r>
+          </a:p>
+        </p:txBody>
+      </p:sp>
+      <p:cxnSp>
+        <p:nvCxnSpPr>
+          <p:cNvPr id="9" name="Straight Arrow Connector 8">
+            <a:extLst>
+              <a:ext uri="{FF2B5EF4-FFF2-40B4-BE49-F238E27FC236}">
+                <a16:creationId xmlns:a16="http://schemas.microsoft.com/office/drawing/2014/main" id="{609035B5-162A-F666-28F1-1C6B32B7CC7D}"/>
+              </a:ext>
+            </a:extLst>
+          </p:cNvPr>
+          <p:cNvCxnSpPr>
+            <a:stCxn id="4" idx="0"/>
+            <a:endCxn id="3" idx="2"/>
+          </p:cNvCxnSpPr>
+          <p:nvPr/>
+        </p:nvCxnSpPr>
+        <p:spPr>
+          <a:xfrm flipV="1">
+            <a:off x="3280097" y="3138976"/>
+            <a:ext cx="0" cy="1076718"/>
+          </a:xfrm>
+          <a:prstGeom prst="straightConnector1">
+            <a:avLst/>
+          </a:prstGeom>
+          <a:ln>
+            <a:solidFill>
+              <a:srgbClr val="00B0F0"/>
+            </a:solidFill>
+            <a:headEnd type="triangle"/>
+            <a:tailEnd type="triangle"/>
+          </a:ln>
+        </p:spPr>
+        <p:style>
+          <a:lnRef idx="1">
+            <a:schemeClr val="accent1"/>
+          </a:lnRef>
+          <a:fillRef idx="0">
+            <a:schemeClr val="accent1"/>
+          </a:fillRef>
+          <a:effectRef idx="0">
+            <a:schemeClr val="accent1"/>
+          </a:effectRef>
+          <a:fontRef idx="minor">
+            <a:schemeClr val="tx1"/>
+          </a:fontRef>
+        </p:style>
+      </p:cxnSp>
+      <p:sp>
+        <p:nvSpPr>
+          <p:cNvPr id="12" name="Rectangle 11">
+            <a:extLst>
+              <a:ext uri="{FF2B5EF4-FFF2-40B4-BE49-F238E27FC236}">
+                <a16:creationId xmlns:a16="http://schemas.microsoft.com/office/drawing/2014/main" id="{4D8689C1-1569-A0C0-0F34-6FC225814AB7}"/>
+              </a:ext>
+            </a:extLst>
+          </p:cNvPr>
+          <p:cNvSpPr/>
+          <p:nvPr/>
+        </p:nvSpPr>
+        <p:spPr>
+          <a:xfrm>
+            <a:off x="3280097" y="3863356"/>
+            <a:ext cx="1510016" cy="352338"/>
+          </a:xfrm>
+          <a:prstGeom prst="rect">
+            <a:avLst/>
+          </a:prstGeom>
+          <a:noFill/>
+          <a:ln>
+            <a:noFill/>
+          </a:ln>
+        </p:spPr>
+        <p:style>
+          <a:lnRef idx="2">
+            <a:schemeClr val="accent1">
+              <a:shade val="50000"/>
+            </a:schemeClr>
+          </a:lnRef>
+          <a:fillRef idx="1">
+            <a:schemeClr val="accent1"/>
+          </a:fillRef>
+          <a:effectRef idx="0">
+            <a:schemeClr val="accent1"/>
+          </a:effectRef>
+          <a:fontRef idx="minor">
+            <a:schemeClr val="lt1"/>
+          </a:fontRef>
+        </p:style>
+        <p:txBody>
+          <a:bodyPr rtlCol="0" anchor="ctr"/>
+          <a:lstStyle/>
+          <a:p>
+            <a:pPr algn="ctr"/>
+            <a:r>
+              <a:rPr lang="de-AT" dirty="0"/>
+              <a:t>Request</a:t>
+            </a:r>
+          </a:p>
+        </p:txBody>
+      </p:sp>
+      <p:cxnSp>
+        <p:nvCxnSpPr>
+          <p:cNvPr id="14" name="Straight Arrow Connector 13">
+            <a:extLst>
+              <a:ext uri="{FF2B5EF4-FFF2-40B4-BE49-F238E27FC236}">
+                <a16:creationId xmlns:a16="http://schemas.microsoft.com/office/drawing/2014/main" id="{392E9B0A-FDC4-E14C-465C-C9EF74AF3963}"/>
+              </a:ext>
+            </a:extLst>
+          </p:cNvPr>
+          <p:cNvCxnSpPr>
+            <a:stCxn id="4" idx="3"/>
+            <a:endCxn id="5" idx="1"/>
+          </p:cNvCxnSpPr>
+          <p:nvPr/>
+        </p:nvCxnSpPr>
+        <p:spPr>
+          <a:xfrm>
+            <a:off x="4323291" y="4609417"/>
+            <a:ext cx="605793" cy="0"/>
+          </a:xfrm>
+          <a:prstGeom prst="straightConnector1">
+            <a:avLst/>
+          </a:prstGeom>
+          <a:ln>
+            <a:solidFill>
+              <a:srgbClr val="00B0F0"/>
+            </a:solidFill>
+            <a:tailEnd type="triangle"/>
+          </a:ln>
+        </p:spPr>
+        <p:style>
+          <a:lnRef idx="1">
+            <a:schemeClr val="accent1"/>
+          </a:lnRef>
+          <a:fillRef idx="0">
+            <a:schemeClr val="accent1"/>
+          </a:fillRef>
+          <a:effectRef idx="0">
+            <a:schemeClr val="accent1"/>
+          </a:effectRef>
+          <a:fontRef idx="minor">
+            <a:schemeClr val="tx1"/>
+          </a:fontRef>
+        </p:style>
+      </p:cxnSp>
+      <p:cxnSp>
+        <p:nvCxnSpPr>
+          <p:cNvPr id="20" name="Straight Arrow Connector 19">
+            <a:extLst>
+              <a:ext uri="{FF2B5EF4-FFF2-40B4-BE49-F238E27FC236}">
+                <a16:creationId xmlns:a16="http://schemas.microsoft.com/office/drawing/2014/main" id="{4628E258-BF93-8108-BDB6-AED445E600F0}"/>
+              </a:ext>
+            </a:extLst>
+          </p:cNvPr>
+          <p:cNvCxnSpPr>
+            <a:cxnSpLocks/>
+            <a:stCxn id="7" idx="1"/>
+            <a:endCxn id="6" idx="3"/>
+          </p:cNvCxnSpPr>
+          <p:nvPr/>
+        </p:nvCxnSpPr>
+        <p:spPr>
+          <a:xfrm flipH="1">
+            <a:off x="7015472" y="2745252"/>
+            <a:ext cx="574129" cy="1"/>
+          </a:xfrm>
+          <a:prstGeom prst="straightConnector1">
+            <a:avLst/>
+          </a:prstGeom>
+          <a:ln>
+            <a:solidFill>
+              <a:srgbClr val="00B0F0"/>
+            </a:solidFill>
+            <a:tailEnd type="triangle"/>
+          </a:ln>
+        </p:spPr>
+        <p:style>
+          <a:lnRef idx="1">
+            <a:schemeClr val="accent1"/>
+          </a:lnRef>
+          <a:fillRef idx="0">
+            <a:schemeClr val="accent1"/>
+          </a:fillRef>
+          <a:effectRef idx="0">
+            <a:schemeClr val="accent1"/>
+          </a:effectRef>
+          <a:fontRef idx="minor">
+            <a:schemeClr val="tx1"/>
+          </a:fontRef>
+        </p:style>
+      </p:cxnSp>
+      <p:cxnSp>
+        <p:nvCxnSpPr>
+          <p:cNvPr id="13" name="Straight Arrow Connector 12">
+            <a:extLst>
+              <a:ext uri="{FF2B5EF4-FFF2-40B4-BE49-F238E27FC236}">
+                <a16:creationId xmlns:a16="http://schemas.microsoft.com/office/drawing/2014/main" id="{9229C5B8-769D-B8D3-2A88-40191FE89553}"/>
+              </a:ext>
+            </a:extLst>
+          </p:cNvPr>
+          <p:cNvCxnSpPr/>
+          <p:nvPr/>
+        </p:nvCxnSpPr>
+        <p:spPr>
+          <a:xfrm flipV="1">
+            <a:off x="5949194" y="3138976"/>
+            <a:ext cx="0" cy="1076718"/>
+          </a:xfrm>
+          <a:prstGeom prst="straightConnector1">
+            <a:avLst/>
+          </a:prstGeom>
+          <a:ln>
+            <a:solidFill>
+              <a:srgbClr val="00B0F0"/>
+            </a:solidFill>
+            <a:headEnd type="triangle"/>
             <a:tailEnd type="triangle"/>
           </a:ln>
         </p:spPr>
@@ -6361,7 +7154,7 @@
 </p:sld>
 </file>
 
-<file path=ppt/slides/slide4.xml><?xml version="1.0" encoding="utf-8"?>
+<file path=ppt/slides/slide5.xml><?xml version="1.0" encoding="utf-8"?>
 <p:sld xmlns:a="http://schemas.openxmlformats.org/drawingml/2006/main" xmlns:r="http://schemas.openxmlformats.org/officeDocument/2006/relationships" xmlns:p="http://schemas.openxmlformats.org/presentationml/2006/main">
   <p:cSld>
     <p:spTree>
@@ -6805,7 +7598,7 @@
             <a:pPr algn="ctr"/>
             <a:r>
               <a:rPr lang="de-AT" sz="1600" dirty="0"/>
-              <a:t>send Data back</a:t>
+              <a:t>Send Data</a:t>
             </a:r>
           </a:p>
         </p:txBody>
@@ -6857,23 +7650,24 @@
       </p:cxnSp>
       <p:cxnSp>
         <p:nvCxnSpPr>
-          <p:cNvPr id="16" name="Straight Arrow Connector 15">
-            <a:extLst>
-              <a:ext uri="{FF2B5EF4-FFF2-40B4-BE49-F238E27FC236}">
-                <a16:creationId xmlns:a16="http://schemas.microsoft.com/office/drawing/2014/main" id="{B5DC46FA-A0A7-39EF-3CA0-BA83879D029E}"/>
+          <p:cNvPr id="20" name="Straight Arrow Connector 19">
+            <a:extLst>
+              <a:ext uri="{FF2B5EF4-FFF2-40B4-BE49-F238E27FC236}">
+                <a16:creationId xmlns:a16="http://schemas.microsoft.com/office/drawing/2014/main" id="{4628E258-BF93-8108-BDB6-AED445E600F0}"/>
               </a:ext>
             </a:extLst>
           </p:cNvPr>
           <p:cNvCxnSpPr>
-            <a:stCxn id="6" idx="2"/>
-            <a:endCxn id="5" idx="0"/>
+            <a:cxnSpLocks/>
+            <a:stCxn id="7" idx="1"/>
+            <a:endCxn id="6" idx="3"/>
           </p:cNvCxnSpPr>
           <p:nvPr/>
         </p:nvCxnSpPr>
         <p:spPr>
-          <a:xfrm>
-            <a:off x="5972278" y="3138975"/>
-            <a:ext cx="0" cy="1076719"/>
+          <a:xfrm flipH="1">
+            <a:off x="7015472" y="2745252"/>
+            <a:ext cx="574129" cy="1"/>
           </a:xfrm>
           <a:prstGeom prst="straightConnector1">
             <a:avLst/>
@@ -6902,23 +7696,20 @@
       </p:cxnSp>
       <p:cxnSp>
         <p:nvCxnSpPr>
-          <p:cNvPr id="20" name="Straight Arrow Connector 19">
-            <a:extLst>
-              <a:ext uri="{FF2B5EF4-FFF2-40B4-BE49-F238E27FC236}">
-                <a16:creationId xmlns:a16="http://schemas.microsoft.com/office/drawing/2014/main" id="{4628E258-BF93-8108-BDB6-AED445E600F0}"/>
-              </a:ext>
-            </a:extLst>
-          </p:cNvPr>
-          <p:cNvCxnSpPr>
-            <a:stCxn id="6" idx="3"/>
-            <a:endCxn id="7" idx="1"/>
-          </p:cNvCxnSpPr>
+          <p:cNvPr id="13" name="Straight Arrow Connector 12">
+            <a:extLst>
+              <a:ext uri="{FF2B5EF4-FFF2-40B4-BE49-F238E27FC236}">
+                <a16:creationId xmlns:a16="http://schemas.microsoft.com/office/drawing/2014/main" id="{D16E3305-8D2B-89A5-5C1E-D76561A614C1}"/>
+              </a:ext>
+            </a:extLst>
+          </p:cNvPr>
+          <p:cNvCxnSpPr/>
           <p:nvPr/>
         </p:nvCxnSpPr>
         <p:spPr>
           <a:xfrm flipV="1">
-            <a:off x="7015472" y="2745252"/>
-            <a:ext cx="574129" cy="1"/>
+            <a:off x="5999528" y="3138976"/>
+            <a:ext cx="0" cy="1076718"/>
           </a:xfrm>
           <a:prstGeom prst="straightConnector1">
             <a:avLst/>
@@ -6927,6 +7718,7 @@
             <a:solidFill>
               <a:srgbClr val="00B0F0"/>
             </a:solidFill>
+            <a:headEnd type="triangle"/>
             <a:tailEnd type="triangle"/>
           </a:ln>
         </p:spPr>
@@ -7032,7 +7824,7 @@
 </p:sld>
 </file>
 
-<file path=ppt/slides/slide5.xml><?xml version="1.0" encoding="utf-8"?>
+<file path=ppt/slides/slide6.xml><?xml version="1.0" encoding="utf-8"?>
 <p:sld xmlns:a="http://schemas.openxmlformats.org/drawingml/2006/main" xmlns:r="http://schemas.openxmlformats.org/officeDocument/2006/relationships" xmlns:p="http://schemas.openxmlformats.org/presentationml/2006/main">
   <p:cSld>
     <p:spTree>
@@ -7475,23 +8267,24 @@
       </p:cxnSp>
       <p:cxnSp>
         <p:nvCxnSpPr>
-          <p:cNvPr id="16" name="Straight Arrow Connector 15">
-            <a:extLst>
-              <a:ext uri="{FF2B5EF4-FFF2-40B4-BE49-F238E27FC236}">
-                <a16:creationId xmlns:a16="http://schemas.microsoft.com/office/drawing/2014/main" id="{B5DC46FA-A0A7-39EF-3CA0-BA83879D029E}"/>
+          <p:cNvPr id="20" name="Straight Arrow Connector 19">
+            <a:extLst>
+              <a:ext uri="{FF2B5EF4-FFF2-40B4-BE49-F238E27FC236}">
+                <a16:creationId xmlns:a16="http://schemas.microsoft.com/office/drawing/2014/main" id="{4628E258-BF93-8108-BDB6-AED445E600F0}"/>
               </a:ext>
             </a:extLst>
           </p:cNvPr>
           <p:cNvCxnSpPr>
-            <a:stCxn id="6" idx="2"/>
-            <a:endCxn id="5" idx="0"/>
+            <a:cxnSpLocks/>
+            <a:stCxn id="7" idx="1"/>
+            <a:endCxn id="6" idx="3"/>
           </p:cNvCxnSpPr>
           <p:nvPr/>
         </p:nvCxnSpPr>
         <p:spPr>
-          <a:xfrm>
-            <a:off x="5972278" y="3138975"/>
-            <a:ext cx="0" cy="1076719"/>
+          <a:xfrm flipH="1">
+            <a:off x="7015472" y="2745252"/>
+            <a:ext cx="574129" cy="1"/>
           </a:xfrm>
           <a:prstGeom prst="straightConnector1">
             <a:avLst/>
@@ -7518,25 +8311,79 @@
           </a:fontRef>
         </p:style>
       </p:cxnSp>
+      <p:sp>
+        <p:nvSpPr>
+          <p:cNvPr id="8" name="Rectangle 7">
+            <a:extLst>
+              <a:ext uri="{FF2B5EF4-FFF2-40B4-BE49-F238E27FC236}">
+                <a16:creationId xmlns:a16="http://schemas.microsoft.com/office/drawing/2014/main" id="{0675AA04-AA63-A9E0-931C-99AFC25FF023}"/>
+              </a:ext>
+            </a:extLst>
+          </p:cNvPr>
+          <p:cNvSpPr/>
+          <p:nvPr/>
+        </p:nvSpPr>
+        <p:spPr>
+          <a:xfrm>
+            <a:off x="1631110" y="4989661"/>
+            <a:ext cx="2548088" cy="352338"/>
+          </a:xfrm>
+          <a:prstGeom prst="rect">
+            <a:avLst/>
+          </a:prstGeom>
+          <a:noFill/>
+          <a:ln>
+            <a:noFill/>
+          </a:ln>
+        </p:spPr>
+        <p:style>
+          <a:lnRef idx="2">
+            <a:schemeClr val="accent1">
+              <a:shade val="50000"/>
+            </a:schemeClr>
+          </a:lnRef>
+          <a:fillRef idx="1">
+            <a:schemeClr val="accent1"/>
+          </a:fillRef>
+          <a:effectRef idx="0">
+            <a:schemeClr val="accent1"/>
+          </a:effectRef>
+          <a:fontRef idx="minor">
+            <a:schemeClr val="lt1"/>
+          </a:fontRef>
+        </p:style>
+        <p:txBody>
+          <a:bodyPr rtlCol="0" anchor="ctr"/>
+          <a:lstStyle/>
+          <a:p>
+            <a:pPr algn="ctr"/>
+            <a:r>
+              <a:rPr lang="de-AT" sz="1600" dirty="0" err="1"/>
+              <a:t>Generic</a:t>
+            </a:r>
+            <a:r>
+              <a:rPr lang="de-AT" sz="1600" dirty="0"/>
+              <a:t> CRUD Controller</a:t>
+            </a:r>
+          </a:p>
+        </p:txBody>
+      </p:sp>
       <p:cxnSp>
         <p:nvCxnSpPr>
-          <p:cNvPr id="20" name="Straight Arrow Connector 19">
-            <a:extLst>
-              <a:ext uri="{FF2B5EF4-FFF2-40B4-BE49-F238E27FC236}">
-                <a16:creationId xmlns:a16="http://schemas.microsoft.com/office/drawing/2014/main" id="{4628E258-BF93-8108-BDB6-AED445E600F0}"/>
-              </a:ext>
-            </a:extLst>
-          </p:cNvPr>
-          <p:cNvCxnSpPr>
-            <a:stCxn id="6" idx="3"/>
-            <a:endCxn id="7" idx="1"/>
-          </p:cNvCxnSpPr>
+          <p:cNvPr id="13" name="Straight Arrow Connector 12">
+            <a:extLst>
+              <a:ext uri="{FF2B5EF4-FFF2-40B4-BE49-F238E27FC236}">
+                <a16:creationId xmlns:a16="http://schemas.microsoft.com/office/drawing/2014/main" id="{1E0FC3D6-EAB3-DB11-1423-EEC7C152C3A2}"/>
+              </a:ext>
+            </a:extLst>
+          </p:cNvPr>
+          <p:cNvCxnSpPr/>
           <p:nvPr/>
         </p:nvCxnSpPr>
         <p:spPr>
           <a:xfrm flipV="1">
-            <a:off x="7015472" y="2745252"/>
-            <a:ext cx="574129" cy="1"/>
+            <a:off x="5932417" y="3138974"/>
+            <a:ext cx="0" cy="1076718"/>
           </a:xfrm>
           <a:prstGeom prst="straightConnector1">
             <a:avLst/>
@@ -7545,6 +8392,7 @@
             <a:solidFill>
               <a:srgbClr val="00B0F0"/>
             </a:solidFill>
+            <a:headEnd type="triangle"/>
             <a:tailEnd type="triangle"/>
           </a:ln>
         </p:spPr>
@@ -7563,64 +8411,6 @@
           </a:fontRef>
         </p:style>
       </p:cxnSp>
-      <p:sp>
-        <p:nvSpPr>
-          <p:cNvPr id="8" name="Rectangle 7">
-            <a:extLst>
-              <a:ext uri="{FF2B5EF4-FFF2-40B4-BE49-F238E27FC236}">
-                <a16:creationId xmlns:a16="http://schemas.microsoft.com/office/drawing/2014/main" id="{0675AA04-AA63-A9E0-931C-99AFC25FF023}"/>
-              </a:ext>
-            </a:extLst>
-          </p:cNvPr>
-          <p:cNvSpPr/>
-          <p:nvPr/>
-        </p:nvSpPr>
-        <p:spPr>
-          <a:xfrm>
-            <a:off x="2380996" y="4989661"/>
-            <a:ext cx="1798202" cy="352338"/>
-          </a:xfrm>
-          <a:prstGeom prst="rect">
-            <a:avLst/>
-          </a:prstGeom>
-          <a:noFill/>
-          <a:ln>
-            <a:noFill/>
-          </a:ln>
-        </p:spPr>
-        <p:style>
-          <a:lnRef idx="2">
-            <a:schemeClr val="accent1">
-              <a:shade val="50000"/>
-            </a:schemeClr>
-          </a:lnRef>
-          <a:fillRef idx="1">
-            <a:schemeClr val="accent1"/>
-          </a:fillRef>
-          <a:effectRef idx="0">
-            <a:schemeClr val="accent1"/>
-          </a:effectRef>
-          <a:fontRef idx="minor">
-            <a:schemeClr val="lt1"/>
-          </a:fontRef>
-        </p:style>
-        <p:txBody>
-          <a:bodyPr rtlCol="0" anchor="ctr"/>
-          <a:lstStyle/>
-          <a:p>
-            <a:pPr algn="ctr"/>
-            <a:r>
-              <a:rPr lang="de-AT" sz="1600" dirty="0"/>
-              <a:t>CRUD </a:t>
-            </a:r>
-            <a:r>
-              <a:rPr lang="de-AT" sz="1600" dirty="0" err="1"/>
-              <a:t>Operations</a:t>
-            </a:r>
-            <a:endParaRPr lang="de-AT" sz="1600" dirty="0"/>
-          </a:p>
-        </p:txBody>
-      </p:sp>
     </p:spTree>
     <p:extLst>
       <p:ext uri="{BB962C8B-B14F-4D97-AF65-F5344CB8AC3E}">
@@ -7657,7 +8447,7 @@
                                     <p:cond delay="0"/>
                                   </p:stCondLst>
                                   <p:childTnLst>
-                                    <p:animMotion origin="layout" path="M -3.54167E-6 -7.40741E-7 L 0.21888 -7.40741E-7 " pathEditMode="relative" rAng="0" ptsTypes="AA">
+                                    <p:animMotion origin="layout" path="M -4.16667E-6 -7.40741E-7 L 0.21888 -7.40741E-7 " pathEditMode="relative" rAng="0" ptsTypes="AA">
                                       <p:cBhvr>
                                         <p:cTn id="6" dur="1000" fill="hold"/>
                                         <p:tgtEl>
@@ -7673,681 +8463,6 @@
                                         </p:attrNameLst>
                                       </p:cBhvr>
                                       <p:rCtr x="10938" y="0"/>
-                                    </p:animMotion>
-                                  </p:childTnLst>
-                                </p:cTn>
-                              </p:par>
-                            </p:childTnLst>
-                          </p:cTn>
-                        </p:par>
-                      </p:childTnLst>
-                    </p:cTn>
-                  </p:par>
-                </p:childTnLst>
-              </p:cTn>
-              <p:prevCondLst>
-                <p:cond evt="onPrev" delay="0">
-                  <p:tgtEl>
-                    <p:sldTgt/>
-                  </p:tgtEl>
-                </p:cond>
-              </p:prevCondLst>
-              <p:nextCondLst>
-                <p:cond evt="onNext" delay="0">
-                  <p:tgtEl>
-                    <p:sldTgt/>
-                  </p:tgtEl>
-                </p:cond>
-              </p:nextCondLst>
-            </p:seq>
-          </p:childTnLst>
-        </p:cTn>
-      </p:par>
-    </p:tnLst>
-  </p:timing>
-</p:sld>
-</file>
-
-<file path=ppt/slides/slide6.xml><?xml version="1.0" encoding="utf-8"?>
-<p:sld xmlns:a="http://schemas.openxmlformats.org/drawingml/2006/main" xmlns:r="http://schemas.openxmlformats.org/officeDocument/2006/relationships" xmlns:p="http://schemas.openxmlformats.org/presentationml/2006/main">
-  <p:cSld>
-    <p:spTree>
-      <p:nvGrpSpPr>
-        <p:cNvPr id="1" name=""/>
-        <p:cNvGrpSpPr/>
-        <p:nvPr/>
-      </p:nvGrpSpPr>
-      <p:grpSpPr>
-        <a:xfrm>
-          <a:off x="0" y="0"/>
-          <a:ext cx="0" cy="0"/>
-          <a:chOff x="0" y="0"/>
-          <a:chExt cx="0" cy="0"/>
-        </a:xfrm>
-      </p:grpSpPr>
-      <p:sp>
-        <p:nvSpPr>
-          <p:cNvPr id="2" name="Title 1">
-            <a:extLst>
-              <a:ext uri="{FF2B5EF4-FFF2-40B4-BE49-F238E27FC236}">
-                <a16:creationId xmlns:a16="http://schemas.microsoft.com/office/drawing/2014/main" id="{074FFC1A-FCD2-E2C5-2CC0-08BC2CF787BC}"/>
-              </a:ext>
-            </a:extLst>
-          </p:cNvPr>
-          <p:cNvSpPr>
-            <a:spLocks noGrp="1"/>
-          </p:cNvSpPr>
-          <p:nvPr>
-            <p:ph type="title"/>
-          </p:nvPr>
-        </p:nvSpPr>
-        <p:spPr>
-          <a:xfrm>
-            <a:off x="849759" y="895440"/>
-            <a:ext cx="10138451" cy="787445"/>
-          </a:xfrm>
-        </p:spPr>
-        <p:txBody>
-          <a:bodyPr>
-            <a:normAutofit fontScale="90000"/>
-          </a:bodyPr>
-          <a:lstStyle/>
-          <a:p>
-            <a:pPr algn="ctr"/>
-            <a:r>
-              <a:rPr lang="de-AT" dirty="0"/>
-              <a:t>Übersicht - Statistik</a:t>
-            </a:r>
-          </a:p>
-        </p:txBody>
-      </p:sp>
-      <p:sp>
-        <p:nvSpPr>
-          <p:cNvPr id="3" name="Rectangle: Rounded Corners 2">
-            <a:extLst>
-              <a:ext uri="{FF2B5EF4-FFF2-40B4-BE49-F238E27FC236}">
-                <a16:creationId xmlns:a16="http://schemas.microsoft.com/office/drawing/2014/main" id="{46B1F407-C9CC-C9FE-A092-C913866E1C31}"/>
-              </a:ext>
-            </a:extLst>
-          </p:cNvPr>
-          <p:cNvSpPr/>
-          <p:nvPr/>
-        </p:nvSpPr>
-        <p:spPr>
-          <a:xfrm>
-            <a:off x="2236903" y="2351531"/>
-            <a:ext cx="2086388" cy="787445"/>
-          </a:xfrm>
-          <a:prstGeom prst="roundRect">
-            <a:avLst/>
-          </a:prstGeom>
-          <a:solidFill>
-            <a:srgbClr val="00B0F0"/>
-          </a:solidFill>
-          <a:ln>
-            <a:noFill/>
-          </a:ln>
-        </p:spPr>
-        <p:style>
-          <a:lnRef idx="0">
-            <a:scrgbClr r="0" g="0" b="0"/>
-          </a:lnRef>
-          <a:fillRef idx="0">
-            <a:scrgbClr r="0" g="0" b="0"/>
-          </a:fillRef>
-          <a:effectRef idx="0">
-            <a:scrgbClr r="0" g="0" b="0"/>
-          </a:effectRef>
-          <a:fontRef idx="minor">
-            <a:schemeClr val="lt1"/>
-          </a:fontRef>
-        </p:style>
-        <p:txBody>
-          <a:bodyPr rtlCol="0" anchor="ctr"/>
-          <a:lstStyle/>
-          <a:p>
-            <a:pPr algn="ctr"/>
-            <a:r>
-              <a:rPr lang="de-AT" dirty="0"/>
-              <a:t>Fronius </a:t>
-            </a:r>
-            <a:r>
-              <a:rPr lang="de-AT" dirty="0" err="1"/>
-              <a:t>Api</a:t>
-            </a:r>
-            <a:endParaRPr lang="de-AT" dirty="0"/>
-          </a:p>
-          <a:p>
-            <a:pPr algn="ctr"/>
-            <a:r>
-              <a:rPr lang="de-AT" dirty="0"/>
-              <a:t>(Fake </a:t>
-            </a:r>
-            <a:r>
-              <a:rPr lang="de-AT" dirty="0" err="1"/>
-              <a:t>Json</a:t>
-            </a:r>
-            <a:r>
-              <a:rPr lang="de-AT" dirty="0"/>
-              <a:t> Server)</a:t>
-            </a:r>
-          </a:p>
-        </p:txBody>
-      </p:sp>
-      <p:sp>
-        <p:nvSpPr>
-          <p:cNvPr id="4" name="Rectangle: Rounded Corners 3">
-            <a:extLst>
-              <a:ext uri="{FF2B5EF4-FFF2-40B4-BE49-F238E27FC236}">
-                <a16:creationId xmlns:a16="http://schemas.microsoft.com/office/drawing/2014/main" id="{61072657-54E9-2DE5-1D95-B85D1D06FA13}"/>
-              </a:ext>
-            </a:extLst>
-          </p:cNvPr>
-          <p:cNvSpPr/>
-          <p:nvPr/>
-        </p:nvSpPr>
-        <p:spPr>
-          <a:xfrm>
-            <a:off x="2236903" y="4215694"/>
-            <a:ext cx="2086388" cy="787445"/>
-          </a:xfrm>
-          <a:prstGeom prst="roundRect">
-            <a:avLst/>
-          </a:prstGeom>
-          <a:solidFill>
-            <a:srgbClr val="00B0F0"/>
-          </a:solidFill>
-          <a:ln>
-            <a:noFill/>
-          </a:ln>
-        </p:spPr>
-        <p:style>
-          <a:lnRef idx="0">
-            <a:scrgbClr r="0" g="0" b="0"/>
-          </a:lnRef>
-          <a:fillRef idx="0">
-            <a:scrgbClr r="0" g="0" b="0"/>
-          </a:fillRef>
-          <a:effectRef idx="0">
-            <a:scrgbClr r="0" g="0" b="0"/>
-          </a:effectRef>
-          <a:fontRef idx="minor">
-            <a:schemeClr val="lt1"/>
-          </a:fontRef>
-        </p:style>
-        <p:txBody>
-          <a:bodyPr rtlCol="0" anchor="ctr"/>
-          <a:lstStyle/>
-          <a:p>
-            <a:pPr algn="ctr"/>
-            <a:r>
-              <a:rPr lang="de-AT" dirty="0" err="1"/>
-              <a:t>Quarkus</a:t>
-            </a:r>
-            <a:r>
-              <a:rPr lang="de-AT" dirty="0"/>
-              <a:t> Client</a:t>
-            </a:r>
-          </a:p>
-        </p:txBody>
-      </p:sp>
-      <p:sp>
-        <p:nvSpPr>
-          <p:cNvPr id="5" name="Rectangle: Rounded Corners 4">
-            <a:extLst>
-              <a:ext uri="{FF2B5EF4-FFF2-40B4-BE49-F238E27FC236}">
-                <a16:creationId xmlns:a16="http://schemas.microsoft.com/office/drawing/2014/main" id="{8243D965-C1AA-F169-4C3F-277D6D2BD3E3}"/>
-              </a:ext>
-            </a:extLst>
-          </p:cNvPr>
-          <p:cNvSpPr/>
-          <p:nvPr/>
-        </p:nvSpPr>
-        <p:spPr>
-          <a:xfrm>
-            <a:off x="4929084" y="4215694"/>
-            <a:ext cx="2086388" cy="787445"/>
-          </a:xfrm>
-          <a:prstGeom prst="roundRect">
-            <a:avLst/>
-          </a:prstGeom>
-          <a:solidFill>
-            <a:srgbClr val="00B0F0"/>
-          </a:solidFill>
-          <a:ln>
-            <a:noFill/>
-          </a:ln>
-        </p:spPr>
-        <p:style>
-          <a:lnRef idx="0">
-            <a:scrgbClr r="0" g="0" b="0"/>
-          </a:lnRef>
-          <a:fillRef idx="0">
-            <a:scrgbClr r="0" g="0" b="0"/>
-          </a:fillRef>
-          <a:effectRef idx="0">
-            <a:scrgbClr r="0" g="0" b="0"/>
-          </a:effectRef>
-          <a:fontRef idx="minor">
-            <a:schemeClr val="lt1"/>
-          </a:fontRef>
-        </p:style>
-        <p:txBody>
-          <a:bodyPr rtlCol="0" anchor="ctr"/>
-          <a:lstStyle/>
-          <a:p>
-            <a:pPr algn="ctr"/>
-            <a:r>
-              <a:rPr lang="de-AT" dirty="0" err="1"/>
-              <a:t>MySql</a:t>
-            </a:r>
-            <a:r>
-              <a:rPr lang="de-AT" dirty="0"/>
-              <a:t> - Docker</a:t>
-            </a:r>
-          </a:p>
-        </p:txBody>
-      </p:sp>
-      <p:sp>
-        <p:nvSpPr>
-          <p:cNvPr id="6" name="Rectangle: Rounded Corners 5">
-            <a:extLst>
-              <a:ext uri="{FF2B5EF4-FFF2-40B4-BE49-F238E27FC236}">
-                <a16:creationId xmlns:a16="http://schemas.microsoft.com/office/drawing/2014/main" id="{1EFA3662-E5DC-8695-C0B6-DC1B0F529126}"/>
-              </a:ext>
-            </a:extLst>
-          </p:cNvPr>
-          <p:cNvSpPr/>
-          <p:nvPr/>
-        </p:nvSpPr>
-        <p:spPr>
-          <a:xfrm>
-            <a:off x="4929084" y="2351530"/>
-            <a:ext cx="2086388" cy="787445"/>
-          </a:xfrm>
-          <a:prstGeom prst="roundRect">
-            <a:avLst/>
-          </a:prstGeom>
-          <a:solidFill>
-            <a:srgbClr val="00B0F0"/>
-          </a:solidFill>
-          <a:ln>
-            <a:noFill/>
-          </a:ln>
-        </p:spPr>
-        <p:style>
-          <a:lnRef idx="0">
-            <a:scrgbClr r="0" g="0" b="0"/>
-          </a:lnRef>
-          <a:fillRef idx="0">
-            <a:scrgbClr r="0" g="0" b="0"/>
-          </a:fillRef>
-          <a:effectRef idx="0">
-            <a:scrgbClr r="0" g="0" b="0"/>
-          </a:effectRef>
-          <a:fontRef idx="minor">
-            <a:schemeClr val="lt1"/>
-          </a:fontRef>
-        </p:style>
-        <p:txBody>
-          <a:bodyPr rtlCol="0" anchor="ctr"/>
-          <a:lstStyle/>
-          <a:p>
-            <a:pPr algn="ctr"/>
-            <a:r>
-              <a:rPr lang="de-AT" dirty="0" err="1"/>
-              <a:t>Grafana</a:t>
-            </a:r>
-            <a:r>
-              <a:rPr lang="de-AT" dirty="0"/>
-              <a:t> - Docker</a:t>
-            </a:r>
-          </a:p>
-        </p:txBody>
-      </p:sp>
-      <p:sp>
-        <p:nvSpPr>
-          <p:cNvPr id="7" name="Rectangle: Rounded Corners 6">
-            <a:extLst>
-              <a:ext uri="{FF2B5EF4-FFF2-40B4-BE49-F238E27FC236}">
-                <a16:creationId xmlns:a16="http://schemas.microsoft.com/office/drawing/2014/main" id="{B464C6BD-93BB-EA05-522C-FAE79ED6B9B9}"/>
-              </a:ext>
-            </a:extLst>
-          </p:cNvPr>
-          <p:cNvSpPr/>
-          <p:nvPr/>
-        </p:nvSpPr>
-        <p:spPr>
-          <a:xfrm>
-            <a:off x="7589601" y="2351529"/>
-            <a:ext cx="2086388" cy="787445"/>
-          </a:xfrm>
-          <a:prstGeom prst="roundRect">
-            <a:avLst/>
-          </a:prstGeom>
-          <a:solidFill>
-            <a:srgbClr val="00B0F0"/>
-          </a:solidFill>
-          <a:ln>
-            <a:noFill/>
-          </a:ln>
-        </p:spPr>
-        <p:style>
-          <a:lnRef idx="0">
-            <a:scrgbClr r="0" g="0" b="0"/>
-          </a:lnRef>
-          <a:fillRef idx="0">
-            <a:scrgbClr r="0" g="0" b="0"/>
-          </a:fillRef>
-          <a:effectRef idx="0">
-            <a:scrgbClr r="0" g="0" b="0"/>
-          </a:effectRef>
-          <a:fontRef idx="minor">
-            <a:schemeClr val="lt1"/>
-          </a:fontRef>
-        </p:style>
-        <p:txBody>
-          <a:bodyPr rtlCol="0" anchor="ctr"/>
-          <a:lstStyle/>
-          <a:p>
-            <a:pPr algn="ctr"/>
-            <a:r>
-              <a:rPr lang="de-AT" dirty="0"/>
-              <a:t>Hugo Website</a:t>
-            </a:r>
-          </a:p>
-        </p:txBody>
-      </p:sp>
-      <p:cxnSp>
-        <p:nvCxnSpPr>
-          <p:cNvPr id="9" name="Straight Arrow Connector 8">
-            <a:extLst>
-              <a:ext uri="{FF2B5EF4-FFF2-40B4-BE49-F238E27FC236}">
-                <a16:creationId xmlns:a16="http://schemas.microsoft.com/office/drawing/2014/main" id="{609035B5-162A-F666-28F1-1C6B32B7CC7D}"/>
-              </a:ext>
-            </a:extLst>
-          </p:cNvPr>
-          <p:cNvCxnSpPr>
-            <a:stCxn id="4" idx="0"/>
-            <a:endCxn id="3" idx="2"/>
-          </p:cNvCxnSpPr>
-          <p:nvPr/>
-        </p:nvCxnSpPr>
-        <p:spPr>
-          <a:xfrm flipV="1">
-            <a:off x="3280097" y="3138976"/>
-            <a:ext cx="0" cy="1076718"/>
-          </a:xfrm>
-          <a:prstGeom prst="straightConnector1">
-            <a:avLst/>
-          </a:prstGeom>
-          <a:ln>
-            <a:solidFill>
-              <a:srgbClr val="00B0F0"/>
-            </a:solidFill>
-            <a:headEnd type="triangle"/>
-            <a:tailEnd type="triangle"/>
-          </a:ln>
-        </p:spPr>
-        <p:style>
-          <a:lnRef idx="1">
-            <a:schemeClr val="accent1"/>
-          </a:lnRef>
-          <a:fillRef idx="0">
-            <a:schemeClr val="accent1"/>
-          </a:fillRef>
-          <a:effectRef idx="0">
-            <a:schemeClr val="accent1"/>
-          </a:effectRef>
-          <a:fontRef idx="minor">
-            <a:schemeClr val="tx1"/>
-          </a:fontRef>
-        </p:style>
-      </p:cxnSp>
-      <p:cxnSp>
-        <p:nvCxnSpPr>
-          <p:cNvPr id="14" name="Straight Arrow Connector 13">
-            <a:extLst>
-              <a:ext uri="{FF2B5EF4-FFF2-40B4-BE49-F238E27FC236}">
-                <a16:creationId xmlns:a16="http://schemas.microsoft.com/office/drawing/2014/main" id="{392E9B0A-FDC4-E14C-465C-C9EF74AF3963}"/>
-              </a:ext>
-            </a:extLst>
-          </p:cNvPr>
-          <p:cNvCxnSpPr>
-            <a:stCxn id="4" idx="3"/>
-            <a:endCxn id="5" idx="1"/>
-          </p:cNvCxnSpPr>
-          <p:nvPr/>
-        </p:nvCxnSpPr>
-        <p:spPr>
-          <a:xfrm>
-            <a:off x="4323291" y="4609417"/>
-            <a:ext cx="605793" cy="0"/>
-          </a:xfrm>
-          <a:prstGeom prst="straightConnector1">
-            <a:avLst/>
-          </a:prstGeom>
-          <a:ln>
-            <a:solidFill>
-              <a:srgbClr val="00B0F0"/>
-            </a:solidFill>
-            <a:tailEnd type="triangle"/>
-          </a:ln>
-        </p:spPr>
-        <p:style>
-          <a:lnRef idx="1">
-            <a:schemeClr val="accent1"/>
-          </a:lnRef>
-          <a:fillRef idx="0">
-            <a:schemeClr val="accent1"/>
-          </a:fillRef>
-          <a:effectRef idx="0">
-            <a:schemeClr val="accent1"/>
-          </a:effectRef>
-          <a:fontRef idx="minor">
-            <a:schemeClr val="tx1"/>
-          </a:fontRef>
-        </p:style>
-      </p:cxnSp>
-      <p:cxnSp>
-        <p:nvCxnSpPr>
-          <p:cNvPr id="16" name="Straight Arrow Connector 15">
-            <a:extLst>
-              <a:ext uri="{FF2B5EF4-FFF2-40B4-BE49-F238E27FC236}">
-                <a16:creationId xmlns:a16="http://schemas.microsoft.com/office/drawing/2014/main" id="{B5DC46FA-A0A7-39EF-3CA0-BA83879D029E}"/>
-              </a:ext>
-            </a:extLst>
-          </p:cNvPr>
-          <p:cNvCxnSpPr>
-            <a:stCxn id="6" idx="2"/>
-            <a:endCxn id="5" idx="0"/>
-          </p:cNvCxnSpPr>
-          <p:nvPr/>
-        </p:nvCxnSpPr>
-        <p:spPr>
-          <a:xfrm>
-            <a:off x="5972278" y="3138975"/>
-            <a:ext cx="0" cy="1076719"/>
-          </a:xfrm>
-          <a:prstGeom prst="straightConnector1">
-            <a:avLst/>
-          </a:prstGeom>
-          <a:ln>
-            <a:solidFill>
-              <a:srgbClr val="00B0F0"/>
-            </a:solidFill>
-            <a:tailEnd type="triangle"/>
-          </a:ln>
-        </p:spPr>
-        <p:style>
-          <a:lnRef idx="1">
-            <a:schemeClr val="accent1"/>
-          </a:lnRef>
-          <a:fillRef idx="0">
-            <a:schemeClr val="accent1"/>
-          </a:fillRef>
-          <a:effectRef idx="0">
-            <a:schemeClr val="accent1"/>
-          </a:effectRef>
-          <a:fontRef idx="minor">
-            <a:schemeClr val="tx1"/>
-          </a:fontRef>
-        </p:style>
-      </p:cxnSp>
-      <p:cxnSp>
-        <p:nvCxnSpPr>
-          <p:cNvPr id="20" name="Straight Arrow Connector 19">
-            <a:extLst>
-              <a:ext uri="{FF2B5EF4-FFF2-40B4-BE49-F238E27FC236}">
-                <a16:creationId xmlns:a16="http://schemas.microsoft.com/office/drawing/2014/main" id="{4628E258-BF93-8108-BDB6-AED445E600F0}"/>
-              </a:ext>
-            </a:extLst>
-          </p:cNvPr>
-          <p:cNvCxnSpPr>
-            <a:stCxn id="6" idx="3"/>
-            <a:endCxn id="7" idx="1"/>
-          </p:cNvCxnSpPr>
-          <p:nvPr/>
-        </p:nvCxnSpPr>
-        <p:spPr>
-          <a:xfrm flipV="1">
-            <a:off x="7015472" y="2745252"/>
-            <a:ext cx="574129" cy="1"/>
-          </a:xfrm>
-          <a:prstGeom prst="straightConnector1">
-            <a:avLst/>
-          </a:prstGeom>
-          <a:ln>
-            <a:solidFill>
-              <a:srgbClr val="00B0F0"/>
-            </a:solidFill>
-            <a:tailEnd type="triangle"/>
-          </a:ln>
-        </p:spPr>
-        <p:style>
-          <a:lnRef idx="1">
-            <a:schemeClr val="accent1"/>
-          </a:lnRef>
-          <a:fillRef idx="0">
-            <a:schemeClr val="accent1"/>
-          </a:fillRef>
-          <a:effectRef idx="0">
-            <a:schemeClr val="accent1"/>
-          </a:effectRef>
-          <a:fontRef idx="minor">
-            <a:schemeClr val="tx1"/>
-          </a:fontRef>
-        </p:style>
-      </p:cxnSp>
-      <p:sp>
-        <p:nvSpPr>
-          <p:cNvPr id="8" name="Rectangle 7">
-            <a:extLst>
-              <a:ext uri="{FF2B5EF4-FFF2-40B4-BE49-F238E27FC236}">
-                <a16:creationId xmlns:a16="http://schemas.microsoft.com/office/drawing/2014/main" id="{0675AA04-AA63-A9E0-931C-99AFC25FF023}"/>
-              </a:ext>
-            </a:extLst>
-          </p:cNvPr>
-          <p:cNvSpPr/>
-          <p:nvPr/>
-        </p:nvSpPr>
-        <p:spPr>
-          <a:xfrm>
-            <a:off x="5918984" y="3128135"/>
-            <a:ext cx="1798202" cy="352338"/>
-          </a:xfrm>
-          <a:prstGeom prst="rect">
-            <a:avLst/>
-          </a:prstGeom>
-          <a:noFill/>
-          <a:ln>
-            <a:noFill/>
-          </a:ln>
-        </p:spPr>
-        <p:style>
-          <a:lnRef idx="2">
-            <a:schemeClr val="accent1">
-              <a:shade val="50000"/>
-            </a:schemeClr>
-          </a:lnRef>
-          <a:fillRef idx="1">
-            <a:schemeClr val="accent1"/>
-          </a:fillRef>
-          <a:effectRef idx="0">
-            <a:schemeClr val="accent1"/>
-          </a:effectRef>
-          <a:fontRef idx="minor">
-            <a:schemeClr val="lt1"/>
-          </a:fontRef>
-        </p:style>
-        <p:txBody>
-          <a:bodyPr rtlCol="0" anchor="ctr"/>
-          <a:lstStyle/>
-          <a:p>
-            <a:pPr algn="ctr"/>
-            <a:r>
-              <a:rPr lang="de-AT" sz="1600" dirty="0" err="1"/>
-              <a:t>Get</a:t>
-            </a:r>
-            <a:r>
-              <a:rPr lang="de-AT" sz="1600" dirty="0"/>
-              <a:t> Data</a:t>
-            </a:r>
-          </a:p>
-        </p:txBody>
-      </p:sp>
-    </p:spTree>
-    <p:extLst>
-      <p:ext uri="{BB962C8B-B14F-4D97-AF65-F5344CB8AC3E}">
-        <p14:creationId xmlns:p14="http://schemas.microsoft.com/office/powerpoint/2010/main" val="4118828743"/>
-      </p:ext>
-    </p:extLst>
-  </p:cSld>
-  <p:clrMapOvr>
-    <a:masterClrMapping/>
-  </p:clrMapOvr>
-  <p:timing>
-    <p:tnLst>
-      <p:par>
-        <p:cTn id="1" dur="indefinite" restart="never" nodeType="tmRoot">
-          <p:childTnLst>
-            <p:seq concurrent="1" nextAc="seek">
-              <p:cTn id="2" dur="indefinite" nodeType="mainSeq">
-                <p:childTnLst>
-                  <p:par>
-                    <p:cTn id="3" fill="hold">
-                      <p:stCondLst>
-                        <p:cond delay="indefinite"/>
-                      </p:stCondLst>
-                      <p:childTnLst>
-                        <p:par>
-                          <p:cTn id="4" fill="hold">
-                            <p:stCondLst>
-                              <p:cond delay="0"/>
-                            </p:stCondLst>
-                            <p:childTnLst>
-                              <p:par>
-                                <p:cTn id="5" presetID="42" presetClass="path" presetSubtype="0" accel="50000" decel="50000" fill="hold" nodeType="clickEffect">
-                                  <p:stCondLst>
-                                    <p:cond delay="0"/>
-                                  </p:stCondLst>
-                                  <p:childTnLst>
-                                    <p:animMotion origin="layout" path="M 2.29167E-6 -2.96296E-6 L 2.29167E-6 0.11482 " pathEditMode="relative" rAng="0" ptsTypes="AA">
-                                      <p:cBhvr>
-                                        <p:cTn id="6" dur="1000" fill="hold"/>
-                                        <p:tgtEl>
-                                          <p:spTgt spid="8">
-                                            <p:txEl>
-                                              <p:pRg st="0" end="0"/>
-                                            </p:txEl>
-                                          </p:spTgt>
-                                        </p:tgtEl>
-                                        <p:attrNameLst>
-                                          <p:attrName>ppt_x</p:attrName>
-                                          <p:attrName>ppt_y</p:attrName>
-                                        </p:attrNameLst>
-                                      </p:cBhvr>
-                                      <p:rCtr x="0" y="5741"/>
                                     </p:animMotion>
                                   </p:childTnLst>
                                 </p:cTn>
@@ -8826,23 +8941,24 @@
       </p:cxnSp>
       <p:cxnSp>
         <p:nvCxnSpPr>
-          <p:cNvPr id="16" name="Straight Arrow Connector 15">
-            <a:extLst>
-              <a:ext uri="{FF2B5EF4-FFF2-40B4-BE49-F238E27FC236}">
-                <a16:creationId xmlns:a16="http://schemas.microsoft.com/office/drawing/2014/main" id="{B5DC46FA-A0A7-39EF-3CA0-BA83879D029E}"/>
+          <p:cNvPr id="20" name="Straight Arrow Connector 19">
+            <a:extLst>
+              <a:ext uri="{FF2B5EF4-FFF2-40B4-BE49-F238E27FC236}">
+                <a16:creationId xmlns:a16="http://schemas.microsoft.com/office/drawing/2014/main" id="{4628E258-BF93-8108-BDB6-AED445E600F0}"/>
               </a:ext>
             </a:extLst>
           </p:cNvPr>
           <p:cNvCxnSpPr>
-            <a:stCxn id="6" idx="2"/>
-            <a:endCxn id="5" idx="0"/>
+            <a:cxnSpLocks/>
+            <a:stCxn id="7" idx="1"/>
+            <a:endCxn id="6" idx="3"/>
           </p:cNvCxnSpPr>
           <p:nvPr/>
         </p:nvCxnSpPr>
         <p:spPr>
-          <a:xfrm>
-            <a:off x="5972278" y="3138975"/>
-            <a:ext cx="0" cy="1076719"/>
+          <a:xfrm flipH="1">
+            <a:off x="7015472" y="2745252"/>
+            <a:ext cx="574129" cy="1"/>
           </a:xfrm>
           <a:prstGeom prst="straightConnector1">
             <a:avLst/>
@@ -8869,26 +8985,604 @@
           </a:fontRef>
         </p:style>
       </p:cxnSp>
+      <p:sp>
+        <p:nvSpPr>
+          <p:cNvPr id="8" name="Rectangle 7">
+            <a:extLst>
+              <a:ext uri="{FF2B5EF4-FFF2-40B4-BE49-F238E27FC236}">
+                <a16:creationId xmlns:a16="http://schemas.microsoft.com/office/drawing/2014/main" id="{0675AA04-AA63-A9E0-931C-99AFC25FF023}"/>
+              </a:ext>
+            </a:extLst>
+          </p:cNvPr>
+          <p:cNvSpPr/>
+          <p:nvPr/>
+        </p:nvSpPr>
+        <p:spPr>
+          <a:xfrm>
+            <a:off x="4467384" y="3076662"/>
+            <a:ext cx="1798202" cy="352338"/>
+          </a:xfrm>
+          <a:prstGeom prst="rect">
+            <a:avLst/>
+          </a:prstGeom>
+          <a:noFill/>
+          <a:ln>
+            <a:noFill/>
+          </a:ln>
+        </p:spPr>
+        <p:style>
+          <a:lnRef idx="2">
+            <a:schemeClr val="accent1">
+              <a:shade val="50000"/>
+            </a:schemeClr>
+          </a:lnRef>
+          <a:fillRef idx="1">
+            <a:schemeClr val="accent1"/>
+          </a:fillRef>
+          <a:effectRef idx="0">
+            <a:schemeClr val="accent1"/>
+          </a:effectRef>
+          <a:fontRef idx="minor">
+            <a:schemeClr val="lt1"/>
+          </a:fontRef>
+        </p:style>
+        <p:txBody>
+          <a:bodyPr rtlCol="0" anchor="ctr"/>
+          <a:lstStyle/>
+          <a:p>
+            <a:pPr algn="ctr"/>
+            <a:r>
+              <a:rPr lang="de-AT" sz="1600" dirty="0"/>
+              <a:t>Connection</a:t>
+            </a:r>
+          </a:p>
+        </p:txBody>
+      </p:sp>
       <p:cxnSp>
         <p:nvCxnSpPr>
-          <p:cNvPr id="20" name="Straight Arrow Connector 19">
-            <a:extLst>
-              <a:ext uri="{FF2B5EF4-FFF2-40B4-BE49-F238E27FC236}">
-                <a16:creationId xmlns:a16="http://schemas.microsoft.com/office/drawing/2014/main" id="{4628E258-BF93-8108-BDB6-AED445E600F0}"/>
+          <p:cNvPr id="10" name="Straight Arrow Connector 9">
+            <a:extLst>
+              <a:ext uri="{FF2B5EF4-FFF2-40B4-BE49-F238E27FC236}">
+                <a16:creationId xmlns:a16="http://schemas.microsoft.com/office/drawing/2014/main" id="{09CB3502-133D-71F5-B01D-B12593EAF7B2}"/>
+              </a:ext>
+            </a:extLst>
+          </p:cNvPr>
+          <p:cNvCxnSpPr/>
+          <p:nvPr/>
+        </p:nvCxnSpPr>
+        <p:spPr>
+          <a:xfrm flipV="1">
+            <a:off x="5972278" y="3138974"/>
+            <a:ext cx="0" cy="1076718"/>
+          </a:xfrm>
+          <a:prstGeom prst="straightConnector1">
+            <a:avLst/>
+          </a:prstGeom>
+          <a:ln>
+            <a:solidFill>
+              <a:srgbClr val="00B0F0"/>
+            </a:solidFill>
+            <a:headEnd type="triangle"/>
+            <a:tailEnd type="triangle"/>
+          </a:ln>
+        </p:spPr>
+        <p:style>
+          <a:lnRef idx="1">
+            <a:schemeClr val="accent1"/>
+          </a:lnRef>
+          <a:fillRef idx="0">
+            <a:schemeClr val="accent1"/>
+          </a:fillRef>
+          <a:effectRef idx="0">
+            <a:schemeClr val="accent1"/>
+          </a:effectRef>
+          <a:fontRef idx="minor">
+            <a:schemeClr val="tx1"/>
+          </a:fontRef>
+        </p:style>
+      </p:cxnSp>
+    </p:spTree>
+    <p:extLst>
+      <p:ext uri="{BB962C8B-B14F-4D97-AF65-F5344CB8AC3E}">
+        <p14:creationId xmlns:p14="http://schemas.microsoft.com/office/powerpoint/2010/main" val="867904923"/>
+      </p:ext>
+    </p:extLst>
+  </p:cSld>
+  <p:clrMapOvr>
+    <a:masterClrMapping/>
+  </p:clrMapOvr>
+  <p:timing>
+    <p:tnLst>
+      <p:par>
+        <p:cTn id="1" dur="indefinite" restart="never" nodeType="tmRoot">
+          <p:childTnLst>
+            <p:seq concurrent="1" nextAc="seek">
+              <p:cTn id="2" dur="indefinite" nodeType="mainSeq">
+                <p:childTnLst>
+                  <p:par>
+                    <p:cTn id="3" fill="hold">
+                      <p:stCondLst>
+                        <p:cond delay="indefinite"/>
+                      </p:stCondLst>
+                      <p:childTnLst>
+                        <p:par>
+                          <p:cTn id="4" fill="hold">
+                            <p:stCondLst>
+                              <p:cond delay="0"/>
+                            </p:stCondLst>
+                            <p:childTnLst>
+                              <p:par>
+                                <p:cTn id="5" presetID="42" presetClass="path" presetSubtype="0" accel="50000" decel="50000" fill="hold" nodeType="clickEffect">
+                                  <p:stCondLst>
+                                    <p:cond delay="0"/>
+                                  </p:stCondLst>
+                                  <p:childTnLst>
+                                    <p:animMotion origin="layout" path="M 2.70833E-6 4.44444E-6 L 2.70833E-6 0.11481 " pathEditMode="relative" rAng="0" ptsTypes="AA">
+                                      <p:cBhvr>
+                                        <p:cTn id="6" dur="1000" fill="hold"/>
+                                        <p:tgtEl>
+                                          <p:spTgt spid="8">
+                                            <p:txEl>
+                                              <p:pRg st="0" end="0"/>
+                                            </p:txEl>
+                                          </p:spTgt>
+                                        </p:tgtEl>
+                                        <p:attrNameLst>
+                                          <p:attrName>ppt_x</p:attrName>
+                                          <p:attrName>ppt_y</p:attrName>
+                                        </p:attrNameLst>
+                                      </p:cBhvr>
+                                      <p:rCtr x="0" y="5741"/>
+                                    </p:animMotion>
+                                  </p:childTnLst>
+                                </p:cTn>
+                              </p:par>
+                            </p:childTnLst>
+                          </p:cTn>
+                        </p:par>
+                      </p:childTnLst>
+                    </p:cTn>
+                  </p:par>
+                </p:childTnLst>
+              </p:cTn>
+              <p:prevCondLst>
+                <p:cond evt="onPrev" delay="0">
+                  <p:tgtEl>
+                    <p:sldTgt/>
+                  </p:tgtEl>
+                </p:cond>
+              </p:prevCondLst>
+              <p:nextCondLst>
+                <p:cond evt="onNext" delay="0">
+                  <p:tgtEl>
+                    <p:sldTgt/>
+                  </p:tgtEl>
+                </p:cond>
+              </p:nextCondLst>
+            </p:seq>
+          </p:childTnLst>
+        </p:cTn>
+      </p:par>
+    </p:tnLst>
+  </p:timing>
+</p:sld>
+</file>
+
+<file path=ppt/slides/slide8.xml><?xml version="1.0" encoding="utf-8"?>
+<p:sld xmlns:a="http://schemas.openxmlformats.org/drawingml/2006/main" xmlns:r="http://schemas.openxmlformats.org/officeDocument/2006/relationships" xmlns:p="http://schemas.openxmlformats.org/presentationml/2006/main">
+  <p:cSld>
+    <p:spTree>
+      <p:nvGrpSpPr>
+        <p:cNvPr id="1" name=""/>
+        <p:cNvGrpSpPr/>
+        <p:nvPr/>
+      </p:nvGrpSpPr>
+      <p:grpSpPr>
+        <a:xfrm>
+          <a:off x="0" y="0"/>
+          <a:ext cx="0" cy="0"/>
+          <a:chOff x="0" y="0"/>
+          <a:chExt cx="0" cy="0"/>
+        </a:xfrm>
+      </p:grpSpPr>
+      <p:sp>
+        <p:nvSpPr>
+          <p:cNvPr id="2" name="Title 1">
+            <a:extLst>
+              <a:ext uri="{FF2B5EF4-FFF2-40B4-BE49-F238E27FC236}">
+                <a16:creationId xmlns:a16="http://schemas.microsoft.com/office/drawing/2014/main" id="{074FFC1A-FCD2-E2C5-2CC0-08BC2CF787BC}"/>
+              </a:ext>
+            </a:extLst>
+          </p:cNvPr>
+          <p:cNvSpPr>
+            <a:spLocks noGrp="1"/>
+          </p:cNvSpPr>
+          <p:nvPr>
+            <p:ph type="title"/>
+          </p:nvPr>
+        </p:nvSpPr>
+        <p:spPr>
+          <a:xfrm>
+            <a:off x="849759" y="895440"/>
+            <a:ext cx="10138451" cy="787445"/>
+          </a:xfrm>
+        </p:spPr>
+        <p:txBody>
+          <a:bodyPr>
+            <a:normAutofit fontScale="90000"/>
+          </a:bodyPr>
+          <a:lstStyle/>
+          <a:p>
+            <a:pPr algn="ctr"/>
+            <a:r>
+              <a:rPr lang="de-AT" dirty="0"/>
+              <a:t>Übersicht - Statistik</a:t>
+            </a:r>
+          </a:p>
+        </p:txBody>
+      </p:sp>
+      <p:sp>
+        <p:nvSpPr>
+          <p:cNvPr id="3" name="Rectangle: Rounded Corners 2">
+            <a:extLst>
+              <a:ext uri="{FF2B5EF4-FFF2-40B4-BE49-F238E27FC236}">
+                <a16:creationId xmlns:a16="http://schemas.microsoft.com/office/drawing/2014/main" id="{46B1F407-C9CC-C9FE-A092-C913866E1C31}"/>
+              </a:ext>
+            </a:extLst>
+          </p:cNvPr>
+          <p:cNvSpPr/>
+          <p:nvPr/>
+        </p:nvSpPr>
+        <p:spPr>
+          <a:xfrm>
+            <a:off x="2236903" y="2351531"/>
+            <a:ext cx="2086388" cy="787445"/>
+          </a:xfrm>
+          <a:prstGeom prst="roundRect">
+            <a:avLst/>
+          </a:prstGeom>
+          <a:solidFill>
+            <a:srgbClr val="00B0F0"/>
+          </a:solidFill>
+          <a:ln>
+            <a:noFill/>
+          </a:ln>
+        </p:spPr>
+        <p:style>
+          <a:lnRef idx="0">
+            <a:scrgbClr r="0" g="0" b="0"/>
+          </a:lnRef>
+          <a:fillRef idx="0">
+            <a:scrgbClr r="0" g="0" b="0"/>
+          </a:fillRef>
+          <a:effectRef idx="0">
+            <a:scrgbClr r="0" g="0" b="0"/>
+          </a:effectRef>
+          <a:fontRef idx="minor">
+            <a:schemeClr val="lt1"/>
+          </a:fontRef>
+        </p:style>
+        <p:txBody>
+          <a:bodyPr rtlCol="0" anchor="ctr"/>
+          <a:lstStyle/>
+          <a:p>
+            <a:pPr algn="ctr"/>
+            <a:r>
+              <a:rPr lang="de-AT" dirty="0"/>
+              <a:t>Fronius </a:t>
+            </a:r>
+            <a:r>
+              <a:rPr lang="de-AT" dirty="0" err="1"/>
+              <a:t>Api</a:t>
+            </a:r>
+            <a:endParaRPr lang="de-AT" dirty="0"/>
+          </a:p>
+          <a:p>
+            <a:pPr algn="ctr"/>
+            <a:r>
+              <a:rPr lang="de-AT" dirty="0"/>
+              <a:t>(Fake </a:t>
+            </a:r>
+            <a:r>
+              <a:rPr lang="de-AT" dirty="0" err="1"/>
+              <a:t>Json</a:t>
+            </a:r>
+            <a:r>
+              <a:rPr lang="de-AT" dirty="0"/>
+              <a:t> Server)</a:t>
+            </a:r>
+          </a:p>
+        </p:txBody>
+      </p:sp>
+      <p:sp>
+        <p:nvSpPr>
+          <p:cNvPr id="4" name="Rectangle: Rounded Corners 3">
+            <a:extLst>
+              <a:ext uri="{FF2B5EF4-FFF2-40B4-BE49-F238E27FC236}">
+                <a16:creationId xmlns:a16="http://schemas.microsoft.com/office/drawing/2014/main" id="{61072657-54E9-2DE5-1D95-B85D1D06FA13}"/>
+              </a:ext>
+            </a:extLst>
+          </p:cNvPr>
+          <p:cNvSpPr/>
+          <p:nvPr/>
+        </p:nvSpPr>
+        <p:spPr>
+          <a:xfrm>
+            <a:off x="2236903" y="4215694"/>
+            <a:ext cx="2086388" cy="787445"/>
+          </a:xfrm>
+          <a:prstGeom prst="roundRect">
+            <a:avLst/>
+          </a:prstGeom>
+          <a:solidFill>
+            <a:srgbClr val="00B0F0"/>
+          </a:solidFill>
+          <a:ln>
+            <a:noFill/>
+          </a:ln>
+        </p:spPr>
+        <p:style>
+          <a:lnRef idx="0">
+            <a:scrgbClr r="0" g="0" b="0"/>
+          </a:lnRef>
+          <a:fillRef idx="0">
+            <a:scrgbClr r="0" g="0" b="0"/>
+          </a:fillRef>
+          <a:effectRef idx="0">
+            <a:scrgbClr r="0" g="0" b="0"/>
+          </a:effectRef>
+          <a:fontRef idx="minor">
+            <a:schemeClr val="lt1"/>
+          </a:fontRef>
+        </p:style>
+        <p:txBody>
+          <a:bodyPr rtlCol="0" anchor="ctr"/>
+          <a:lstStyle/>
+          <a:p>
+            <a:pPr algn="ctr"/>
+            <a:r>
+              <a:rPr lang="de-AT" dirty="0" err="1"/>
+              <a:t>Quarkus</a:t>
+            </a:r>
+            <a:r>
+              <a:rPr lang="de-AT" dirty="0"/>
+              <a:t> Client</a:t>
+            </a:r>
+          </a:p>
+        </p:txBody>
+      </p:sp>
+      <p:sp>
+        <p:nvSpPr>
+          <p:cNvPr id="5" name="Rectangle: Rounded Corners 4">
+            <a:extLst>
+              <a:ext uri="{FF2B5EF4-FFF2-40B4-BE49-F238E27FC236}">
+                <a16:creationId xmlns:a16="http://schemas.microsoft.com/office/drawing/2014/main" id="{8243D965-C1AA-F169-4C3F-277D6D2BD3E3}"/>
+              </a:ext>
+            </a:extLst>
+          </p:cNvPr>
+          <p:cNvSpPr/>
+          <p:nvPr/>
+        </p:nvSpPr>
+        <p:spPr>
+          <a:xfrm>
+            <a:off x="4929084" y="4215694"/>
+            <a:ext cx="2086388" cy="787445"/>
+          </a:xfrm>
+          <a:prstGeom prst="roundRect">
+            <a:avLst/>
+          </a:prstGeom>
+          <a:solidFill>
+            <a:srgbClr val="00B0F0"/>
+          </a:solidFill>
+          <a:ln>
+            <a:noFill/>
+          </a:ln>
+        </p:spPr>
+        <p:style>
+          <a:lnRef idx="0">
+            <a:scrgbClr r="0" g="0" b="0"/>
+          </a:lnRef>
+          <a:fillRef idx="0">
+            <a:scrgbClr r="0" g="0" b="0"/>
+          </a:fillRef>
+          <a:effectRef idx="0">
+            <a:scrgbClr r="0" g="0" b="0"/>
+          </a:effectRef>
+          <a:fontRef idx="minor">
+            <a:schemeClr val="lt1"/>
+          </a:fontRef>
+        </p:style>
+        <p:txBody>
+          <a:bodyPr rtlCol="0" anchor="ctr"/>
+          <a:lstStyle/>
+          <a:p>
+            <a:pPr algn="ctr"/>
+            <a:r>
+              <a:rPr lang="de-AT" dirty="0" err="1"/>
+              <a:t>MySql</a:t>
+            </a:r>
+            <a:r>
+              <a:rPr lang="de-AT" dirty="0"/>
+              <a:t> - Docker</a:t>
+            </a:r>
+          </a:p>
+        </p:txBody>
+      </p:sp>
+      <p:sp>
+        <p:nvSpPr>
+          <p:cNvPr id="6" name="Rectangle: Rounded Corners 5">
+            <a:extLst>
+              <a:ext uri="{FF2B5EF4-FFF2-40B4-BE49-F238E27FC236}">
+                <a16:creationId xmlns:a16="http://schemas.microsoft.com/office/drawing/2014/main" id="{1EFA3662-E5DC-8695-C0B6-DC1B0F529126}"/>
+              </a:ext>
+            </a:extLst>
+          </p:cNvPr>
+          <p:cNvSpPr/>
+          <p:nvPr/>
+        </p:nvSpPr>
+        <p:spPr>
+          <a:xfrm>
+            <a:off x="4929084" y="2351530"/>
+            <a:ext cx="2086388" cy="787445"/>
+          </a:xfrm>
+          <a:prstGeom prst="roundRect">
+            <a:avLst/>
+          </a:prstGeom>
+          <a:solidFill>
+            <a:srgbClr val="00B0F0"/>
+          </a:solidFill>
+          <a:ln>
+            <a:noFill/>
+          </a:ln>
+        </p:spPr>
+        <p:style>
+          <a:lnRef idx="0">
+            <a:scrgbClr r="0" g="0" b="0"/>
+          </a:lnRef>
+          <a:fillRef idx="0">
+            <a:scrgbClr r="0" g="0" b="0"/>
+          </a:fillRef>
+          <a:effectRef idx="0">
+            <a:scrgbClr r="0" g="0" b="0"/>
+          </a:effectRef>
+          <a:fontRef idx="minor">
+            <a:schemeClr val="lt1"/>
+          </a:fontRef>
+        </p:style>
+        <p:txBody>
+          <a:bodyPr rtlCol="0" anchor="ctr"/>
+          <a:lstStyle/>
+          <a:p>
+            <a:pPr algn="ctr"/>
+            <a:r>
+              <a:rPr lang="de-AT" dirty="0" err="1"/>
+              <a:t>Grafana</a:t>
+            </a:r>
+            <a:r>
+              <a:rPr lang="de-AT" dirty="0"/>
+              <a:t> - Docker</a:t>
+            </a:r>
+          </a:p>
+        </p:txBody>
+      </p:sp>
+      <p:sp>
+        <p:nvSpPr>
+          <p:cNvPr id="7" name="Rectangle: Rounded Corners 6">
+            <a:extLst>
+              <a:ext uri="{FF2B5EF4-FFF2-40B4-BE49-F238E27FC236}">
+                <a16:creationId xmlns:a16="http://schemas.microsoft.com/office/drawing/2014/main" id="{B464C6BD-93BB-EA05-522C-FAE79ED6B9B9}"/>
+              </a:ext>
+            </a:extLst>
+          </p:cNvPr>
+          <p:cNvSpPr/>
+          <p:nvPr/>
+        </p:nvSpPr>
+        <p:spPr>
+          <a:xfrm>
+            <a:off x="7589601" y="2351529"/>
+            <a:ext cx="2086388" cy="787445"/>
+          </a:xfrm>
+          <a:prstGeom prst="roundRect">
+            <a:avLst/>
+          </a:prstGeom>
+          <a:solidFill>
+            <a:srgbClr val="00B0F0"/>
+          </a:solidFill>
+          <a:ln>
+            <a:noFill/>
+          </a:ln>
+        </p:spPr>
+        <p:style>
+          <a:lnRef idx="0">
+            <a:scrgbClr r="0" g="0" b="0"/>
+          </a:lnRef>
+          <a:fillRef idx="0">
+            <a:scrgbClr r="0" g="0" b="0"/>
+          </a:fillRef>
+          <a:effectRef idx="0">
+            <a:scrgbClr r="0" g="0" b="0"/>
+          </a:effectRef>
+          <a:fontRef idx="minor">
+            <a:schemeClr val="lt1"/>
+          </a:fontRef>
+        </p:style>
+        <p:txBody>
+          <a:bodyPr rtlCol="0" anchor="ctr"/>
+          <a:lstStyle/>
+          <a:p>
+            <a:pPr algn="ctr"/>
+            <a:r>
+              <a:rPr lang="de-AT" dirty="0"/>
+              <a:t>Hugo Website</a:t>
+            </a:r>
+          </a:p>
+        </p:txBody>
+      </p:sp>
+      <p:cxnSp>
+        <p:nvCxnSpPr>
+          <p:cNvPr id="9" name="Straight Arrow Connector 8">
+            <a:extLst>
+              <a:ext uri="{FF2B5EF4-FFF2-40B4-BE49-F238E27FC236}">
+                <a16:creationId xmlns:a16="http://schemas.microsoft.com/office/drawing/2014/main" id="{609035B5-162A-F666-28F1-1C6B32B7CC7D}"/>
               </a:ext>
             </a:extLst>
           </p:cNvPr>
           <p:cNvCxnSpPr>
-            <a:cxnSpLocks/>
-            <a:stCxn id="7" idx="1"/>
-            <a:endCxn id="6" idx="3"/>
+            <a:stCxn id="4" idx="0"/>
+            <a:endCxn id="3" idx="2"/>
           </p:cNvCxnSpPr>
           <p:nvPr/>
         </p:nvCxnSpPr>
         <p:spPr>
-          <a:xfrm flipH="1">
-            <a:off x="7015472" y="2745252"/>
-            <a:ext cx="574129" cy="1"/>
+          <a:xfrm flipV="1">
+            <a:off x="3280097" y="3138976"/>
+            <a:ext cx="0" cy="1076718"/>
+          </a:xfrm>
+          <a:prstGeom prst="straightConnector1">
+            <a:avLst/>
+          </a:prstGeom>
+          <a:ln>
+            <a:solidFill>
+              <a:srgbClr val="00B0F0"/>
+            </a:solidFill>
+            <a:headEnd type="triangle"/>
+            <a:tailEnd type="triangle"/>
+          </a:ln>
+        </p:spPr>
+        <p:style>
+          <a:lnRef idx="1">
+            <a:schemeClr val="accent1"/>
+          </a:lnRef>
+          <a:fillRef idx="0">
+            <a:schemeClr val="accent1"/>
+          </a:fillRef>
+          <a:effectRef idx="0">
+            <a:schemeClr val="accent1"/>
+          </a:effectRef>
+          <a:fontRef idx="minor">
+            <a:schemeClr val="tx1"/>
+          </a:fontRef>
+        </p:style>
+      </p:cxnSp>
+      <p:cxnSp>
+        <p:nvCxnSpPr>
+          <p:cNvPr id="14" name="Straight Arrow Connector 13">
+            <a:extLst>
+              <a:ext uri="{FF2B5EF4-FFF2-40B4-BE49-F238E27FC236}">
+                <a16:creationId xmlns:a16="http://schemas.microsoft.com/office/drawing/2014/main" id="{392E9B0A-FDC4-E14C-465C-C9EF74AF3963}"/>
+              </a:ext>
+            </a:extLst>
+          </p:cNvPr>
+          <p:cNvCxnSpPr>
+            <a:stCxn id="4" idx="3"/>
+            <a:endCxn id="5" idx="1"/>
+          </p:cNvCxnSpPr>
+          <p:nvPr/>
+        </p:nvCxnSpPr>
+        <p:spPr>
+          <a:xfrm>
+            <a:off x="4323291" y="4609417"/>
+            <a:ext cx="605793" cy="0"/>
           </a:xfrm>
           <a:prstGeom prst="straightConnector1">
             <a:avLst/>
@@ -8915,6 +9609,52 @@
           </a:fontRef>
         </p:style>
       </p:cxnSp>
+      <p:cxnSp>
+        <p:nvCxnSpPr>
+          <p:cNvPr id="20" name="Straight Arrow Connector 19">
+            <a:extLst>
+              <a:ext uri="{FF2B5EF4-FFF2-40B4-BE49-F238E27FC236}">
+                <a16:creationId xmlns:a16="http://schemas.microsoft.com/office/drawing/2014/main" id="{4628E258-BF93-8108-BDB6-AED445E600F0}"/>
+              </a:ext>
+            </a:extLst>
+          </p:cNvPr>
+          <p:cNvCxnSpPr>
+            <a:cxnSpLocks/>
+            <a:stCxn id="7" idx="1"/>
+            <a:endCxn id="6" idx="3"/>
+          </p:cNvCxnSpPr>
+          <p:nvPr/>
+        </p:nvCxnSpPr>
+        <p:spPr>
+          <a:xfrm flipH="1">
+            <a:off x="7015472" y="2745252"/>
+            <a:ext cx="574129" cy="1"/>
+          </a:xfrm>
+          <a:prstGeom prst="straightConnector1">
+            <a:avLst/>
+          </a:prstGeom>
+          <a:ln>
+            <a:solidFill>
+              <a:srgbClr val="00B0F0"/>
+            </a:solidFill>
+            <a:tailEnd type="triangle"/>
+          </a:ln>
+        </p:spPr>
+        <p:style>
+          <a:lnRef idx="1">
+            <a:schemeClr val="accent1"/>
+          </a:lnRef>
+          <a:fillRef idx="0">
+            <a:schemeClr val="accent1"/>
+          </a:fillRef>
+          <a:effectRef idx="0">
+            <a:schemeClr val="accent1"/>
+          </a:effectRef>
+          <a:fontRef idx="minor">
+            <a:schemeClr val="tx1"/>
+          </a:fontRef>
+        </p:style>
+      </p:cxnSp>
       <p:sp>
         <p:nvSpPr>
           <p:cNvPr id="8" name="Rectangle 7">
@@ -8929,7 +9669,7 @@
         </p:nvSpPr>
         <p:spPr>
           <a:xfrm>
-            <a:off x="7733694" y="1974213"/>
+            <a:off x="5684092" y="3863356"/>
             <a:ext cx="1798202" cy="352338"/>
           </a:xfrm>
           <a:prstGeom prst="rect">
@@ -8962,16 +9702,734 @@
           <a:p>
             <a:pPr algn="ctr"/>
             <a:r>
+              <a:rPr lang="de-AT" sz="1600" dirty="0"/>
+              <a:t>Send Data</a:t>
+            </a:r>
+          </a:p>
+        </p:txBody>
+      </p:sp>
+      <p:cxnSp>
+        <p:nvCxnSpPr>
+          <p:cNvPr id="13" name="Straight Arrow Connector 12">
+            <a:extLst>
+              <a:ext uri="{FF2B5EF4-FFF2-40B4-BE49-F238E27FC236}">
+                <a16:creationId xmlns:a16="http://schemas.microsoft.com/office/drawing/2014/main" id="{FDAA65F4-FE6C-157B-6C9C-39D61D0A6182}"/>
+              </a:ext>
+            </a:extLst>
+          </p:cNvPr>
+          <p:cNvCxnSpPr/>
+          <p:nvPr/>
+        </p:nvCxnSpPr>
+        <p:spPr>
+          <a:xfrm flipV="1">
+            <a:off x="5915639" y="3138976"/>
+            <a:ext cx="0" cy="1076718"/>
+          </a:xfrm>
+          <a:prstGeom prst="straightConnector1">
+            <a:avLst/>
+          </a:prstGeom>
+          <a:ln>
+            <a:solidFill>
+              <a:srgbClr val="00B0F0"/>
+            </a:solidFill>
+            <a:headEnd type="triangle"/>
+            <a:tailEnd type="triangle"/>
+          </a:ln>
+        </p:spPr>
+        <p:style>
+          <a:lnRef idx="1">
+            <a:schemeClr val="accent1"/>
+          </a:lnRef>
+          <a:fillRef idx="0">
+            <a:schemeClr val="accent1"/>
+          </a:fillRef>
+          <a:effectRef idx="0">
+            <a:schemeClr val="accent1"/>
+          </a:effectRef>
+          <a:fontRef idx="minor">
+            <a:schemeClr val="tx1"/>
+          </a:fontRef>
+        </p:style>
+      </p:cxnSp>
+    </p:spTree>
+    <p:extLst>
+      <p:ext uri="{BB962C8B-B14F-4D97-AF65-F5344CB8AC3E}">
+        <p14:creationId xmlns:p14="http://schemas.microsoft.com/office/powerpoint/2010/main" val="4118828743"/>
+      </p:ext>
+    </p:extLst>
+  </p:cSld>
+  <p:clrMapOvr>
+    <a:masterClrMapping/>
+  </p:clrMapOvr>
+  <p:timing>
+    <p:tnLst>
+      <p:par>
+        <p:cTn id="1" dur="indefinite" restart="never" nodeType="tmRoot">
+          <p:childTnLst>
+            <p:seq concurrent="1" nextAc="seek">
+              <p:cTn id="2" dur="indefinite" nodeType="mainSeq">
+                <p:childTnLst>
+                  <p:par>
+                    <p:cTn id="3" fill="hold">
+                      <p:stCondLst>
+                        <p:cond delay="indefinite"/>
+                      </p:stCondLst>
+                      <p:childTnLst>
+                        <p:par>
+                          <p:cTn id="4" fill="hold">
+                            <p:stCondLst>
+                              <p:cond delay="0"/>
+                            </p:stCondLst>
+                            <p:childTnLst>
+                              <p:par>
+                                <p:cTn id="5" presetID="42" presetClass="path" presetSubtype="0" accel="50000" decel="50000" fill="hold" nodeType="clickEffect">
+                                  <p:stCondLst>
+                                    <p:cond delay="0"/>
+                                  </p:stCondLst>
+                                  <p:childTnLst>
+                                    <p:animMotion origin="layout" path="M 2.91667E-6 -3.7037E-7 L 0.00091 -0.11481 " pathEditMode="relative" rAng="0" ptsTypes="AA">
+                                      <p:cBhvr>
+                                        <p:cTn id="6" dur="1000" fill="hold"/>
+                                        <p:tgtEl>
+                                          <p:spTgt spid="8">
+                                            <p:txEl>
+                                              <p:pRg st="0" end="0"/>
+                                            </p:txEl>
+                                          </p:spTgt>
+                                        </p:tgtEl>
+                                        <p:attrNameLst>
+                                          <p:attrName>ppt_x</p:attrName>
+                                          <p:attrName>ppt_y</p:attrName>
+                                        </p:attrNameLst>
+                                      </p:cBhvr>
+                                      <p:rCtr x="39" y="-5741"/>
+                                    </p:animMotion>
+                                  </p:childTnLst>
+                                </p:cTn>
+                              </p:par>
+                            </p:childTnLst>
+                          </p:cTn>
+                        </p:par>
+                      </p:childTnLst>
+                    </p:cTn>
+                  </p:par>
+                </p:childTnLst>
+              </p:cTn>
+              <p:prevCondLst>
+                <p:cond evt="onPrev" delay="0">
+                  <p:tgtEl>
+                    <p:sldTgt/>
+                  </p:tgtEl>
+                </p:cond>
+              </p:prevCondLst>
+              <p:nextCondLst>
+                <p:cond evt="onNext" delay="0">
+                  <p:tgtEl>
+                    <p:sldTgt/>
+                  </p:tgtEl>
+                </p:cond>
+              </p:nextCondLst>
+            </p:seq>
+          </p:childTnLst>
+        </p:cTn>
+      </p:par>
+    </p:tnLst>
+  </p:timing>
+</p:sld>
+</file>
+
+<file path=ppt/slides/slide9.xml><?xml version="1.0" encoding="utf-8"?>
+<p:sld xmlns:a="http://schemas.openxmlformats.org/drawingml/2006/main" xmlns:r="http://schemas.openxmlformats.org/officeDocument/2006/relationships" xmlns:p="http://schemas.openxmlformats.org/presentationml/2006/main">
+  <p:cSld>
+    <p:spTree>
+      <p:nvGrpSpPr>
+        <p:cNvPr id="1" name=""/>
+        <p:cNvGrpSpPr/>
+        <p:nvPr/>
+      </p:nvGrpSpPr>
+      <p:grpSpPr>
+        <a:xfrm>
+          <a:off x="0" y="0"/>
+          <a:ext cx="0" cy="0"/>
+          <a:chOff x="0" y="0"/>
+          <a:chExt cx="0" cy="0"/>
+        </a:xfrm>
+      </p:grpSpPr>
+      <p:sp>
+        <p:nvSpPr>
+          <p:cNvPr id="2" name="Title 1">
+            <a:extLst>
+              <a:ext uri="{FF2B5EF4-FFF2-40B4-BE49-F238E27FC236}">
+                <a16:creationId xmlns:a16="http://schemas.microsoft.com/office/drawing/2014/main" id="{074FFC1A-FCD2-E2C5-2CC0-08BC2CF787BC}"/>
+              </a:ext>
+            </a:extLst>
+          </p:cNvPr>
+          <p:cNvSpPr>
+            <a:spLocks noGrp="1"/>
+          </p:cNvSpPr>
+          <p:nvPr>
+            <p:ph type="title"/>
+          </p:nvPr>
+        </p:nvSpPr>
+        <p:spPr>
+          <a:xfrm>
+            <a:off x="849759" y="895440"/>
+            <a:ext cx="10138451" cy="787445"/>
+          </a:xfrm>
+        </p:spPr>
+        <p:txBody>
+          <a:bodyPr>
+            <a:normAutofit fontScale="90000"/>
+          </a:bodyPr>
+          <a:lstStyle/>
+          <a:p>
+            <a:pPr algn="ctr"/>
+            <a:r>
+              <a:rPr lang="de-AT" dirty="0"/>
+              <a:t>Übersicht - Statistik</a:t>
+            </a:r>
+          </a:p>
+        </p:txBody>
+      </p:sp>
+      <p:sp>
+        <p:nvSpPr>
+          <p:cNvPr id="3" name="Rectangle: Rounded Corners 2">
+            <a:extLst>
+              <a:ext uri="{FF2B5EF4-FFF2-40B4-BE49-F238E27FC236}">
+                <a16:creationId xmlns:a16="http://schemas.microsoft.com/office/drawing/2014/main" id="{46B1F407-C9CC-C9FE-A092-C913866E1C31}"/>
+              </a:ext>
+            </a:extLst>
+          </p:cNvPr>
+          <p:cNvSpPr/>
+          <p:nvPr/>
+        </p:nvSpPr>
+        <p:spPr>
+          <a:xfrm>
+            <a:off x="2236903" y="2351531"/>
+            <a:ext cx="2086388" cy="787445"/>
+          </a:xfrm>
+          <a:prstGeom prst="roundRect">
+            <a:avLst/>
+          </a:prstGeom>
+          <a:solidFill>
+            <a:srgbClr val="00B0F0"/>
+          </a:solidFill>
+          <a:ln>
+            <a:noFill/>
+          </a:ln>
+        </p:spPr>
+        <p:style>
+          <a:lnRef idx="0">
+            <a:scrgbClr r="0" g="0" b="0"/>
+          </a:lnRef>
+          <a:fillRef idx="0">
+            <a:scrgbClr r="0" g="0" b="0"/>
+          </a:fillRef>
+          <a:effectRef idx="0">
+            <a:scrgbClr r="0" g="0" b="0"/>
+          </a:effectRef>
+          <a:fontRef idx="minor">
+            <a:schemeClr val="lt1"/>
+          </a:fontRef>
+        </p:style>
+        <p:txBody>
+          <a:bodyPr rtlCol="0" anchor="ctr"/>
+          <a:lstStyle/>
+          <a:p>
+            <a:pPr algn="ctr"/>
+            <a:r>
+              <a:rPr lang="de-AT" dirty="0"/>
+              <a:t>Fronius </a:t>
+            </a:r>
+            <a:r>
+              <a:rPr lang="de-AT" dirty="0" err="1"/>
+              <a:t>Api</a:t>
+            </a:r>
+            <a:endParaRPr lang="de-AT" dirty="0"/>
+          </a:p>
+          <a:p>
+            <a:pPr algn="ctr"/>
+            <a:r>
+              <a:rPr lang="de-AT" dirty="0"/>
+              <a:t>(Fake </a:t>
+            </a:r>
+            <a:r>
+              <a:rPr lang="de-AT" dirty="0" err="1"/>
+              <a:t>Json</a:t>
+            </a:r>
+            <a:r>
+              <a:rPr lang="de-AT" dirty="0"/>
+              <a:t> Server)</a:t>
+            </a:r>
+          </a:p>
+        </p:txBody>
+      </p:sp>
+      <p:sp>
+        <p:nvSpPr>
+          <p:cNvPr id="4" name="Rectangle: Rounded Corners 3">
+            <a:extLst>
+              <a:ext uri="{FF2B5EF4-FFF2-40B4-BE49-F238E27FC236}">
+                <a16:creationId xmlns:a16="http://schemas.microsoft.com/office/drawing/2014/main" id="{61072657-54E9-2DE5-1D95-B85D1D06FA13}"/>
+              </a:ext>
+            </a:extLst>
+          </p:cNvPr>
+          <p:cNvSpPr/>
+          <p:nvPr/>
+        </p:nvSpPr>
+        <p:spPr>
+          <a:xfrm>
+            <a:off x="2236903" y="4215694"/>
+            <a:ext cx="2086388" cy="787445"/>
+          </a:xfrm>
+          <a:prstGeom prst="roundRect">
+            <a:avLst/>
+          </a:prstGeom>
+          <a:solidFill>
+            <a:srgbClr val="00B0F0"/>
+          </a:solidFill>
+          <a:ln>
+            <a:noFill/>
+          </a:ln>
+        </p:spPr>
+        <p:style>
+          <a:lnRef idx="0">
+            <a:scrgbClr r="0" g="0" b="0"/>
+          </a:lnRef>
+          <a:fillRef idx="0">
+            <a:scrgbClr r="0" g="0" b="0"/>
+          </a:fillRef>
+          <a:effectRef idx="0">
+            <a:scrgbClr r="0" g="0" b="0"/>
+          </a:effectRef>
+          <a:fontRef idx="minor">
+            <a:schemeClr val="lt1"/>
+          </a:fontRef>
+        </p:style>
+        <p:txBody>
+          <a:bodyPr rtlCol="0" anchor="ctr"/>
+          <a:lstStyle/>
+          <a:p>
+            <a:pPr algn="ctr"/>
+            <a:r>
+              <a:rPr lang="de-AT" dirty="0" err="1"/>
+              <a:t>Quarkus</a:t>
+            </a:r>
+            <a:r>
+              <a:rPr lang="de-AT" dirty="0"/>
+              <a:t> Client</a:t>
+            </a:r>
+          </a:p>
+        </p:txBody>
+      </p:sp>
+      <p:sp>
+        <p:nvSpPr>
+          <p:cNvPr id="5" name="Rectangle: Rounded Corners 4">
+            <a:extLst>
+              <a:ext uri="{FF2B5EF4-FFF2-40B4-BE49-F238E27FC236}">
+                <a16:creationId xmlns:a16="http://schemas.microsoft.com/office/drawing/2014/main" id="{8243D965-C1AA-F169-4C3F-277D6D2BD3E3}"/>
+              </a:ext>
+            </a:extLst>
+          </p:cNvPr>
+          <p:cNvSpPr/>
+          <p:nvPr/>
+        </p:nvSpPr>
+        <p:spPr>
+          <a:xfrm>
+            <a:off x="4929084" y="4215694"/>
+            <a:ext cx="2086388" cy="787445"/>
+          </a:xfrm>
+          <a:prstGeom prst="roundRect">
+            <a:avLst/>
+          </a:prstGeom>
+          <a:solidFill>
+            <a:srgbClr val="00B0F0"/>
+          </a:solidFill>
+          <a:ln>
+            <a:noFill/>
+          </a:ln>
+        </p:spPr>
+        <p:style>
+          <a:lnRef idx="0">
+            <a:scrgbClr r="0" g="0" b="0"/>
+          </a:lnRef>
+          <a:fillRef idx="0">
+            <a:scrgbClr r="0" g="0" b="0"/>
+          </a:fillRef>
+          <a:effectRef idx="0">
+            <a:scrgbClr r="0" g="0" b="0"/>
+          </a:effectRef>
+          <a:fontRef idx="minor">
+            <a:schemeClr val="lt1"/>
+          </a:fontRef>
+        </p:style>
+        <p:txBody>
+          <a:bodyPr rtlCol="0" anchor="ctr"/>
+          <a:lstStyle/>
+          <a:p>
+            <a:pPr algn="ctr"/>
+            <a:r>
+              <a:rPr lang="de-AT" dirty="0" err="1"/>
+              <a:t>MySql</a:t>
+            </a:r>
+            <a:r>
+              <a:rPr lang="de-AT" dirty="0"/>
+              <a:t> - Docker</a:t>
+            </a:r>
+          </a:p>
+        </p:txBody>
+      </p:sp>
+      <p:sp>
+        <p:nvSpPr>
+          <p:cNvPr id="6" name="Rectangle: Rounded Corners 5">
+            <a:extLst>
+              <a:ext uri="{FF2B5EF4-FFF2-40B4-BE49-F238E27FC236}">
+                <a16:creationId xmlns:a16="http://schemas.microsoft.com/office/drawing/2014/main" id="{1EFA3662-E5DC-8695-C0B6-DC1B0F529126}"/>
+              </a:ext>
+            </a:extLst>
+          </p:cNvPr>
+          <p:cNvSpPr/>
+          <p:nvPr/>
+        </p:nvSpPr>
+        <p:spPr>
+          <a:xfrm>
+            <a:off x="4929084" y="2351530"/>
+            <a:ext cx="2086388" cy="787445"/>
+          </a:xfrm>
+          <a:prstGeom prst="roundRect">
+            <a:avLst/>
+          </a:prstGeom>
+          <a:solidFill>
+            <a:srgbClr val="00B0F0"/>
+          </a:solidFill>
+          <a:ln>
+            <a:noFill/>
+          </a:ln>
+        </p:spPr>
+        <p:style>
+          <a:lnRef idx="0">
+            <a:scrgbClr r="0" g="0" b="0"/>
+          </a:lnRef>
+          <a:fillRef idx="0">
+            <a:scrgbClr r="0" g="0" b="0"/>
+          </a:fillRef>
+          <a:effectRef idx="0">
+            <a:scrgbClr r="0" g="0" b="0"/>
+          </a:effectRef>
+          <a:fontRef idx="minor">
+            <a:schemeClr val="lt1"/>
+          </a:fontRef>
+        </p:style>
+        <p:txBody>
+          <a:bodyPr rtlCol="0" anchor="ctr"/>
+          <a:lstStyle/>
+          <a:p>
+            <a:pPr algn="ctr"/>
+            <a:r>
+              <a:rPr lang="de-AT" dirty="0" err="1"/>
+              <a:t>Grafana</a:t>
+            </a:r>
+            <a:r>
+              <a:rPr lang="de-AT" dirty="0"/>
+              <a:t> - Docker</a:t>
+            </a:r>
+          </a:p>
+        </p:txBody>
+      </p:sp>
+      <p:sp>
+        <p:nvSpPr>
+          <p:cNvPr id="7" name="Rectangle: Rounded Corners 6">
+            <a:extLst>
+              <a:ext uri="{FF2B5EF4-FFF2-40B4-BE49-F238E27FC236}">
+                <a16:creationId xmlns:a16="http://schemas.microsoft.com/office/drawing/2014/main" id="{B464C6BD-93BB-EA05-522C-FAE79ED6B9B9}"/>
+              </a:ext>
+            </a:extLst>
+          </p:cNvPr>
+          <p:cNvSpPr/>
+          <p:nvPr/>
+        </p:nvSpPr>
+        <p:spPr>
+          <a:xfrm>
+            <a:off x="7589601" y="2351529"/>
+            <a:ext cx="2086388" cy="787445"/>
+          </a:xfrm>
+          <a:prstGeom prst="roundRect">
+            <a:avLst/>
+          </a:prstGeom>
+          <a:solidFill>
+            <a:srgbClr val="00B0F0"/>
+          </a:solidFill>
+          <a:ln>
+            <a:noFill/>
+          </a:ln>
+        </p:spPr>
+        <p:style>
+          <a:lnRef idx="0">
+            <a:scrgbClr r="0" g="0" b="0"/>
+          </a:lnRef>
+          <a:fillRef idx="0">
+            <a:scrgbClr r="0" g="0" b="0"/>
+          </a:fillRef>
+          <a:effectRef idx="0">
+            <a:scrgbClr r="0" g="0" b="0"/>
+          </a:effectRef>
+          <a:fontRef idx="minor">
+            <a:schemeClr val="lt1"/>
+          </a:fontRef>
+        </p:style>
+        <p:txBody>
+          <a:bodyPr rtlCol="0" anchor="ctr"/>
+          <a:lstStyle/>
+          <a:p>
+            <a:pPr algn="ctr"/>
+            <a:r>
+              <a:rPr lang="de-AT" dirty="0"/>
+              <a:t>Hugo Website</a:t>
+            </a:r>
+          </a:p>
+        </p:txBody>
+      </p:sp>
+      <p:cxnSp>
+        <p:nvCxnSpPr>
+          <p:cNvPr id="9" name="Straight Arrow Connector 8">
+            <a:extLst>
+              <a:ext uri="{FF2B5EF4-FFF2-40B4-BE49-F238E27FC236}">
+                <a16:creationId xmlns:a16="http://schemas.microsoft.com/office/drawing/2014/main" id="{609035B5-162A-F666-28F1-1C6B32B7CC7D}"/>
+              </a:ext>
+            </a:extLst>
+          </p:cNvPr>
+          <p:cNvCxnSpPr>
+            <a:stCxn id="4" idx="0"/>
+            <a:endCxn id="3" idx="2"/>
+          </p:cNvCxnSpPr>
+          <p:nvPr/>
+        </p:nvCxnSpPr>
+        <p:spPr>
+          <a:xfrm flipV="1">
+            <a:off x="3280097" y="3138976"/>
+            <a:ext cx="0" cy="1076718"/>
+          </a:xfrm>
+          <a:prstGeom prst="straightConnector1">
+            <a:avLst/>
+          </a:prstGeom>
+          <a:ln>
+            <a:solidFill>
+              <a:srgbClr val="00B0F0"/>
+            </a:solidFill>
+            <a:headEnd type="triangle"/>
+            <a:tailEnd type="triangle"/>
+          </a:ln>
+        </p:spPr>
+        <p:style>
+          <a:lnRef idx="1">
+            <a:schemeClr val="accent1"/>
+          </a:lnRef>
+          <a:fillRef idx="0">
+            <a:schemeClr val="accent1"/>
+          </a:fillRef>
+          <a:effectRef idx="0">
+            <a:schemeClr val="accent1"/>
+          </a:effectRef>
+          <a:fontRef idx="minor">
+            <a:schemeClr val="tx1"/>
+          </a:fontRef>
+        </p:style>
+      </p:cxnSp>
+      <p:cxnSp>
+        <p:nvCxnSpPr>
+          <p:cNvPr id="14" name="Straight Arrow Connector 13">
+            <a:extLst>
+              <a:ext uri="{FF2B5EF4-FFF2-40B4-BE49-F238E27FC236}">
+                <a16:creationId xmlns:a16="http://schemas.microsoft.com/office/drawing/2014/main" id="{392E9B0A-FDC4-E14C-465C-C9EF74AF3963}"/>
+              </a:ext>
+            </a:extLst>
+          </p:cNvPr>
+          <p:cNvCxnSpPr>
+            <a:stCxn id="4" idx="3"/>
+            <a:endCxn id="5" idx="1"/>
+          </p:cNvCxnSpPr>
+          <p:nvPr/>
+        </p:nvCxnSpPr>
+        <p:spPr>
+          <a:xfrm>
+            <a:off x="4323291" y="4609417"/>
+            <a:ext cx="605793" cy="0"/>
+          </a:xfrm>
+          <a:prstGeom prst="straightConnector1">
+            <a:avLst/>
+          </a:prstGeom>
+          <a:ln>
+            <a:solidFill>
+              <a:srgbClr val="00B0F0"/>
+            </a:solidFill>
+            <a:tailEnd type="triangle"/>
+          </a:ln>
+        </p:spPr>
+        <p:style>
+          <a:lnRef idx="1">
+            <a:schemeClr val="accent1"/>
+          </a:lnRef>
+          <a:fillRef idx="0">
+            <a:schemeClr val="accent1"/>
+          </a:fillRef>
+          <a:effectRef idx="0">
+            <a:schemeClr val="accent1"/>
+          </a:effectRef>
+          <a:fontRef idx="minor">
+            <a:schemeClr val="tx1"/>
+          </a:fontRef>
+        </p:style>
+      </p:cxnSp>
+      <p:cxnSp>
+        <p:nvCxnSpPr>
+          <p:cNvPr id="20" name="Straight Arrow Connector 19">
+            <a:extLst>
+              <a:ext uri="{FF2B5EF4-FFF2-40B4-BE49-F238E27FC236}">
+                <a16:creationId xmlns:a16="http://schemas.microsoft.com/office/drawing/2014/main" id="{4628E258-BF93-8108-BDB6-AED445E600F0}"/>
+              </a:ext>
+            </a:extLst>
+          </p:cNvPr>
+          <p:cNvCxnSpPr>
+            <a:cxnSpLocks/>
+            <a:stCxn id="7" idx="1"/>
+            <a:endCxn id="6" idx="3"/>
+          </p:cNvCxnSpPr>
+          <p:nvPr/>
+        </p:nvCxnSpPr>
+        <p:spPr>
+          <a:xfrm flipH="1">
+            <a:off x="7015472" y="2745252"/>
+            <a:ext cx="574129" cy="1"/>
+          </a:xfrm>
+          <a:prstGeom prst="straightConnector1">
+            <a:avLst/>
+          </a:prstGeom>
+          <a:ln>
+            <a:solidFill>
+              <a:srgbClr val="00B0F0"/>
+            </a:solidFill>
+            <a:tailEnd type="triangle"/>
+          </a:ln>
+        </p:spPr>
+        <p:style>
+          <a:lnRef idx="1">
+            <a:schemeClr val="accent1"/>
+          </a:lnRef>
+          <a:fillRef idx="0">
+            <a:schemeClr val="accent1"/>
+          </a:fillRef>
+          <a:effectRef idx="0">
+            <a:schemeClr val="accent1"/>
+          </a:effectRef>
+          <a:fontRef idx="minor">
+            <a:schemeClr val="tx1"/>
+          </a:fontRef>
+        </p:style>
+      </p:cxnSp>
+      <p:sp>
+        <p:nvSpPr>
+          <p:cNvPr id="8" name="Rectangle 7">
+            <a:extLst>
+              <a:ext uri="{FF2B5EF4-FFF2-40B4-BE49-F238E27FC236}">
+                <a16:creationId xmlns:a16="http://schemas.microsoft.com/office/drawing/2014/main" id="{0675AA04-AA63-A9E0-931C-99AFC25FF023}"/>
+              </a:ext>
+            </a:extLst>
+          </p:cNvPr>
+          <p:cNvSpPr/>
+          <p:nvPr/>
+        </p:nvSpPr>
+        <p:spPr>
+          <a:xfrm>
+            <a:off x="7733694" y="1974213"/>
+            <a:ext cx="1798202" cy="352338"/>
+          </a:xfrm>
+          <a:prstGeom prst="rect">
+            <a:avLst/>
+          </a:prstGeom>
+          <a:noFill/>
+          <a:ln>
+            <a:noFill/>
+          </a:ln>
+        </p:spPr>
+        <p:style>
+          <a:lnRef idx="2">
+            <a:schemeClr val="accent1">
+              <a:shade val="50000"/>
+            </a:schemeClr>
+          </a:lnRef>
+          <a:fillRef idx="1">
+            <a:schemeClr val="accent1"/>
+          </a:fillRef>
+          <a:effectRef idx="0">
+            <a:schemeClr val="accent1"/>
+          </a:effectRef>
+          <a:fontRef idx="minor">
+            <a:schemeClr val="lt1"/>
+          </a:fontRef>
+        </p:style>
+        <p:txBody>
+          <a:bodyPr rtlCol="0" anchor="ctr"/>
+          <a:lstStyle/>
+          <a:p>
+            <a:pPr algn="ctr"/>
+            <a:r>
               <a:rPr lang="de-AT" sz="1600" dirty="0" err="1"/>
               <a:t>Get</a:t>
             </a:r>
             <a:r>
               <a:rPr lang="de-AT" sz="1600" dirty="0"/>
-              <a:t> Data</a:t>
-            </a:r>
-          </a:p>
-        </p:txBody>
-      </p:sp>
+              <a:t> </a:t>
+            </a:r>
+            <a:r>
+              <a:rPr lang="de-AT" sz="1600" dirty="0" err="1"/>
+              <a:t>Diagram</a:t>
+            </a:r>
+            <a:endParaRPr lang="de-AT" sz="1600" dirty="0"/>
+          </a:p>
+        </p:txBody>
+      </p:sp>
+      <p:cxnSp>
+        <p:nvCxnSpPr>
+          <p:cNvPr id="10" name="Straight Arrow Connector 9">
+            <a:extLst>
+              <a:ext uri="{FF2B5EF4-FFF2-40B4-BE49-F238E27FC236}">
+                <a16:creationId xmlns:a16="http://schemas.microsoft.com/office/drawing/2014/main" id="{2CC59057-7D7A-C409-5F94-14AA88AB1F17}"/>
+              </a:ext>
+            </a:extLst>
+          </p:cNvPr>
+          <p:cNvCxnSpPr/>
+          <p:nvPr/>
+        </p:nvCxnSpPr>
+        <p:spPr>
+          <a:xfrm flipV="1">
+            <a:off x="5974361" y="3138976"/>
+            <a:ext cx="0" cy="1076718"/>
+          </a:xfrm>
+          <a:prstGeom prst="straightConnector1">
+            <a:avLst/>
+          </a:prstGeom>
+          <a:ln>
+            <a:solidFill>
+              <a:srgbClr val="00B0F0"/>
+            </a:solidFill>
+            <a:headEnd type="triangle"/>
+            <a:tailEnd type="triangle"/>
+          </a:ln>
+        </p:spPr>
+        <p:style>
+          <a:lnRef idx="1">
+            <a:schemeClr val="accent1"/>
+          </a:lnRef>
+          <a:fillRef idx="0">
+            <a:schemeClr val="accent1"/>
+          </a:fillRef>
+          <a:effectRef idx="0">
+            <a:schemeClr val="accent1"/>
+          </a:effectRef>
+          <a:fontRef idx="minor">
+            <a:schemeClr val="tx1"/>
+          </a:fontRef>
+        </p:style>
+      </p:cxnSp>
     </p:spTree>
     <p:extLst>
       <p:ext uri="{BB962C8B-B14F-4D97-AF65-F5344CB8AC3E}">
@@ -9056,450 +10514,6 @@
       </p:par>
     </p:tnLst>
   </p:timing>
-</p:sld>
-</file>
-
-<file path=ppt/slides/slide8.xml><?xml version="1.0" encoding="utf-8"?>
-<p:sld xmlns:a="http://schemas.openxmlformats.org/drawingml/2006/main" xmlns:r="http://schemas.openxmlformats.org/officeDocument/2006/relationships" xmlns:p="http://schemas.openxmlformats.org/presentationml/2006/main">
-  <p:cSld>
-    <p:spTree>
-      <p:nvGrpSpPr>
-        <p:cNvPr id="1" name=""/>
-        <p:cNvGrpSpPr/>
-        <p:nvPr/>
-      </p:nvGrpSpPr>
-      <p:grpSpPr>
-        <a:xfrm>
-          <a:off x="0" y="0"/>
-          <a:ext cx="0" cy="0"/>
-          <a:chOff x="0" y="0"/>
-          <a:chExt cx="0" cy="0"/>
-        </a:xfrm>
-      </p:grpSpPr>
-      <p:sp>
-        <p:nvSpPr>
-          <p:cNvPr id="2" name="Title 1">
-            <a:extLst>
-              <a:ext uri="{FF2B5EF4-FFF2-40B4-BE49-F238E27FC236}">
-                <a16:creationId xmlns:a16="http://schemas.microsoft.com/office/drawing/2014/main" id="{C9361943-AA44-2CC6-A0B4-64C5DA3BB7F2}"/>
-              </a:ext>
-            </a:extLst>
-          </p:cNvPr>
-          <p:cNvSpPr>
-            <a:spLocks noGrp="1"/>
-          </p:cNvSpPr>
-          <p:nvPr>
-            <p:ph type="title"/>
-          </p:nvPr>
-        </p:nvSpPr>
-        <p:spPr>
-          <a:xfrm>
-            <a:off x="1026774" y="2512825"/>
-            <a:ext cx="10138451" cy="1832349"/>
-          </a:xfrm>
-        </p:spPr>
-        <p:txBody>
-          <a:bodyPr/>
-          <a:lstStyle/>
-          <a:p>
-            <a:pPr algn="ctr"/>
-            <a:r>
-              <a:rPr lang="de-AT" dirty="0"/>
-              <a:t>Fronius API (Fake </a:t>
-            </a:r>
-            <a:r>
-              <a:rPr lang="de-AT" dirty="0" err="1"/>
-              <a:t>Json</a:t>
-            </a:r>
-            <a:r>
-              <a:rPr lang="de-AT" dirty="0"/>
-              <a:t> API)</a:t>
-            </a:r>
-          </a:p>
-        </p:txBody>
-      </p:sp>
-    </p:spTree>
-    <p:extLst>
-      <p:ext uri="{BB962C8B-B14F-4D97-AF65-F5344CB8AC3E}">
-        <p14:creationId xmlns:p14="http://schemas.microsoft.com/office/powerpoint/2010/main" val="4259956042"/>
-      </p:ext>
-    </p:extLst>
-  </p:cSld>
-  <p:clrMapOvr>
-    <a:masterClrMapping/>
-  </p:clrMapOvr>
-</p:sld>
-</file>
-
-<file path=ppt/slides/slide9.xml><?xml version="1.0" encoding="utf-8"?>
-<p:sld xmlns:a="http://schemas.openxmlformats.org/drawingml/2006/main" xmlns:r="http://schemas.openxmlformats.org/officeDocument/2006/relationships" xmlns:p="http://schemas.openxmlformats.org/presentationml/2006/main">
-  <p:cSld>
-    <p:bg>
-      <p:bgPr>
-        <a:solidFill>
-          <a:schemeClr val="bg2"/>
-        </a:solidFill>
-        <a:effectLst/>
-      </p:bgPr>
-    </p:bg>
-    <p:spTree>
-      <p:nvGrpSpPr>
-        <p:cNvPr id="1" name=""/>
-        <p:cNvGrpSpPr/>
-        <p:nvPr/>
-      </p:nvGrpSpPr>
-      <p:grpSpPr>
-        <a:xfrm>
-          <a:off x="0" y="0"/>
-          <a:ext cx="0" cy="0"/>
-          <a:chOff x="0" y="0"/>
-          <a:chExt cx="0" cy="0"/>
-        </a:xfrm>
-      </p:grpSpPr>
-      <p:cxnSp>
-        <p:nvCxnSpPr>
-          <p:cNvPr id="11" name="Straight Connector 10">
-            <a:extLst>
-              <a:ext uri="{FF2B5EF4-FFF2-40B4-BE49-F238E27FC236}">
-                <a16:creationId xmlns:a16="http://schemas.microsoft.com/office/drawing/2014/main" id="{EAD4CCDA-06BF-4D2A-B44F-195AEC0B5B22}"/>
-              </a:ext>
-              <a:ext uri="{C183D7F6-B498-43B3-948B-1728B52AA6E4}">
-                <adec:decorative xmlns:adec="http://schemas.microsoft.com/office/drawing/2017/decorative" val="1"/>
-              </a:ext>
-            </a:extLst>
-          </p:cNvPr>
-          <p:cNvCxnSpPr>
-            <a:cxnSpLocks noGrp="1" noRot="1" noChangeAspect="1" noMove="1" noResize="1" noEditPoints="1" noAdjustHandles="1" noChangeArrowheads="1" noChangeShapeType="1"/>
-          </p:cNvCxnSpPr>
-          <p:nvPr>
-            <p:extLst>
-              <p:ext uri="{386F3935-93C4-4BCD-93E2-E3B085C9AB24}">
-                <p16:designElem xmlns:p16="http://schemas.microsoft.com/office/powerpoint/2015/main" val="1"/>
-              </p:ext>
-            </p:extLst>
-          </p:nvPr>
-        </p:nvCxnSpPr>
-        <p:spPr>
-          <a:xfrm>
-            <a:off x="952498" y="6252722"/>
-            <a:ext cx="10325101" cy="0"/>
-          </a:xfrm>
-          <a:prstGeom prst="line">
-            <a:avLst/>
-          </a:prstGeom>
-          <a:ln w="10795">
-            <a:solidFill>
-              <a:schemeClr val="tx2"/>
-            </a:solidFill>
-          </a:ln>
-        </p:spPr>
-        <p:style>
-          <a:lnRef idx="1">
-            <a:schemeClr val="accent1"/>
-          </a:lnRef>
-          <a:fillRef idx="0">
-            <a:schemeClr val="accent1"/>
-          </a:fillRef>
-          <a:effectRef idx="0">
-            <a:schemeClr val="accent1"/>
-          </a:effectRef>
-          <a:fontRef idx="minor">
-            <a:schemeClr val="tx1"/>
-          </a:fontRef>
-        </p:style>
-      </p:cxnSp>
-      <p:sp useBgFill="1">
-        <p:nvSpPr>
-          <p:cNvPr id="13" name="Rectangle 12">
-            <a:extLst>
-              <a:ext uri="{FF2B5EF4-FFF2-40B4-BE49-F238E27FC236}">
-                <a16:creationId xmlns:a16="http://schemas.microsoft.com/office/drawing/2014/main" id="{BF02845A-8571-40C5-9F56-8F9B3F7C4E4C}"/>
-              </a:ext>
-              <a:ext uri="{C183D7F6-B498-43B3-948B-1728B52AA6E4}">
-                <adec:decorative xmlns:adec="http://schemas.microsoft.com/office/drawing/2017/decorative" val="1"/>
-              </a:ext>
-            </a:extLst>
-          </p:cNvPr>
-          <p:cNvSpPr>
-            <a:spLocks noGrp="1" noRot="1" noChangeAspect="1" noMove="1" noResize="1" noEditPoints="1" noAdjustHandles="1" noChangeArrowheads="1" noChangeShapeType="1" noTextEdit="1"/>
-          </p:cNvSpPr>
-          <p:nvPr>
-            <p:extLst>
-              <p:ext uri="{386F3935-93C4-4BCD-93E2-E3B085C9AB24}">
-                <p16:designElem xmlns:p16="http://schemas.microsoft.com/office/powerpoint/2015/main" val="1"/>
-              </p:ext>
-            </p:extLst>
-          </p:nvPr>
-        </p:nvSpPr>
-        <p:spPr>
-          <a:xfrm>
-            <a:off x="0" y="0"/>
-            <a:ext cx="12192000" cy="6858000"/>
-          </a:xfrm>
-          <a:prstGeom prst="rect">
-            <a:avLst/>
-          </a:prstGeom>
-          <a:ln w="12700" cap="flat" cmpd="sng" algn="ctr">
-            <a:noFill/>
-            <a:prstDash val="solid"/>
-            <a:miter lim="800000"/>
-          </a:ln>
-          <a:effectLst/>
-          <a:extLst>
-            <a:ext uri="{91240B29-F687-4F45-9708-019B960494DF}">
-              <a14:hiddenLine xmlns:a14="http://schemas.microsoft.com/office/drawing/2010/main" w="12700" cap="flat" cmpd="sng" algn="ctr">
-                <a:solidFill>
-                  <a:schemeClr val="accent1">
-                    <a:shade val="50000"/>
-                  </a:schemeClr>
-                </a:solidFill>
-                <a:prstDash val="solid"/>
-                <a:miter lim="800000"/>
-              </a14:hiddenLine>
-            </a:ext>
-          </a:extLst>
-        </p:spPr>
-        <p:style>
-          <a:lnRef idx="2">
-            <a:schemeClr val="accent1">
-              <a:shade val="50000"/>
-            </a:schemeClr>
-          </a:lnRef>
-          <a:fillRef idx="1">
-            <a:schemeClr val="accent1"/>
-          </a:fillRef>
-          <a:effectRef idx="0">
-            <a:schemeClr val="accent1"/>
-          </a:effectRef>
-          <a:fontRef idx="minor">
-            <a:schemeClr val="lt1"/>
-          </a:fontRef>
-        </p:style>
-        <p:txBody>
-          <a:bodyPr rtlCol="0" anchor="ctr"/>
-          <a:lstStyle/>
-          <a:p>
-            <a:pPr algn="ctr"/>
-            <a:endParaRPr lang="en-US"/>
-          </a:p>
-        </p:txBody>
-      </p:sp>
-      <p:sp>
-        <p:nvSpPr>
-          <p:cNvPr id="2" name="Title 1">
-            <a:extLst>
-              <a:ext uri="{FF2B5EF4-FFF2-40B4-BE49-F238E27FC236}">
-                <a16:creationId xmlns:a16="http://schemas.microsoft.com/office/drawing/2014/main" id="{935206F8-01A1-D9B6-F6B1-E9E641773BAD}"/>
-              </a:ext>
-            </a:extLst>
-          </p:cNvPr>
-          <p:cNvSpPr>
-            <a:spLocks noGrp="1"/>
-          </p:cNvSpPr>
-          <p:nvPr>
-            <p:ph type="title"/>
-          </p:nvPr>
-        </p:nvSpPr>
-        <p:spPr>
-          <a:xfrm>
-            <a:off x="5152238" y="895440"/>
-            <a:ext cx="6125361" cy="1560083"/>
-          </a:xfrm>
-        </p:spPr>
-        <p:txBody>
-          <a:bodyPr vert="horz" lIns="91440" tIns="45720" rIns="91440" bIns="45720" rtlCol="0" anchor="b">
-            <a:normAutofit/>
-          </a:bodyPr>
-          <a:lstStyle/>
-          <a:p>
-            <a:r>
-              <a:rPr lang="en-US" kern="1200">
-                <a:solidFill>
-                  <a:schemeClr val="tx2"/>
-                </a:solidFill>
-                <a:latin typeface="+mj-lt"/>
-                <a:ea typeface="+mj-ea"/>
-                <a:cs typeface="+mj-cs"/>
-              </a:rPr>
-              <a:t>Fronius API -&gt; Json File</a:t>
-            </a:r>
-          </a:p>
-        </p:txBody>
-      </p:sp>
-      <p:pic>
-        <p:nvPicPr>
-          <p:cNvPr id="6" name="Content Placeholder 5">
-            <a:extLst>
-              <a:ext uri="{FF2B5EF4-FFF2-40B4-BE49-F238E27FC236}">
-                <a16:creationId xmlns:a16="http://schemas.microsoft.com/office/drawing/2014/main" id="{D460DE45-ACA4-C8F3-058E-6D8262923619}"/>
-              </a:ext>
-            </a:extLst>
-          </p:cNvPr>
-          <p:cNvPicPr>
-            <a:picLocks noGrp="1" noChangeAspect="1"/>
-          </p:cNvPicPr>
-          <p:nvPr>
-            <p:ph sz="half" idx="1"/>
-          </p:nvPr>
-        </p:nvPicPr>
-        <p:blipFill rotWithShape="1">
-          <a:blip r:embed="rId2"/>
-          <a:srcRect r="324" b="4"/>
-          <a:stretch/>
-        </p:blipFill>
-        <p:spPr>
-          <a:xfrm>
-            <a:off x="1" y="-16591"/>
-            <a:ext cx="4610100" cy="6874591"/>
-          </a:xfrm>
-          <a:prstGeom prst="rect">
-            <a:avLst/>
-          </a:prstGeom>
-        </p:spPr>
-      </p:pic>
-      <p:cxnSp>
-        <p:nvCxnSpPr>
-          <p:cNvPr id="15" name="Straight Connector 14">
-            <a:extLst>
-              <a:ext uri="{FF2B5EF4-FFF2-40B4-BE49-F238E27FC236}">
-                <a16:creationId xmlns:a16="http://schemas.microsoft.com/office/drawing/2014/main" id="{F30BB598-81B4-41BB-BC44-CD9C29AE2EAB}"/>
-              </a:ext>
-              <a:ext uri="{C183D7F6-B498-43B3-948B-1728B52AA6E4}">
-                <adec:decorative xmlns:adec="http://schemas.microsoft.com/office/drawing/2017/decorative" val="1"/>
-              </a:ext>
-            </a:extLst>
-          </p:cNvPr>
-          <p:cNvCxnSpPr>
-            <a:cxnSpLocks noGrp="1" noRot="1" noChangeAspect="1" noMove="1" noResize="1" noEditPoints="1" noAdjustHandles="1" noChangeArrowheads="1" noChangeShapeType="1"/>
-          </p:cNvCxnSpPr>
-          <p:nvPr>
-            <p:extLst>
-              <p:ext uri="{386F3935-93C4-4BCD-93E2-E3B085C9AB24}">
-                <p16:designElem xmlns:p16="http://schemas.microsoft.com/office/powerpoint/2015/main" val="1"/>
-              </p:ext>
-            </p:extLst>
-          </p:nvPr>
-        </p:nvCxnSpPr>
-        <p:spPr>
-          <a:xfrm>
-            <a:off x="5340145" y="2871627"/>
-            <a:ext cx="0" cy="3186701"/>
-          </a:xfrm>
-          <a:prstGeom prst="line">
-            <a:avLst/>
-          </a:prstGeom>
-          <a:ln w="10795">
-            <a:solidFill>
-              <a:schemeClr val="tx2"/>
-            </a:solidFill>
-          </a:ln>
-        </p:spPr>
-        <p:style>
-          <a:lnRef idx="1">
-            <a:schemeClr val="accent1"/>
-          </a:lnRef>
-          <a:fillRef idx="0">
-            <a:schemeClr val="accent1"/>
-          </a:fillRef>
-          <a:effectRef idx="0">
-            <a:schemeClr val="accent1"/>
-          </a:effectRef>
-          <a:fontRef idx="minor">
-            <a:schemeClr val="tx1"/>
-          </a:fontRef>
-        </p:style>
-      </p:cxnSp>
-      <p:sp>
-        <p:nvSpPr>
-          <p:cNvPr id="4" name="Content Placeholder 3">
-            <a:extLst>
-              <a:ext uri="{FF2B5EF4-FFF2-40B4-BE49-F238E27FC236}">
-                <a16:creationId xmlns:a16="http://schemas.microsoft.com/office/drawing/2014/main" id="{5ACF29D7-7893-13E6-5A7C-8484E762D3A4}"/>
-              </a:ext>
-            </a:extLst>
-          </p:cNvPr>
-          <p:cNvSpPr>
-            <a:spLocks noGrp="1"/>
-          </p:cNvSpPr>
-          <p:nvPr>
-            <p:ph sz="half" idx="2"/>
-          </p:nvPr>
-        </p:nvSpPr>
-        <p:spPr>
-          <a:xfrm>
-            <a:off x="5974717" y="2753546"/>
-            <a:ext cx="5302882" cy="3494854"/>
-          </a:xfrm>
-        </p:spPr>
-        <p:txBody>
-          <a:bodyPr vert="horz" lIns="91440" tIns="45720" rIns="91440" bIns="45720" rtlCol="0" anchor="t">
-            <a:normAutofit/>
-          </a:bodyPr>
-          <a:lstStyle/>
-          <a:p>
-            <a:r>
-              <a:rPr lang="de-DE" b="1" dirty="0" err="1"/>
-              <a:t>Energyflow</a:t>
-            </a:r>
-            <a:r>
-              <a:rPr lang="de-DE" dirty="0"/>
-              <a:t> -&gt; Name von File</a:t>
-            </a:r>
-          </a:p>
-          <a:p>
-            <a:r>
-              <a:rPr lang="de-DE" dirty="0"/>
-              <a:t>date -&gt; Datum</a:t>
-            </a:r>
-          </a:p>
-          <a:p>
-            <a:r>
-              <a:rPr lang="de-DE" dirty="0" err="1"/>
-              <a:t>state</a:t>
-            </a:r>
-            <a:r>
-              <a:rPr lang="de-DE" dirty="0"/>
-              <a:t> -&gt; 1 API Eingeschalten | 0 Ausgeschalten</a:t>
-            </a:r>
-          </a:p>
-          <a:p>
-            <a:r>
-              <a:rPr lang="de-DE" b="1" dirty="0" err="1"/>
-              <a:t>PvPower</a:t>
-            </a:r>
-            <a:r>
-              <a:rPr lang="de-DE" dirty="0"/>
-              <a:t> -&gt; Daten</a:t>
-            </a:r>
-          </a:p>
-          <a:p>
-            <a:r>
-              <a:rPr lang="de-DE" dirty="0"/>
-              <a:t>title -&gt; Name vom Gerät</a:t>
-            </a:r>
-          </a:p>
-          <a:p>
-            <a:r>
-              <a:rPr lang="de-DE" dirty="0" err="1"/>
-              <a:t>value</a:t>
-            </a:r>
-            <a:r>
-              <a:rPr lang="de-DE" dirty="0"/>
-              <a:t> -&gt; Watt Wert</a:t>
-            </a:r>
-          </a:p>
-        </p:txBody>
-      </p:sp>
-    </p:spTree>
-    <p:extLst>
-      <p:ext uri="{BB962C8B-B14F-4D97-AF65-F5344CB8AC3E}">
-        <p14:creationId xmlns:p14="http://schemas.microsoft.com/office/powerpoint/2010/main" val="2305878695"/>
-      </p:ext>
-    </p:extLst>
-  </p:cSld>
-  <p:clrMapOvr>
-    <a:masterClrMapping/>
-  </p:clrMapOvr>
 </p:sld>
 </file>
 

--- a/Documents/PVV-Visualizer.pptx
+++ b/Documents/PVV-Visualizer.pptx
@@ -22,7 +22,6 @@
     <p:sldId id="298" r:id="rId16"/>
     <p:sldId id="299" r:id="rId17"/>
     <p:sldId id="300" r:id="rId18"/>
-    <p:sldId id="301" r:id="rId19"/>
   </p:sldIdLst>
   <p:sldSz cx="12192000" cy="6858000"/>
   <p:notesSz cx="6858000" cy="9144000"/>
@@ -143,7 +142,6 @@
             <p14:sldId id="298"/>
             <p14:sldId id="299"/>
             <p14:sldId id="300"/>
-            <p14:sldId id="301"/>
           </p14:sldIdLst>
         </p14:section>
       </p14:sectionLst>
@@ -158,7 +156,7 @@
 <file path=ppt/revisionInfo.xml><?xml version="1.0" encoding="utf-8"?>
 <p1510:revInfo xmlns:a="http://schemas.openxmlformats.org/drawingml/2006/main" xmlns:r="http://schemas.openxmlformats.org/officeDocument/2006/relationships" xmlns:p1510="http://schemas.microsoft.com/office/powerpoint/2015/10/main">
   <p1510:revLst>
-    <p1510:client id="{AB865978-72DF-4393-BA79-AF447691D77D}" v="617" dt="2022-11-25T15:02:28.339"/>
+    <p1510:client id="{791C457C-DB6C-4FD1-9AF4-07D803CE15F9}" v="1" dt="2023-01-26T14:14:00.128"/>
   </p1510:revLst>
 </p1510:revInfo>
 </file>
@@ -2375,6 +2373,116 @@
       </pc:sldChg>
     </pc:docChg>
   </pc:docChgLst>
+  <pc:docChgLst>
+    <pc:chgData name="Antonio Peric" userId="68157115d40ac8e2" providerId="LiveId" clId="{791C457C-DB6C-4FD1-9AF4-07D803CE15F9}"/>
+    <pc:docChg chg="undo custSel delSld modSld modSection">
+      <pc:chgData name="Antonio Peric" userId="68157115d40ac8e2" providerId="LiveId" clId="{791C457C-DB6C-4FD1-9AF4-07D803CE15F9}" dt="2023-01-26T14:16:26.449" v="14" actId="1076"/>
+      <pc:docMkLst>
+        <pc:docMk/>
+      </pc:docMkLst>
+      <pc:sldChg chg="addSp delSp modSp mod setBg">
+        <pc:chgData name="Antonio Peric" userId="68157115d40ac8e2" providerId="LiveId" clId="{791C457C-DB6C-4FD1-9AF4-07D803CE15F9}" dt="2023-01-26T14:16:26.449" v="14" actId="1076"/>
+        <pc:sldMkLst>
+          <pc:docMk/>
+          <pc:sldMk cId="155697871" sldId="296"/>
+        </pc:sldMkLst>
+        <pc:spChg chg="mod ord">
+          <ac:chgData name="Antonio Peric" userId="68157115d40ac8e2" providerId="LiveId" clId="{791C457C-DB6C-4FD1-9AF4-07D803CE15F9}" dt="2023-01-26T14:16:21.247" v="12" actId="26606"/>
+          <ac:spMkLst>
+            <pc:docMk/>
+            <pc:sldMk cId="155697871" sldId="296"/>
+            <ac:spMk id="8" creationId="{9FCDBDDB-CCC3-B34F-29AB-99F1E81F4985}"/>
+          </ac:spMkLst>
+        </pc:spChg>
+        <pc:spChg chg="add del">
+          <ac:chgData name="Antonio Peric" userId="68157115d40ac8e2" providerId="LiveId" clId="{791C457C-DB6C-4FD1-9AF4-07D803CE15F9}" dt="2023-01-26T14:16:21.247" v="12" actId="26606"/>
+          <ac:spMkLst>
+            <pc:docMk/>
+            <pc:sldMk cId="155697871" sldId="296"/>
+            <ac:spMk id="11" creationId="{3CECA2BE-0443-493F-9413-FC132026C29F}"/>
+          </ac:spMkLst>
+        </pc:spChg>
+        <pc:spChg chg="add del">
+          <ac:chgData name="Antonio Peric" userId="68157115d40ac8e2" providerId="LiveId" clId="{791C457C-DB6C-4FD1-9AF4-07D803CE15F9}" dt="2023-01-26T14:16:21.247" v="12" actId="26606"/>
+          <ac:spMkLst>
+            <pc:docMk/>
+            <pc:sldMk cId="155697871" sldId="296"/>
+            <ac:spMk id="12" creationId="{57C3041F-18C8-4A3F-BB74-556AD2101858}"/>
+          </ac:spMkLst>
+        </pc:spChg>
+        <pc:spChg chg="add del">
+          <ac:chgData name="Antonio Peric" userId="68157115d40ac8e2" providerId="LiveId" clId="{791C457C-DB6C-4FD1-9AF4-07D803CE15F9}" dt="2023-01-26T14:16:21.247" v="12" actId="26606"/>
+          <ac:spMkLst>
+            <pc:docMk/>
+            <pc:sldMk cId="155697871" sldId="296"/>
+            <ac:spMk id="14" creationId="{72B28B90-B579-47ED-A625-BAD03AE6C0E5}"/>
+          </ac:spMkLst>
+        </pc:spChg>
+        <pc:picChg chg="add mod ord">
+          <ac:chgData name="Antonio Peric" userId="68157115d40ac8e2" providerId="LiveId" clId="{791C457C-DB6C-4FD1-9AF4-07D803CE15F9}" dt="2023-01-26T14:16:26.449" v="14" actId="1076"/>
+          <ac:picMkLst>
+            <pc:docMk/>
+            <pc:sldMk cId="155697871" sldId="296"/>
+            <ac:picMk id="3" creationId="{DE823BE1-B315-B841-9B0C-8779D3318B35}"/>
+          </ac:picMkLst>
+        </pc:picChg>
+        <pc:picChg chg="del">
+          <ac:chgData name="Antonio Peric" userId="68157115d40ac8e2" providerId="LiveId" clId="{791C457C-DB6C-4FD1-9AF4-07D803CE15F9}" dt="2023-01-26T14:15:19.959" v="9" actId="478"/>
+          <ac:picMkLst>
+            <pc:docMk/>
+            <pc:sldMk cId="155697871" sldId="296"/>
+            <ac:picMk id="7" creationId="{9E46624F-803D-EEC3-77DD-BEF9C56E9269}"/>
+          </ac:picMkLst>
+        </pc:picChg>
+        <pc:cxnChg chg="add del">
+          <ac:chgData name="Antonio Peric" userId="68157115d40ac8e2" providerId="LiveId" clId="{791C457C-DB6C-4FD1-9AF4-07D803CE15F9}" dt="2023-01-26T14:16:21.247" v="12" actId="26606"/>
+          <ac:cxnSpMkLst>
+            <pc:docMk/>
+            <pc:sldMk cId="155697871" sldId="296"/>
+            <ac:cxnSpMk id="10" creationId="{EAD4CCDA-06BF-4D2A-B44F-195AEC0B5B22}"/>
+          </ac:cxnSpMkLst>
+        </pc:cxnChg>
+        <pc:cxnChg chg="add del">
+          <ac:chgData name="Antonio Peric" userId="68157115d40ac8e2" providerId="LiveId" clId="{791C457C-DB6C-4FD1-9AF4-07D803CE15F9}" dt="2023-01-26T14:16:21.247" v="12" actId="26606"/>
+          <ac:cxnSpMkLst>
+            <pc:docMk/>
+            <pc:sldMk cId="155697871" sldId="296"/>
+            <ac:cxnSpMk id="21" creationId="{16BEECB0-0766-4C59-B86E-5D26B7D8EF4D}"/>
+          </ac:cxnSpMkLst>
+        </pc:cxnChg>
+      </pc:sldChg>
+      <pc:sldChg chg="addSp delSp modSp mod">
+        <pc:chgData name="Antonio Peric" userId="68157115d40ac8e2" providerId="LiveId" clId="{791C457C-DB6C-4FD1-9AF4-07D803CE15F9}" dt="2023-01-26T14:15:12.074" v="7" actId="1076"/>
+        <pc:sldMkLst>
+          <pc:docMk/>
+          <pc:sldMk cId="1700562641" sldId="300"/>
+        </pc:sldMkLst>
+        <pc:picChg chg="add mod ord">
+          <ac:chgData name="Antonio Peric" userId="68157115d40ac8e2" providerId="LiveId" clId="{791C457C-DB6C-4FD1-9AF4-07D803CE15F9}" dt="2023-01-26T14:15:12.074" v="7" actId="1076"/>
+          <ac:picMkLst>
+            <pc:docMk/>
+            <pc:sldMk cId="1700562641" sldId="300"/>
+            <ac:picMk id="2" creationId="{ECD144AF-C713-4AA6-F670-0AA758C90973}"/>
+          </ac:picMkLst>
+        </pc:picChg>
+        <pc:picChg chg="del">
+          <ac:chgData name="Antonio Peric" userId="68157115d40ac8e2" providerId="LiveId" clId="{791C457C-DB6C-4FD1-9AF4-07D803CE15F9}" dt="2023-01-26T14:13:53.912" v="0" actId="478"/>
+          <ac:picMkLst>
+            <pc:docMk/>
+            <pc:sldMk cId="1700562641" sldId="300"/>
+            <ac:picMk id="5" creationId="{F6BCF78B-35EF-70AF-0A79-B209EE7D00E4}"/>
+          </ac:picMkLst>
+        </pc:picChg>
+      </pc:sldChg>
+      <pc:sldChg chg="del">
+        <pc:chgData name="Antonio Peric" userId="68157115d40ac8e2" providerId="LiveId" clId="{791C457C-DB6C-4FD1-9AF4-07D803CE15F9}" dt="2023-01-26T14:15:16.710" v="8" actId="47"/>
+        <pc:sldMkLst>
+          <pc:docMk/>
+          <pc:sldMk cId="1509675491" sldId="301"/>
+        </pc:sldMkLst>
+      </pc:sldChg>
+    </pc:docChg>
+  </pc:docChgLst>
 </pc:chgInfo>
 </file>
 
@@ -2529,7 +2637,7 @@
           <a:p>
             <a:fld id="{326951E3-958F-4611-B170-D081BA0250F9}" type="datetimeFigureOut">
               <a:rPr lang="en-US" smtClean="0"/>
-              <a:t>11/25/2022</a:t>
+              <a:t>1/26/2023</a:t>
             </a:fld>
             <a:endParaRPr lang="en-US"/>
           </a:p>
@@ -2583,7 +2691,7 @@
           <a:p>
             <a:fld id="{57871EFB-7B9E-4E86-A89E-697E8EBB06F2}" type="slidenum">
               <a:rPr lang="en-US" smtClean="0"/>
-              <a:t>‹#›</a:t>
+              <a:t>‹Nr.›</a:t>
             </a:fld>
             <a:endParaRPr lang="en-US"/>
           </a:p>
@@ -2727,7 +2835,7 @@
           <a:p>
             <a:fld id="{326951E3-958F-4611-B170-D081BA0250F9}" type="datetimeFigureOut">
               <a:rPr lang="en-US" smtClean="0"/>
-              <a:t>11/25/2022</a:t>
+              <a:t>1/26/2023</a:t>
             </a:fld>
             <a:endParaRPr lang="en-US"/>
           </a:p>
@@ -2781,7 +2889,7 @@
           <a:p>
             <a:fld id="{57871EFB-7B9E-4E86-A89E-697E8EBB06F2}" type="slidenum">
               <a:rPr lang="en-US" smtClean="0"/>
-              <a:t>‹#›</a:t>
+              <a:t>‹Nr.›</a:t>
             </a:fld>
             <a:endParaRPr lang="en-US"/>
           </a:p>
@@ -2935,7 +3043,7 @@
           <a:p>
             <a:fld id="{326951E3-958F-4611-B170-D081BA0250F9}" type="datetimeFigureOut">
               <a:rPr lang="en-US" smtClean="0"/>
-              <a:t>11/25/2022</a:t>
+              <a:t>1/26/2023</a:t>
             </a:fld>
             <a:endParaRPr lang="en-US"/>
           </a:p>
@@ -2989,7 +3097,7 @@
           <a:p>
             <a:fld id="{57871EFB-7B9E-4E86-A89E-697E8EBB06F2}" type="slidenum">
               <a:rPr lang="en-US" smtClean="0"/>
-              <a:t>‹#›</a:t>
+              <a:t>‹Nr.›</a:t>
             </a:fld>
             <a:endParaRPr lang="en-US"/>
           </a:p>
@@ -3133,7 +3241,7 @@
           <a:p>
             <a:fld id="{326951E3-958F-4611-B170-D081BA0250F9}" type="datetimeFigureOut">
               <a:rPr lang="en-US" smtClean="0"/>
-              <a:t>11/25/2022</a:t>
+              <a:t>1/26/2023</a:t>
             </a:fld>
             <a:endParaRPr lang="en-US"/>
           </a:p>
@@ -3187,7 +3295,7 @@
           <a:p>
             <a:fld id="{57871EFB-7B9E-4E86-A89E-697E8EBB06F2}" type="slidenum">
               <a:rPr lang="en-US" smtClean="0"/>
-              <a:t>‹#›</a:t>
+              <a:t>‹Nr.›</a:t>
             </a:fld>
             <a:endParaRPr lang="en-US"/>
           </a:p>
@@ -3410,7 +3518,7 @@
           <a:p>
             <a:fld id="{326951E3-958F-4611-B170-D081BA0250F9}" type="datetimeFigureOut">
               <a:rPr lang="en-US" smtClean="0"/>
-              <a:t>11/25/2022</a:t>
+              <a:t>1/26/2023</a:t>
             </a:fld>
             <a:endParaRPr lang="en-US"/>
           </a:p>
@@ -3464,7 +3572,7 @@
           <a:p>
             <a:fld id="{57871EFB-7B9E-4E86-A89E-697E8EBB06F2}" type="slidenum">
               <a:rPr lang="en-US" smtClean="0"/>
-              <a:t>‹#›</a:t>
+              <a:t>‹Nr.›</a:t>
             </a:fld>
             <a:endParaRPr lang="en-US"/>
           </a:p>
@@ -3675,7 +3783,7 @@
           <a:p>
             <a:fld id="{326951E3-958F-4611-B170-D081BA0250F9}" type="datetimeFigureOut">
               <a:rPr lang="en-US" smtClean="0"/>
-              <a:t>11/25/2022</a:t>
+              <a:t>1/26/2023</a:t>
             </a:fld>
             <a:endParaRPr lang="en-US"/>
           </a:p>
@@ -3729,7 +3837,7 @@
           <a:p>
             <a:fld id="{57871EFB-7B9E-4E86-A89E-697E8EBB06F2}" type="slidenum">
               <a:rPr lang="en-US" smtClean="0"/>
-              <a:t>‹#›</a:t>
+              <a:t>‹Nr.›</a:t>
             </a:fld>
             <a:endParaRPr lang="en-US"/>
           </a:p>
@@ -4097,7 +4205,7 @@
           <a:p>
             <a:fld id="{326951E3-958F-4611-B170-D081BA0250F9}" type="datetimeFigureOut">
               <a:rPr lang="en-US" smtClean="0"/>
-              <a:t>11/25/2022</a:t>
+              <a:t>1/26/2023</a:t>
             </a:fld>
             <a:endParaRPr lang="en-US"/>
           </a:p>
@@ -4151,7 +4259,7 @@
           <a:p>
             <a:fld id="{57871EFB-7B9E-4E86-A89E-697E8EBB06F2}" type="slidenum">
               <a:rPr lang="en-US" smtClean="0"/>
-              <a:t>‹#›</a:t>
+              <a:t>‹Nr.›</a:t>
             </a:fld>
             <a:endParaRPr lang="en-US"/>
           </a:p>
@@ -4249,7 +4357,7 @@
           <a:p>
             <a:fld id="{326951E3-958F-4611-B170-D081BA0250F9}" type="datetimeFigureOut">
               <a:rPr lang="en-US" smtClean="0"/>
-              <a:t>11/25/2022</a:t>
+              <a:t>1/26/2023</a:t>
             </a:fld>
             <a:endParaRPr lang="en-US"/>
           </a:p>
@@ -4303,7 +4411,7 @@
           <a:p>
             <a:fld id="{57871EFB-7B9E-4E86-A89E-697E8EBB06F2}" type="slidenum">
               <a:rPr lang="en-US" smtClean="0"/>
-              <a:t>‹#›</a:t>
+              <a:t>‹Nr.›</a:t>
             </a:fld>
             <a:endParaRPr lang="en-US"/>
           </a:p>
@@ -4362,7 +4470,7 @@
           <a:p>
             <a:fld id="{326951E3-958F-4611-B170-D081BA0250F9}" type="datetimeFigureOut">
               <a:rPr lang="en-US" smtClean="0"/>
-              <a:t>11/25/2022</a:t>
+              <a:t>1/26/2023</a:t>
             </a:fld>
             <a:endParaRPr lang="en-US"/>
           </a:p>
@@ -4416,7 +4524,7 @@
           <a:p>
             <a:fld id="{57871EFB-7B9E-4E86-A89E-697E8EBB06F2}" type="slidenum">
               <a:rPr lang="en-US" smtClean="0"/>
-              <a:t>‹#›</a:t>
+              <a:t>‹Nr.›</a:t>
             </a:fld>
             <a:endParaRPr lang="en-US"/>
           </a:p>
@@ -4680,7 +4788,7 @@
           <a:p>
             <a:fld id="{326951E3-958F-4611-B170-D081BA0250F9}" type="datetimeFigureOut">
               <a:rPr lang="en-US" smtClean="0"/>
-              <a:t>11/25/2022</a:t>
+              <a:t>1/26/2023</a:t>
             </a:fld>
             <a:endParaRPr lang="en-US"/>
           </a:p>
@@ -4734,7 +4842,7 @@
           <a:p>
             <a:fld id="{57871EFB-7B9E-4E86-A89E-697E8EBB06F2}" type="slidenum">
               <a:rPr lang="en-US" smtClean="0"/>
-              <a:t>‹#›</a:t>
+              <a:t>‹Nr.›</a:t>
             </a:fld>
             <a:endParaRPr lang="en-US"/>
           </a:p>
@@ -5016,7 +5124,7 @@
           <a:p>
             <a:fld id="{326951E3-958F-4611-B170-D081BA0250F9}" type="datetimeFigureOut">
               <a:rPr lang="en-US" smtClean="0"/>
-              <a:t>11/25/2022</a:t>
+              <a:t>1/26/2023</a:t>
             </a:fld>
             <a:endParaRPr lang="en-US"/>
           </a:p>
@@ -5070,7 +5178,7 @@
           <a:p>
             <a:fld id="{57871EFB-7B9E-4E86-A89E-697E8EBB06F2}" type="slidenum">
               <a:rPr lang="en-US" smtClean="0"/>
-              <a:t>‹#›</a:t>
+              <a:t>‹Nr.›</a:t>
             </a:fld>
             <a:endParaRPr lang="en-US"/>
           </a:p>
@@ -5305,7 +5413,7 @@
             <a:fld id="{326951E3-958F-4611-B170-D081BA0250F9}" type="datetimeFigureOut">
               <a:rPr lang="en-US" smtClean="0"/>
               <a:pPr/>
-              <a:t>11/25/2022</a:t>
+              <a:t>1/26/2023</a:t>
             </a:fld>
             <a:endParaRPr lang="en-US" dirty="0"/>
           </a:p>
@@ -5392,7 +5500,7 @@
             <a:fld id="{57871EFB-7B9E-4E86-A89E-697E8EBB06F2}" type="slidenum">
               <a:rPr lang="en-US" smtClean="0"/>
               <a:pPr/>
-              <a:t>‹#›</a:t>
+              <a:t>‹Nr.›</a:t>
             </a:fld>
             <a:endParaRPr lang="en-US" dirty="0"/>
           </a:p>
@@ -8521,6 +8629,36 @@
           <a:chExt cx="0" cy="0"/>
         </a:xfrm>
       </p:grpSpPr>
+      <p:pic>
+        <p:nvPicPr>
+          <p:cNvPr id="3" name="Grafik 2">
+            <a:extLst>
+              <a:ext uri="{FF2B5EF4-FFF2-40B4-BE49-F238E27FC236}">
+                <a16:creationId xmlns:a16="http://schemas.microsoft.com/office/drawing/2014/main" id="{DE823BE1-B315-B841-9B0C-8779D3318B35}"/>
+              </a:ext>
+            </a:extLst>
+          </p:cNvPr>
+          <p:cNvPicPr>
+            <a:picLocks noChangeAspect="1"/>
+          </p:cNvPicPr>
+          <p:nvPr/>
+        </p:nvPicPr>
+        <p:blipFill>
+          <a:blip r:embed="rId2"/>
+          <a:stretch>
+            <a:fillRect/>
+          </a:stretch>
+        </p:blipFill>
+        <p:spPr>
+          <a:xfrm>
+            <a:off x="0" y="834136"/>
+            <a:ext cx="12192000" cy="5715932"/>
+          </a:xfrm>
+          <a:prstGeom prst="rect">
+            <a:avLst/>
+          </a:prstGeom>
+        </p:spPr>
+      </p:pic>
       <p:sp>
         <p:nvSpPr>
           <p:cNvPr id="8" name="Title 1">
@@ -8570,42 +8708,13 @@
           <a:p>
             <a:pPr algn="ctr"/>
             <a:r>
-              <a:rPr lang="de-AT" b="1" dirty="0"/>
+              <a:rPr lang="de-AT" b="1"/>
               <a:t>Grafana Dashboard</a:t>
             </a:r>
+            <a:endParaRPr lang="de-AT" b="1" dirty="0"/>
           </a:p>
         </p:txBody>
       </p:sp>
-      <p:pic>
-        <p:nvPicPr>
-          <p:cNvPr id="7" name="Picture 6">
-            <a:extLst>
-              <a:ext uri="{FF2B5EF4-FFF2-40B4-BE49-F238E27FC236}">
-                <a16:creationId xmlns:a16="http://schemas.microsoft.com/office/drawing/2014/main" id="{9E46624F-803D-EEC3-77DD-BEF9C56E9269}"/>
-              </a:ext>
-            </a:extLst>
-          </p:cNvPr>
-          <p:cNvPicPr>
-            <a:picLocks noChangeAspect="1"/>
-          </p:cNvPicPr>
-          <p:nvPr/>
-        </p:nvPicPr>
-        <p:blipFill>
-          <a:blip r:embed="rId2"/>
-          <a:stretch>
-            <a:fillRect/>
-          </a:stretch>
-        </p:blipFill>
-        <p:spPr>
-          <a:xfrm>
-            <a:off x="0" y="1045718"/>
-            <a:ext cx="12192000" cy="4766564"/>
-          </a:xfrm>
-          <a:prstGeom prst="rect">
-            <a:avLst/>
-          </a:prstGeom>
-        </p:spPr>
-      </p:pic>
     </p:spTree>
     <p:extLst>
       <p:ext uri="{BB962C8B-B14F-4D97-AF65-F5344CB8AC3E}">
@@ -10461,10 +10570,11 @@
       </p:grpSpPr>
       <p:pic>
         <p:nvPicPr>
-          <p:cNvPr id="5" name="Picture 4">
-            <a:extLst>
-              <a:ext uri="{FF2B5EF4-FFF2-40B4-BE49-F238E27FC236}">
-                <a16:creationId xmlns:a16="http://schemas.microsoft.com/office/drawing/2014/main" id="{F6BCF78B-35EF-70AF-0A79-B209EE7D00E4}"/>
+          <p:cNvPr id="2" name="Grafik 1">
+            <a:hlinkClick r:id="rId2"/>
+            <a:extLst>
+              <a:ext uri="{FF2B5EF4-FFF2-40B4-BE49-F238E27FC236}">
+                <a16:creationId xmlns:a16="http://schemas.microsoft.com/office/drawing/2014/main" id="{ECD144AF-C713-4AA6-F670-0AA758C90973}"/>
               </a:ext>
             </a:extLst>
           </p:cNvPr>
@@ -10474,15 +10584,15 @@
           <p:nvPr/>
         </p:nvPicPr>
         <p:blipFill>
-          <a:blip r:embed="rId2"/>
+          <a:blip r:embed="rId3"/>
           <a:stretch>
             <a:fillRect/>
           </a:stretch>
         </p:blipFill>
         <p:spPr>
           <a:xfrm>
-            <a:off x="0" y="0"/>
-            <a:ext cx="12192000" cy="6858000"/>
+            <a:off x="71433" y="453226"/>
+            <a:ext cx="12049133" cy="5823749"/>
           </a:xfrm>
           <a:prstGeom prst="rect">
             <a:avLst/>
@@ -10603,48 +10713,6 @@
   <p:transition spd="slow">
     <p:cover/>
   </p:transition>
-</p:sld>
-</file>
-
-<file path=ppt/slides/slide18.xml><?xml version="1.0" encoding="utf-8"?>
-<p:sld xmlns:a="http://schemas.openxmlformats.org/drawingml/2006/main" xmlns:r="http://schemas.openxmlformats.org/officeDocument/2006/relationships" xmlns:p="http://schemas.openxmlformats.org/presentationml/2006/main">
-  <p:cSld>
-    <p:spTree>
-      <p:nvGrpSpPr>
-        <p:cNvPr id="1" name=""/>
-        <p:cNvGrpSpPr/>
-        <p:nvPr/>
-      </p:nvGrpSpPr>
-      <p:grpSpPr>
-        <a:xfrm>
-          <a:off x="0" y="0"/>
-          <a:ext cx="0" cy="0"/>
-          <a:chOff x="0" y="0"/>
-          <a:chExt cx="0" cy="0"/>
-        </a:xfrm>
-      </p:grpSpPr>
-    </p:spTree>
-    <p:extLst>
-      <p:ext uri="{BB962C8B-B14F-4D97-AF65-F5344CB8AC3E}">
-        <p14:creationId xmlns:p14="http://schemas.microsoft.com/office/powerpoint/2010/main" val="1509675491"/>
-      </p:ext>
-    </p:extLst>
-  </p:cSld>
-  <p:clrMapOvr>
-    <a:masterClrMapping/>
-  </p:clrMapOvr>
-  <mc:AlternateContent xmlns:mc="http://schemas.openxmlformats.org/markup-compatibility/2006">
-    <mc:Choice xmlns:p15="http://schemas.microsoft.com/office/powerpoint/2012/main" Requires="p15">
-      <p:transition xmlns:p14="http://schemas.microsoft.com/office/powerpoint/2010/main" spd="slow" p14:dur="1250">
-        <p15:prstTrans prst="airplane"/>
-      </p:transition>
-    </mc:Choice>
-    <mc:Fallback>
-      <p:transition spd="slow">
-        <p:fade/>
-      </p:transition>
-    </mc:Fallback>
-  </mc:AlternateContent>
 </p:sld>
 </file>
 
@@ -13375,13 +13443,13 @@
   <p:clrMapOvr>
     <a:masterClrMapping/>
   </p:clrMapOvr>
-  <mc:AlternateContent xmlns:mc="http://schemas.openxmlformats.org/markup-compatibility/2006">
-    <mc:Choice xmlns:p14="http://schemas.microsoft.com/office/powerpoint/2010/main" Requires="p14">
+  <mc:AlternateContent xmlns:mc="http://schemas.openxmlformats.org/markup-compatibility/2006" xmlns:p14="http://schemas.microsoft.com/office/powerpoint/2010/main">
+    <mc:Choice Requires="p14">
       <p:transition spd="slow">
         <p14:pan dir="u"/>
       </p:transition>
     </mc:Choice>
-    <mc:Fallback>
+    <mc:Fallback xmlns="">
       <p:transition spd="slow">
         <p:fade/>
       </p:transition>
